--- a/docs/poster.pptx
+++ b/docs/poster.pptx
@@ -3507,6 +3507,42 @@
           </a:p>
         </p:txBody>
       </p:sp>
+      <p:pic>
+        <p:nvPicPr>
+          <p:cNvPr id="3" name="Picture 2" descr="A close up of text on a white background&#10;&#10;Description generated with high confidence">
+            <a:extLst>
+              <a:ext uri="{FF2B5EF4-FFF2-40B4-BE49-F238E27FC236}">
+                <a16:creationId xmlns:a16="http://schemas.microsoft.com/office/drawing/2014/main" id="{BAA4E24C-D968-4146-A451-2EF4292F59A3}"/>
+              </a:ext>
+            </a:extLst>
+          </p:cNvPr>
+          <p:cNvPicPr>
+            <a:picLocks noChangeAspect="1"/>
+          </p:cNvPicPr>
+          <p:nvPr/>
+        </p:nvPicPr>
+        <p:blipFill>
+          <a:blip r:embed="rId3">
+            <a:extLst>
+              <a:ext uri="{28A0092B-C50C-407E-A947-70E740481C1C}">
+                <a14:useLocalDpi xmlns:a14="http://schemas.microsoft.com/office/drawing/2010/main" val="0"/>
+              </a:ext>
+            </a:extLst>
+          </a:blip>
+          <a:stretch>
+            <a:fillRect/>
+          </a:stretch>
+        </p:blipFill>
+        <p:spPr>
+          <a:xfrm>
+            <a:off x="914401" y="12354608"/>
+            <a:ext cx="8345065" cy="4658375"/>
+          </a:xfrm>
+          <a:prstGeom prst="rect">
+            <a:avLst/>
+          </a:prstGeom>
+        </p:spPr>
+      </p:pic>
     </p:spTree>
     <p:extLst>
       <p:ext uri="{BB962C8B-B14F-4D97-AF65-F5344CB8AC3E}">

--- a/docs/poster.pptx
+++ b/docs/poster.pptx
@@ -1,6 +1,6 @@
 
 <file path=ppt/presentation.xml><?xml version="1.0" encoding="utf-8"?>
-<p:presentation xmlns:a="http://schemas.openxmlformats.org/drawingml/2006/main" xmlns:r="http://schemas.openxmlformats.org/officeDocument/2006/relationships" xmlns:p="http://schemas.openxmlformats.org/presentationml/2006/main" saveSubsetFonts="1">
+<p:presentation xmlns:a="http://schemas.openxmlformats.org/drawingml/2006/main" xmlns:r="http://schemas.openxmlformats.org/officeDocument/2006/relationships" xmlns:p="http://schemas.openxmlformats.org/presentationml/2006/main" embedTrueTypeFonts="1">
   <p:sldMasterIdLst>
     <p:sldMasterId id="2147483660" r:id="rId1"/>
   </p:sldMasterIdLst>
@@ -9,6 +9,24 @@
   </p:sldIdLst>
   <p:sldSz cx="32918400" cy="21945600"/>
   <p:notesSz cx="6858000" cy="9144000"/>
+  <p:embeddedFontLst>
+    <p:embeddedFont>
+      <p:font typeface="Calibri" panose="020F0502020204030204" pitchFamily="34" charset="0"/>
+      <p:regular r:id="rId3"/>
+      <p:bold r:id="rId4"/>
+      <p:italic r:id="rId5"/>
+      <p:boldItalic r:id="rId6"/>
+    </p:embeddedFont>
+    <p:embeddedFont>
+      <p:font typeface="BentonSans Regular" panose="02000503000000020004" pitchFamily="50" charset="0"/>
+      <p:regular r:id="rId7"/>
+    </p:embeddedFont>
+    <p:embeddedFont>
+      <p:font typeface="Calibri Light" panose="020F0302020204030204" pitchFamily="34" charset="0"/>
+      <p:regular r:id="rId8"/>
+      <p:italic r:id="rId9"/>
+    </p:embeddedFont>
+  </p:embeddedFontLst>
   <p:defaultTextStyle>
     <a:defPPr>
       <a:defRPr lang="en-US"/>
@@ -3140,7 +3158,7 @@
           <a:lstStyle/>
           <a:p>
             <a:r>
-              <a:rPr lang="en-US" sz="7200" dirty="0">
+              <a:rPr lang="en-US" sz="7200" b="1" dirty="0">
                 <a:solidFill>
                   <a:schemeClr val="bg1"/>
                 </a:solidFill>
@@ -3166,7 +3184,7 @@
         <p:spPr>
           <a:xfrm>
             <a:off x="914401" y="6619848"/>
-            <a:ext cx="9144000" cy="1609752"/>
+            <a:ext cx="9144000" cy="816427"/>
           </a:xfrm>
           <a:prstGeom prst="rect">
             <a:avLst/>
@@ -3204,6 +3222,7 @@
                 <a:solidFill>
                   <a:srgbClr val="FFFFFF"/>
                 </a:solidFill>
+                <a:latin typeface="BentonSans Regular" panose="02000503000000020004" pitchFamily="50" charset="0"/>
               </a:rPr>
               <a:t>Introduction</a:t>
             </a:r>
@@ -3225,7 +3244,7 @@
         <p:spPr>
           <a:xfrm>
             <a:off x="11005459" y="6619848"/>
-            <a:ext cx="10940141" cy="1609752"/>
+            <a:ext cx="10940141" cy="816427"/>
           </a:xfrm>
           <a:prstGeom prst="rect">
             <a:avLst/>
@@ -3277,7 +3296,7 @@
         <p:spPr>
           <a:xfrm>
             <a:off x="22892655" y="6619848"/>
-            <a:ext cx="9111344" cy="1609752"/>
+            <a:ext cx="9111344" cy="816427"/>
           </a:xfrm>
           <a:prstGeom prst="rect">
             <a:avLst/>
@@ -3535,7 +3554,7 @@
         </p:blipFill>
         <p:spPr>
           <a:xfrm>
-            <a:off x="914401" y="12354608"/>
+            <a:off x="1208315" y="13171036"/>
             <a:ext cx="8345065" cy="4658375"/>
           </a:xfrm>
           <a:prstGeom prst="rect">

--- a/docs/poster.pptx
+++ b/docs/poster.pptx
@@ -11,20 +11,20 @@
   <p:notesSz cx="6858000" cy="9144000"/>
   <p:embeddedFontLst>
     <p:embeddedFont>
-      <p:font typeface="Calibri" panose="020F0502020204030204" pitchFamily="34" charset="0"/>
+      <p:font typeface="Calibri Light" panose="020F0302020204030204" pitchFamily="34" charset="0"/>
       <p:regular r:id="rId3"/>
-      <p:bold r:id="rId4"/>
-      <p:italic r:id="rId5"/>
-      <p:boldItalic r:id="rId6"/>
+      <p:italic r:id="rId4"/>
     </p:embeddedFont>
     <p:embeddedFont>
       <p:font typeface="BentonSans Regular" panose="02000503000000020004" pitchFamily="50" charset="0"/>
-      <p:regular r:id="rId7"/>
+      <p:regular r:id="rId5"/>
     </p:embeddedFont>
     <p:embeddedFont>
-      <p:font typeface="Calibri Light" panose="020F0302020204030204" pitchFamily="34" charset="0"/>
-      <p:regular r:id="rId8"/>
-      <p:italic r:id="rId9"/>
+      <p:font typeface="Calibri" panose="020F0502020204030204" pitchFamily="34" charset="0"/>
+      <p:regular r:id="rId6"/>
+      <p:bold r:id="rId7"/>
+      <p:italic r:id="rId8"/>
+      <p:boldItalic r:id="rId9"/>
     </p:embeddedFont>
   </p:embeddedFontLst>
   <p:defaultTextStyle>
@@ -141,6 +141,1036 @@
 </p:presentation>
 </file>
 
+<file path=ppt/charts/chart1.xml><?xml version="1.0" encoding="utf-8"?>
+<c:chartSpace xmlns:c="http://schemas.openxmlformats.org/drawingml/2006/chart" xmlns:a="http://schemas.openxmlformats.org/drawingml/2006/main" xmlns:r="http://schemas.openxmlformats.org/officeDocument/2006/relationships" xmlns:c16r2="http://schemas.microsoft.com/office/drawing/2015/06/chart">
+  <c:date1904 val="0"/>
+  <c:lang val="en-US"/>
+  <c:roundedCorners val="0"/>
+  <mc:AlternateContent xmlns:mc="http://schemas.openxmlformats.org/markup-compatibility/2006">
+    <mc:Choice xmlns:c14="http://schemas.microsoft.com/office/drawing/2007/8/2/chart" Requires="c14">
+      <c14:style val="102"/>
+    </mc:Choice>
+    <mc:Fallback>
+      <c:style val="2"/>
+    </mc:Fallback>
+  </mc:AlternateContent>
+  <c:chart>
+    <c:title>
+      <c:overlay val="0"/>
+      <c:spPr>
+        <a:noFill/>
+        <a:ln>
+          <a:noFill/>
+        </a:ln>
+        <a:effectLst/>
+      </c:spPr>
+      <c:txPr>
+        <a:bodyPr rot="0" spcFirstLastPara="1" vertOverflow="ellipsis" vert="horz" wrap="square" anchor="ctr" anchorCtr="1"/>
+        <a:lstStyle/>
+        <a:p>
+          <a:pPr>
+            <a:defRPr sz="1862" b="0" i="0" u="none" strike="noStrike" kern="1200" spc="0" baseline="0">
+              <a:solidFill>
+                <a:schemeClr val="tx1">
+                  <a:lumMod val="65000"/>
+                  <a:lumOff val="35000"/>
+                </a:schemeClr>
+              </a:solidFill>
+              <a:latin typeface="+mn-lt"/>
+              <a:ea typeface="+mn-ea"/>
+              <a:cs typeface="+mn-cs"/>
+            </a:defRPr>
+          </a:pPr>
+          <a:endParaRPr lang="en-US"/>
+        </a:p>
+      </c:txPr>
+    </c:title>
+    <c:autoTitleDeleted val="0"/>
+    <c:plotArea>
+      <c:layout>
+        <c:manualLayout>
+          <c:layoutTarget val="inner"/>
+          <c:xMode val="edge"/>
+          <c:yMode val="edge"/>
+          <c:x val="5.5700133737773952E-2"/>
+          <c:y val="4.8735515769412208E-2"/>
+          <c:w val="0.96229364181096444"/>
+          <c:h val="0.7931997070455159"/>
+        </c:manualLayout>
+      </c:layout>
+      <c:lineChart>
+        <c:grouping val="standard"/>
+        <c:varyColors val="0"/>
+        <c:ser>
+          <c:idx val="0"/>
+          <c:order val="0"/>
+          <c:tx>
+            <c:strRef>
+              <c:f>Sheet1!$B$1</c:f>
+              <c:strCache>
+                <c:ptCount val="1"/>
+                <c:pt idx="0">
+                  <c:v>Series 1</c:v>
+                </c:pt>
+              </c:strCache>
+            </c:strRef>
+          </c:tx>
+          <c:spPr>
+            <a:ln w="28575" cap="rnd">
+              <a:solidFill>
+                <a:schemeClr val="accent1"/>
+              </a:solidFill>
+              <a:round/>
+            </a:ln>
+            <a:effectLst/>
+          </c:spPr>
+          <c:marker>
+            <c:symbol val="none"/>
+          </c:marker>
+          <c:cat>
+            <c:strRef>
+              <c:f>Sheet1!$A$2:$A$5</c:f>
+              <c:strCache>
+                <c:ptCount val="4"/>
+                <c:pt idx="0">
+                  <c:v>Category 1</c:v>
+                </c:pt>
+                <c:pt idx="1">
+                  <c:v>Category 2</c:v>
+                </c:pt>
+                <c:pt idx="2">
+                  <c:v>Category 3</c:v>
+                </c:pt>
+                <c:pt idx="3">
+                  <c:v>Category 4</c:v>
+                </c:pt>
+              </c:strCache>
+            </c:strRef>
+          </c:cat>
+          <c:val>
+            <c:numRef>
+              <c:f>Sheet1!$B$2:$B$5</c:f>
+              <c:numCache>
+                <c:formatCode>General</c:formatCode>
+                <c:ptCount val="4"/>
+                <c:pt idx="0">
+                  <c:v>4.3</c:v>
+                </c:pt>
+                <c:pt idx="1">
+                  <c:v>2.5</c:v>
+                </c:pt>
+                <c:pt idx="2">
+                  <c:v>3.5</c:v>
+                </c:pt>
+                <c:pt idx="3">
+                  <c:v>4.5</c:v>
+                </c:pt>
+              </c:numCache>
+            </c:numRef>
+          </c:val>
+          <c:smooth val="0"/>
+          <c:extLst>
+            <c:ext xmlns:c16="http://schemas.microsoft.com/office/drawing/2014/chart" uri="{C3380CC4-5D6E-409C-BE32-E72D297353CC}">
+              <c16:uniqueId val="{00000000-7F53-4704-9BCB-60800BB09BA9}"/>
+            </c:ext>
+          </c:extLst>
+        </c:ser>
+        <c:ser>
+          <c:idx val="1"/>
+          <c:order val="1"/>
+          <c:tx>
+            <c:strRef>
+              <c:f>Sheet1!$C$1</c:f>
+              <c:strCache>
+                <c:ptCount val="1"/>
+                <c:pt idx="0">
+                  <c:v>Series 2</c:v>
+                </c:pt>
+              </c:strCache>
+            </c:strRef>
+          </c:tx>
+          <c:spPr>
+            <a:ln w="28575" cap="rnd">
+              <a:solidFill>
+                <a:schemeClr val="accent2"/>
+              </a:solidFill>
+              <a:round/>
+            </a:ln>
+            <a:effectLst/>
+          </c:spPr>
+          <c:marker>
+            <c:symbol val="none"/>
+          </c:marker>
+          <c:cat>
+            <c:strRef>
+              <c:f>Sheet1!$A$2:$A$5</c:f>
+              <c:strCache>
+                <c:ptCount val="4"/>
+                <c:pt idx="0">
+                  <c:v>Category 1</c:v>
+                </c:pt>
+                <c:pt idx="1">
+                  <c:v>Category 2</c:v>
+                </c:pt>
+                <c:pt idx="2">
+                  <c:v>Category 3</c:v>
+                </c:pt>
+                <c:pt idx="3">
+                  <c:v>Category 4</c:v>
+                </c:pt>
+              </c:strCache>
+            </c:strRef>
+          </c:cat>
+          <c:val>
+            <c:numRef>
+              <c:f>Sheet1!$C$2:$C$5</c:f>
+              <c:numCache>
+                <c:formatCode>General</c:formatCode>
+                <c:ptCount val="4"/>
+                <c:pt idx="0">
+                  <c:v>2.4</c:v>
+                </c:pt>
+                <c:pt idx="1">
+                  <c:v>4.4000000000000004</c:v>
+                </c:pt>
+                <c:pt idx="2">
+                  <c:v>1.8</c:v>
+                </c:pt>
+                <c:pt idx="3">
+                  <c:v>2.8</c:v>
+                </c:pt>
+              </c:numCache>
+            </c:numRef>
+          </c:val>
+          <c:smooth val="0"/>
+          <c:extLst>
+            <c:ext xmlns:c16="http://schemas.microsoft.com/office/drawing/2014/chart" uri="{C3380CC4-5D6E-409C-BE32-E72D297353CC}">
+              <c16:uniqueId val="{00000001-7F53-4704-9BCB-60800BB09BA9}"/>
+            </c:ext>
+          </c:extLst>
+        </c:ser>
+        <c:ser>
+          <c:idx val="2"/>
+          <c:order val="2"/>
+          <c:tx>
+            <c:strRef>
+              <c:f>Sheet1!$D$1</c:f>
+              <c:strCache>
+                <c:ptCount val="1"/>
+                <c:pt idx="0">
+                  <c:v>Series 3</c:v>
+                </c:pt>
+              </c:strCache>
+            </c:strRef>
+          </c:tx>
+          <c:spPr>
+            <a:ln w="28575" cap="rnd">
+              <a:solidFill>
+                <a:schemeClr val="accent3"/>
+              </a:solidFill>
+              <a:round/>
+            </a:ln>
+            <a:effectLst/>
+          </c:spPr>
+          <c:marker>
+            <c:symbol val="none"/>
+          </c:marker>
+          <c:cat>
+            <c:strRef>
+              <c:f>Sheet1!$A$2:$A$5</c:f>
+              <c:strCache>
+                <c:ptCount val="4"/>
+                <c:pt idx="0">
+                  <c:v>Category 1</c:v>
+                </c:pt>
+                <c:pt idx="1">
+                  <c:v>Category 2</c:v>
+                </c:pt>
+                <c:pt idx="2">
+                  <c:v>Category 3</c:v>
+                </c:pt>
+                <c:pt idx="3">
+                  <c:v>Category 4</c:v>
+                </c:pt>
+              </c:strCache>
+            </c:strRef>
+          </c:cat>
+          <c:val>
+            <c:numRef>
+              <c:f>Sheet1!$D$2:$D$5</c:f>
+              <c:numCache>
+                <c:formatCode>General</c:formatCode>
+                <c:ptCount val="4"/>
+                <c:pt idx="0">
+                  <c:v>2</c:v>
+                </c:pt>
+                <c:pt idx="1">
+                  <c:v>2</c:v>
+                </c:pt>
+                <c:pt idx="2">
+                  <c:v>3</c:v>
+                </c:pt>
+                <c:pt idx="3">
+                  <c:v>5</c:v>
+                </c:pt>
+              </c:numCache>
+            </c:numRef>
+          </c:val>
+          <c:smooth val="0"/>
+          <c:extLst>
+            <c:ext xmlns:c16="http://schemas.microsoft.com/office/drawing/2014/chart" uri="{C3380CC4-5D6E-409C-BE32-E72D297353CC}">
+              <c16:uniqueId val="{00000002-7F53-4704-9BCB-60800BB09BA9}"/>
+            </c:ext>
+          </c:extLst>
+        </c:ser>
+        <c:dLbls>
+          <c:showLegendKey val="0"/>
+          <c:showVal val="0"/>
+          <c:showCatName val="0"/>
+          <c:showSerName val="0"/>
+          <c:showPercent val="0"/>
+          <c:showBubbleSize val="0"/>
+        </c:dLbls>
+        <c:smooth val="0"/>
+        <c:axId val="1417540416"/>
+        <c:axId val="1417793680"/>
+      </c:lineChart>
+      <c:catAx>
+        <c:axId val="1417540416"/>
+        <c:scaling>
+          <c:orientation val="minMax"/>
+        </c:scaling>
+        <c:delete val="0"/>
+        <c:axPos val="b"/>
+        <c:numFmt formatCode="General" sourceLinked="1"/>
+        <c:majorTickMark val="none"/>
+        <c:minorTickMark val="none"/>
+        <c:tickLblPos val="nextTo"/>
+        <c:spPr>
+          <a:noFill/>
+          <a:ln w="9525" cap="flat" cmpd="sng" algn="ctr">
+            <a:solidFill>
+              <a:schemeClr val="tx1">
+                <a:lumMod val="15000"/>
+                <a:lumOff val="85000"/>
+              </a:schemeClr>
+            </a:solidFill>
+            <a:round/>
+          </a:ln>
+          <a:effectLst/>
+        </c:spPr>
+        <c:txPr>
+          <a:bodyPr rot="-60000000" spcFirstLastPara="1" vertOverflow="ellipsis" vert="horz" wrap="square" anchor="ctr" anchorCtr="1"/>
+          <a:lstStyle/>
+          <a:p>
+            <a:pPr>
+              <a:defRPr sz="1197" b="0" i="0" u="none" strike="noStrike" kern="1200" baseline="0">
+                <a:solidFill>
+                  <a:schemeClr val="tx1">
+                    <a:lumMod val="65000"/>
+                    <a:lumOff val="35000"/>
+                  </a:schemeClr>
+                </a:solidFill>
+                <a:latin typeface="+mn-lt"/>
+                <a:ea typeface="+mn-ea"/>
+                <a:cs typeface="+mn-cs"/>
+              </a:defRPr>
+            </a:pPr>
+            <a:endParaRPr lang="en-US"/>
+          </a:p>
+        </c:txPr>
+        <c:crossAx val="1417793680"/>
+        <c:crosses val="autoZero"/>
+        <c:auto val="1"/>
+        <c:lblAlgn val="ctr"/>
+        <c:lblOffset val="100"/>
+        <c:noMultiLvlLbl val="0"/>
+      </c:catAx>
+      <c:valAx>
+        <c:axId val="1417793680"/>
+        <c:scaling>
+          <c:orientation val="minMax"/>
+        </c:scaling>
+        <c:delete val="0"/>
+        <c:axPos val="l"/>
+        <c:majorGridlines>
+          <c:spPr>
+            <a:ln w="9525" cap="flat" cmpd="sng" algn="ctr">
+              <a:solidFill>
+                <a:schemeClr val="tx1">
+                  <a:lumMod val="15000"/>
+                  <a:lumOff val="85000"/>
+                </a:schemeClr>
+              </a:solidFill>
+              <a:round/>
+            </a:ln>
+            <a:effectLst/>
+          </c:spPr>
+        </c:majorGridlines>
+        <c:numFmt formatCode="General" sourceLinked="1"/>
+        <c:majorTickMark val="none"/>
+        <c:minorTickMark val="none"/>
+        <c:tickLblPos val="nextTo"/>
+        <c:spPr>
+          <a:noFill/>
+          <a:ln>
+            <a:noFill/>
+          </a:ln>
+          <a:effectLst/>
+        </c:spPr>
+        <c:txPr>
+          <a:bodyPr rot="-60000000" spcFirstLastPara="1" vertOverflow="ellipsis" vert="horz" wrap="square" anchor="ctr" anchorCtr="1"/>
+          <a:lstStyle/>
+          <a:p>
+            <a:pPr>
+              <a:defRPr sz="1197" b="0" i="0" u="none" strike="noStrike" kern="1200" baseline="0">
+                <a:solidFill>
+                  <a:schemeClr val="tx1">
+                    <a:lumMod val="65000"/>
+                    <a:lumOff val="35000"/>
+                  </a:schemeClr>
+                </a:solidFill>
+                <a:latin typeface="+mn-lt"/>
+                <a:ea typeface="+mn-ea"/>
+                <a:cs typeface="+mn-cs"/>
+              </a:defRPr>
+            </a:pPr>
+            <a:endParaRPr lang="en-US"/>
+          </a:p>
+        </c:txPr>
+        <c:crossAx val="1417540416"/>
+        <c:crosses val="autoZero"/>
+        <c:crossBetween val="between"/>
+      </c:valAx>
+      <c:spPr>
+        <a:noFill/>
+        <a:ln>
+          <a:noFill/>
+        </a:ln>
+        <a:effectLst/>
+      </c:spPr>
+    </c:plotArea>
+    <c:legend>
+      <c:legendPos val="b"/>
+      <c:overlay val="0"/>
+      <c:spPr>
+        <a:noFill/>
+        <a:ln>
+          <a:noFill/>
+        </a:ln>
+        <a:effectLst/>
+      </c:spPr>
+      <c:txPr>
+        <a:bodyPr rot="0" spcFirstLastPara="1" vertOverflow="ellipsis" vert="horz" wrap="square" anchor="ctr" anchorCtr="1"/>
+        <a:lstStyle/>
+        <a:p>
+          <a:pPr>
+            <a:defRPr sz="1197" b="0" i="0" u="none" strike="noStrike" kern="1200" baseline="0">
+              <a:solidFill>
+                <a:schemeClr val="tx1">
+                  <a:lumMod val="65000"/>
+                  <a:lumOff val="35000"/>
+                </a:schemeClr>
+              </a:solidFill>
+              <a:latin typeface="+mn-lt"/>
+              <a:ea typeface="+mn-ea"/>
+              <a:cs typeface="+mn-cs"/>
+            </a:defRPr>
+          </a:pPr>
+          <a:endParaRPr lang="en-US"/>
+        </a:p>
+      </c:txPr>
+    </c:legend>
+    <c:plotVisOnly val="1"/>
+    <c:dispBlanksAs val="gap"/>
+    <c:extLst>
+      <c:ext xmlns:c16r3="http://schemas.microsoft.com/office/drawing/2017/03/chart" uri="{56B9EC1D-385E-4148-901F-78D8002777C0}">
+        <c16r3:dataDisplayOptions16>
+          <c16r3:dispNaAsBlank val="1"/>
+        </c16r3:dataDisplayOptions16>
+      </c:ext>
+    </c:extLst>
+    <c:showDLblsOverMax val="0"/>
+  </c:chart>
+  <c:spPr>
+    <a:noFill/>
+    <a:ln>
+      <a:noFill/>
+    </a:ln>
+    <a:effectLst/>
+  </c:spPr>
+  <c:txPr>
+    <a:bodyPr/>
+    <a:lstStyle/>
+    <a:p>
+      <a:pPr>
+        <a:defRPr/>
+      </a:pPr>
+      <a:endParaRPr lang="en-US"/>
+    </a:p>
+  </c:txPr>
+  <c:externalData r:id="rId3">
+    <c:autoUpdate val="0"/>
+  </c:externalData>
+</c:chartSpace>
+</file>
+
+<file path=ppt/charts/colors1.xml><?xml version="1.0" encoding="utf-8"?>
+<cs:colorStyle xmlns:cs="http://schemas.microsoft.com/office/drawing/2012/chartStyle" xmlns:a="http://schemas.openxmlformats.org/drawingml/2006/main" meth="cycle" id="10">
+  <a:schemeClr val="accent1"/>
+  <a:schemeClr val="accent2"/>
+  <a:schemeClr val="accent3"/>
+  <a:schemeClr val="accent4"/>
+  <a:schemeClr val="accent5"/>
+  <a:schemeClr val="accent6"/>
+  <cs:variation/>
+  <cs:variation>
+    <a:lumMod val="60000"/>
+  </cs:variation>
+  <cs:variation>
+    <a:lumMod val="80000"/>
+    <a:lumOff val="20000"/>
+  </cs:variation>
+  <cs:variation>
+    <a:lumMod val="80000"/>
+  </cs:variation>
+  <cs:variation>
+    <a:lumMod val="60000"/>
+    <a:lumOff val="40000"/>
+  </cs:variation>
+  <cs:variation>
+    <a:lumMod val="50000"/>
+  </cs:variation>
+  <cs:variation>
+    <a:lumMod val="70000"/>
+    <a:lumOff val="30000"/>
+  </cs:variation>
+  <cs:variation>
+    <a:lumMod val="70000"/>
+  </cs:variation>
+  <cs:variation>
+    <a:lumMod val="50000"/>
+    <a:lumOff val="50000"/>
+  </cs:variation>
+</cs:colorStyle>
+</file>
+
+<file path=ppt/charts/style1.xml><?xml version="1.0" encoding="utf-8"?>
+<cs:chartStyle xmlns:cs="http://schemas.microsoft.com/office/drawing/2012/chartStyle" xmlns:a="http://schemas.openxmlformats.org/drawingml/2006/main" id="227">
+  <cs:axisTitle>
+    <cs:lnRef idx="0"/>
+    <cs:fillRef idx="0"/>
+    <cs:effectRef idx="0"/>
+    <cs:fontRef idx="minor">
+      <a:schemeClr val="tx1">
+        <a:lumMod val="65000"/>
+        <a:lumOff val="35000"/>
+      </a:schemeClr>
+    </cs:fontRef>
+    <cs:defRPr sz="1330" kern="1200"/>
+  </cs:axisTitle>
+  <cs:categoryAxis>
+    <cs:lnRef idx="0"/>
+    <cs:fillRef idx="0"/>
+    <cs:effectRef idx="0"/>
+    <cs:fontRef idx="minor">
+      <a:schemeClr val="tx1">
+        <a:lumMod val="65000"/>
+        <a:lumOff val="35000"/>
+      </a:schemeClr>
+    </cs:fontRef>
+    <cs:spPr>
+      <a:ln w="9525" cap="flat" cmpd="sng" algn="ctr">
+        <a:solidFill>
+          <a:schemeClr val="tx1">
+            <a:lumMod val="15000"/>
+            <a:lumOff val="85000"/>
+          </a:schemeClr>
+        </a:solidFill>
+        <a:round/>
+      </a:ln>
+    </cs:spPr>
+    <cs:defRPr sz="1197" kern="1200"/>
+  </cs:categoryAxis>
+  <cs:chartArea mods="allowNoFillOverride allowNoLineOverride">
+    <cs:lnRef idx="0"/>
+    <cs:fillRef idx="0"/>
+    <cs:effectRef idx="0"/>
+    <cs:fontRef idx="minor">
+      <a:schemeClr val="tx1"/>
+    </cs:fontRef>
+    <cs:spPr>
+      <a:solidFill>
+        <a:schemeClr val="bg1"/>
+      </a:solidFill>
+      <a:ln w="9525" cap="flat" cmpd="sng" algn="ctr">
+        <a:solidFill>
+          <a:schemeClr val="tx1">
+            <a:lumMod val="15000"/>
+            <a:lumOff val="85000"/>
+          </a:schemeClr>
+        </a:solidFill>
+        <a:round/>
+      </a:ln>
+    </cs:spPr>
+    <cs:defRPr sz="1330" kern="1200"/>
+  </cs:chartArea>
+  <cs:dataLabel>
+    <cs:lnRef idx="0"/>
+    <cs:fillRef idx="0"/>
+    <cs:effectRef idx="0"/>
+    <cs:fontRef idx="minor">
+      <a:schemeClr val="tx1">
+        <a:lumMod val="75000"/>
+        <a:lumOff val="25000"/>
+      </a:schemeClr>
+    </cs:fontRef>
+    <cs:defRPr sz="1197" kern="1200"/>
+  </cs:dataLabel>
+  <cs:dataLabelCallout>
+    <cs:lnRef idx="0"/>
+    <cs:fillRef idx="0"/>
+    <cs:effectRef idx="0"/>
+    <cs:fontRef idx="minor">
+      <a:schemeClr val="dk1">
+        <a:lumMod val="65000"/>
+        <a:lumOff val="35000"/>
+      </a:schemeClr>
+    </cs:fontRef>
+    <cs:spPr>
+      <a:solidFill>
+        <a:schemeClr val="lt1"/>
+      </a:solidFill>
+      <a:ln>
+        <a:solidFill>
+          <a:schemeClr val="dk1">
+            <a:lumMod val="25000"/>
+            <a:lumOff val="75000"/>
+          </a:schemeClr>
+        </a:solidFill>
+      </a:ln>
+    </cs:spPr>
+    <cs:defRPr sz="1197" kern="1200"/>
+    <cs:bodyPr rot="0" spcFirstLastPara="1" vertOverflow="clip" horzOverflow="clip" vert="horz" wrap="square" lIns="36576" tIns="18288" rIns="36576" bIns="18288" anchor="ctr" anchorCtr="1">
+      <a:spAutoFit/>
+    </cs:bodyPr>
+  </cs:dataLabelCallout>
+  <cs:dataPoint>
+    <cs:lnRef idx="0"/>
+    <cs:fillRef idx="1">
+      <cs:styleClr val="auto"/>
+    </cs:fillRef>
+    <cs:effectRef idx="0"/>
+    <cs:fontRef idx="minor">
+      <a:schemeClr val="tx1"/>
+    </cs:fontRef>
+    <cs:spPr>
+      <a:solidFill>
+        <a:schemeClr val="phClr"/>
+      </a:solidFill>
+    </cs:spPr>
+  </cs:dataPoint>
+  <cs:dataPoint3D>
+    <cs:lnRef idx="0"/>
+    <cs:fillRef idx="1">
+      <cs:styleClr val="auto"/>
+    </cs:fillRef>
+    <cs:effectRef idx="0"/>
+    <cs:fontRef idx="minor">
+      <a:schemeClr val="tx1"/>
+    </cs:fontRef>
+    <cs:spPr>
+      <a:solidFill>
+        <a:schemeClr val="phClr"/>
+      </a:solidFill>
+    </cs:spPr>
+  </cs:dataPoint3D>
+  <cs:dataPointLine>
+    <cs:lnRef idx="0">
+      <cs:styleClr val="auto"/>
+    </cs:lnRef>
+    <cs:fillRef idx="1"/>
+    <cs:effectRef idx="0"/>
+    <cs:fontRef idx="minor">
+      <a:schemeClr val="tx1"/>
+    </cs:fontRef>
+    <cs:spPr>
+      <a:ln w="28575" cap="rnd">
+        <a:solidFill>
+          <a:schemeClr val="phClr"/>
+        </a:solidFill>
+        <a:round/>
+      </a:ln>
+    </cs:spPr>
+  </cs:dataPointLine>
+  <cs:dataPointMarker>
+    <cs:lnRef idx="0">
+      <cs:styleClr val="auto"/>
+    </cs:lnRef>
+    <cs:fillRef idx="1">
+      <cs:styleClr val="auto"/>
+    </cs:fillRef>
+    <cs:effectRef idx="0"/>
+    <cs:fontRef idx="minor">
+      <a:schemeClr val="tx1"/>
+    </cs:fontRef>
+    <cs:spPr>
+      <a:solidFill>
+        <a:schemeClr val="phClr"/>
+      </a:solidFill>
+      <a:ln w="9525">
+        <a:solidFill>
+          <a:schemeClr val="phClr"/>
+        </a:solidFill>
+      </a:ln>
+    </cs:spPr>
+  </cs:dataPointMarker>
+  <cs:dataPointMarkerLayout symbol="circle" size="5"/>
+  <cs:dataPointWireframe>
+    <cs:lnRef idx="0">
+      <cs:styleClr val="auto"/>
+    </cs:lnRef>
+    <cs:fillRef idx="1"/>
+    <cs:effectRef idx="0"/>
+    <cs:fontRef idx="minor">
+      <a:schemeClr val="tx1"/>
+    </cs:fontRef>
+    <cs:spPr>
+      <a:ln w="9525" cap="rnd">
+        <a:solidFill>
+          <a:schemeClr val="phClr"/>
+        </a:solidFill>
+        <a:round/>
+      </a:ln>
+    </cs:spPr>
+  </cs:dataPointWireframe>
+  <cs:dataTable>
+    <cs:lnRef idx="0"/>
+    <cs:fillRef idx="0"/>
+    <cs:effectRef idx="0"/>
+    <cs:fontRef idx="minor">
+      <a:schemeClr val="tx1">
+        <a:lumMod val="65000"/>
+        <a:lumOff val="35000"/>
+      </a:schemeClr>
+    </cs:fontRef>
+    <cs:spPr>
+      <a:noFill/>
+      <a:ln w="9525" cap="flat" cmpd="sng" algn="ctr">
+        <a:solidFill>
+          <a:schemeClr val="tx1">
+            <a:lumMod val="15000"/>
+            <a:lumOff val="85000"/>
+          </a:schemeClr>
+        </a:solidFill>
+        <a:round/>
+      </a:ln>
+    </cs:spPr>
+    <cs:defRPr sz="1197" kern="1200"/>
+  </cs:dataTable>
+  <cs:downBar>
+    <cs:lnRef idx="0"/>
+    <cs:fillRef idx="0"/>
+    <cs:effectRef idx="0"/>
+    <cs:fontRef idx="minor">
+      <a:schemeClr val="dk1"/>
+    </cs:fontRef>
+    <cs:spPr>
+      <a:solidFill>
+        <a:schemeClr val="dk1">
+          <a:lumMod val="65000"/>
+          <a:lumOff val="35000"/>
+        </a:schemeClr>
+      </a:solidFill>
+      <a:ln w="9525">
+        <a:solidFill>
+          <a:schemeClr val="tx1">
+            <a:lumMod val="65000"/>
+            <a:lumOff val="35000"/>
+          </a:schemeClr>
+        </a:solidFill>
+      </a:ln>
+    </cs:spPr>
+  </cs:downBar>
+  <cs:dropLine>
+    <cs:lnRef idx="0"/>
+    <cs:fillRef idx="0"/>
+    <cs:effectRef idx="0"/>
+    <cs:fontRef idx="minor">
+      <a:schemeClr val="tx1"/>
+    </cs:fontRef>
+    <cs:spPr>
+      <a:ln w="9525" cap="flat" cmpd="sng" algn="ctr">
+        <a:solidFill>
+          <a:schemeClr val="tx1">
+            <a:lumMod val="35000"/>
+            <a:lumOff val="65000"/>
+          </a:schemeClr>
+        </a:solidFill>
+        <a:round/>
+      </a:ln>
+    </cs:spPr>
+  </cs:dropLine>
+  <cs:errorBar>
+    <cs:lnRef idx="0"/>
+    <cs:fillRef idx="0"/>
+    <cs:effectRef idx="0"/>
+    <cs:fontRef idx="minor">
+      <a:schemeClr val="tx1"/>
+    </cs:fontRef>
+    <cs:spPr>
+      <a:ln w="9525" cap="flat" cmpd="sng" algn="ctr">
+        <a:solidFill>
+          <a:schemeClr val="tx1">
+            <a:lumMod val="65000"/>
+            <a:lumOff val="35000"/>
+          </a:schemeClr>
+        </a:solidFill>
+        <a:round/>
+      </a:ln>
+    </cs:spPr>
+  </cs:errorBar>
+  <cs:floor>
+    <cs:lnRef idx="0"/>
+    <cs:fillRef idx="0"/>
+    <cs:effectRef idx="0"/>
+    <cs:fontRef idx="minor">
+      <a:schemeClr val="tx1"/>
+    </cs:fontRef>
+    <cs:spPr>
+      <a:noFill/>
+      <a:ln>
+        <a:noFill/>
+      </a:ln>
+    </cs:spPr>
+  </cs:floor>
+  <cs:gridlineMajor>
+    <cs:lnRef idx="0"/>
+    <cs:fillRef idx="0"/>
+    <cs:effectRef idx="0"/>
+    <cs:fontRef idx="minor">
+      <a:schemeClr val="tx1"/>
+    </cs:fontRef>
+    <cs:spPr>
+      <a:ln w="9525" cap="flat" cmpd="sng" algn="ctr">
+        <a:solidFill>
+          <a:schemeClr val="tx1">
+            <a:lumMod val="15000"/>
+            <a:lumOff val="85000"/>
+          </a:schemeClr>
+        </a:solidFill>
+        <a:round/>
+      </a:ln>
+    </cs:spPr>
+  </cs:gridlineMajor>
+  <cs:gridlineMinor>
+    <cs:lnRef idx="0"/>
+    <cs:fillRef idx="0"/>
+    <cs:effectRef idx="0"/>
+    <cs:fontRef idx="minor">
+      <a:schemeClr val="tx1"/>
+    </cs:fontRef>
+    <cs:spPr>
+      <a:ln w="9525" cap="flat" cmpd="sng" algn="ctr">
+        <a:solidFill>
+          <a:schemeClr val="tx1">
+            <a:lumMod val="5000"/>
+            <a:lumOff val="95000"/>
+          </a:schemeClr>
+        </a:solidFill>
+        <a:round/>
+      </a:ln>
+    </cs:spPr>
+  </cs:gridlineMinor>
+  <cs:hiLoLine>
+    <cs:lnRef idx="0"/>
+    <cs:fillRef idx="0"/>
+    <cs:effectRef idx="0"/>
+    <cs:fontRef idx="minor">
+      <a:schemeClr val="tx1"/>
+    </cs:fontRef>
+    <cs:spPr>
+      <a:ln w="9525" cap="flat" cmpd="sng" algn="ctr">
+        <a:solidFill>
+          <a:schemeClr val="tx1">
+            <a:lumMod val="75000"/>
+            <a:lumOff val="25000"/>
+          </a:schemeClr>
+        </a:solidFill>
+        <a:round/>
+      </a:ln>
+    </cs:spPr>
+  </cs:hiLoLine>
+  <cs:leaderLine>
+    <cs:lnRef idx="0"/>
+    <cs:fillRef idx="0"/>
+    <cs:effectRef idx="0"/>
+    <cs:fontRef idx="minor">
+      <a:schemeClr val="tx1"/>
+    </cs:fontRef>
+    <cs:spPr>
+      <a:ln w="9525" cap="flat" cmpd="sng" algn="ctr">
+        <a:solidFill>
+          <a:schemeClr val="tx1">
+            <a:lumMod val="35000"/>
+            <a:lumOff val="65000"/>
+          </a:schemeClr>
+        </a:solidFill>
+        <a:round/>
+      </a:ln>
+    </cs:spPr>
+  </cs:leaderLine>
+  <cs:legend>
+    <cs:lnRef idx="0"/>
+    <cs:fillRef idx="0"/>
+    <cs:effectRef idx="0"/>
+    <cs:fontRef idx="minor">
+      <a:schemeClr val="tx1">
+        <a:lumMod val="65000"/>
+        <a:lumOff val="35000"/>
+      </a:schemeClr>
+    </cs:fontRef>
+    <cs:defRPr sz="1197" kern="1200"/>
+  </cs:legend>
+  <cs:plotArea mods="allowNoFillOverride allowNoLineOverride">
+    <cs:lnRef idx="0"/>
+    <cs:fillRef idx="0"/>
+    <cs:effectRef idx="0"/>
+    <cs:fontRef idx="minor">
+      <a:schemeClr val="tx1"/>
+    </cs:fontRef>
+  </cs:plotArea>
+  <cs:plotArea3D mods="allowNoFillOverride allowNoLineOverride">
+    <cs:lnRef idx="0"/>
+    <cs:fillRef idx="0"/>
+    <cs:effectRef idx="0"/>
+    <cs:fontRef idx="minor">
+      <a:schemeClr val="tx1"/>
+    </cs:fontRef>
+  </cs:plotArea3D>
+  <cs:seriesAxis>
+    <cs:lnRef idx="0"/>
+    <cs:fillRef idx="0"/>
+    <cs:effectRef idx="0"/>
+    <cs:fontRef idx="minor">
+      <a:schemeClr val="tx1">
+        <a:lumMod val="65000"/>
+        <a:lumOff val="35000"/>
+      </a:schemeClr>
+    </cs:fontRef>
+    <cs:defRPr sz="1197" kern="1200"/>
+  </cs:seriesAxis>
+  <cs:seriesLine>
+    <cs:lnRef idx="0"/>
+    <cs:fillRef idx="0"/>
+    <cs:effectRef idx="0"/>
+    <cs:fontRef idx="minor">
+      <a:schemeClr val="tx1"/>
+    </cs:fontRef>
+    <cs:spPr>
+      <a:ln w="9525" cap="flat" cmpd="sng" algn="ctr">
+        <a:solidFill>
+          <a:schemeClr val="tx1">
+            <a:lumMod val="35000"/>
+            <a:lumOff val="65000"/>
+          </a:schemeClr>
+        </a:solidFill>
+        <a:round/>
+      </a:ln>
+    </cs:spPr>
+  </cs:seriesLine>
+  <cs:title>
+    <cs:lnRef idx="0"/>
+    <cs:fillRef idx="0"/>
+    <cs:effectRef idx="0"/>
+    <cs:fontRef idx="minor">
+      <a:schemeClr val="tx1">
+        <a:lumMod val="65000"/>
+        <a:lumOff val="35000"/>
+      </a:schemeClr>
+    </cs:fontRef>
+    <cs:defRPr sz="1862" b="0" kern="1200" spc="0" baseline="0"/>
+  </cs:title>
+  <cs:trendline>
+    <cs:lnRef idx="0">
+      <cs:styleClr val="auto"/>
+    </cs:lnRef>
+    <cs:fillRef idx="0"/>
+    <cs:effectRef idx="0"/>
+    <cs:fontRef idx="minor">
+      <a:schemeClr val="tx1"/>
+    </cs:fontRef>
+    <cs:spPr>
+      <a:ln w="19050" cap="rnd">
+        <a:solidFill>
+          <a:schemeClr val="phClr"/>
+        </a:solidFill>
+        <a:prstDash val="sysDot"/>
+      </a:ln>
+    </cs:spPr>
+  </cs:trendline>
+  <cs:trendlineLabel>
+    <cs:lnRef idx="0"/>
+    <cs:fillRef idx="0"/>
+    <cs:effectRef idx="0"/>
+    <cs:fontRef idx="minor">
+      <a:schemeClr val="tx1">
+        <a:lumMod val="65000"/>
+        <a:lumOff val="35000"/>
+      </a:schemeClr>
+    </cs:fontRef>
+    <cs:defRPr sz="1197" kern="1200"/>
+  </cs:trendlineLabel>
+  <cs:upBar>
+    <cs:lnRef idx="0"/>
+    <cs:fillRef idx="0"/>
+    <cs:effectRef idx="0"/>
+    <cs:fontRef idx="minor">
+      <a:schemeClr val="dk1"/>
+    </cs:fontRef>
+    <cs:spPr>
+      <a:solidFill>
+        <a:schemeClr val="lt1"/>
+      </a:solidFill>
+      <a:ln w="9525">
+        <a:solidFill>
+          <a:schemeClr val="tx1">
+            <a:lumMod val="15000"/>
+            <a:lumOff val="85000"/>
+          </a:schemeClr>
+        </a:solidFill>
+      </a:ln>
+    </cs:spPr>
+  </cs:upBar>
+  <cs:valueAxis>
+    <cs:lnRef idx="0"/>
+    <cs:fillRef idx="0"/>
+    <cs:effectRef idx="0"/>
+    <cs:fontRef idx="minor">
+      <a:schemeClr val="tx1">
+        <a:lumMod val="65000"/>
+        <a:lumOff val="35000"/>
+      </a:schemeClr>
+    </cs:fontRef>
+    <cs:defRPr sz="1197" kern="1200"/>
+  </cs:valueAxis>
+  <cs:wall>
+    <cs:lnRef idx="0"/>
+    <cs:fillRef idx="0"/>
+    <cs:effectRef idx="0"/>
+    <cs:fontRef idx="minor">
+      <a:schemeClr val="tx1"/>
+    </cs:fontRef>
+    <cs:spPr>
+      <a:noFill/>
+      <a:ln>
+        <a:noFill/>
+      </a:ln>
+    </cs:spPr>
+  </cs:wall>
+</cs:chartStyle>
+</file>
+
 <file path=ppt/slideLayouts/slideLayout1.xml><?xml version="1.0" encoding="utf-8"?>
 <p:sldLayout xmlns:a="http://schemas.openxmlformats.org/drawingml/2006/main" xmlns:r="http://schemas.openxmlformats.org/officeDocument/2006/relationships" xmlns:p="http://schemas.openxmlformats.org/presentationml/2006/main" type="title" preserve="1">
   <p:cSld name="Title Slide">
@@ -272,7 +1302,7 @@
           <a:p>
             <a:fld id="{65B58316-C8D8-4CE9-AFEB-B8C5AC9CD66E}" type="datetimeFigureOut">
               <a:rPr lang="en-US" smtClean="0"/>
-              <a:t>4/19/2018</a:t>
+              <a:t>4/20/2018</a:t>
             </a:fld>
             <a:endParaRPr lang="en-US"/>
           </a:p>
@@ -442,7 +1472,7 @@
           <a:p>
             <a:fld id="{65B58316-C8D8-4CE9-AFEB-B8C5AC9CD66E}" type="datetimeFigureOut">
               <a:rPr lang="en-US" smtClean="0"/>
-              <a:t>4/19/2018</a:t>
+              <a:t>4/20/2018</a:t>
             </a:fld>
             <a:endParaRPr lang="en-US"/>
           </a:p>
@@ -622,7 +1652,7 @@
           <a:p>
             <a:fld id="{65B58316-C8D8-4CE9-AFEB-B8C5AC9CD66E}" type="datetimeFigureOut">
               <a:rPr lang="en-US" smtClean="0"/>
-              <a:t>4/19/2018</a:t>
+              <a:t>4/20/2018</a:t>
             </a:fld>
             <a:endParaRPr lang="en-US"/>
           </a:p>
@@ -792,7 +1822,7 @@
           <a:p>
             <a:fld id="{65B58316-C8D8-4CE9-AFEB-B8C5AC9CD66E}" type="datetimeFigureOut">
               <a:rPr lang="en-US" smtClean="0"/>
-              <a:t>4/19/2018</a:t>
+              <a:t>4/20/2018</a:t>
             </a:fld>
             <a:endParaRPr lang="en-US"/>
           </a:p>
@@ -1038,7 +2068,7 @@
           <a:p>
             <a:fld id="{65B58316-C8D8-4CE9-AFEB-B8C5AC9CD66E}" type="datetimeFigureOut">
               <a:rPr lang="en-US" smtClean="0"/>
-              <a:t>4/19/2018</a:t>
+              <a:t>4/20/2018</a:t>
             </a:fld>
             <a:endParaRPr lang="en-US"/>
           </a:p>
@@ -1270,7 +2300,7 @@
           <a:p>
             <a:fld id="{65B58316-C8D8-4CE9-AFEB-B8C5AC9CD66E}" type="datetimeFigureOut">
               <a:rPr lang="en-US" smtClean="0"/>
-              <a:t>4/19/2018</a:t>
+              <a:t>4/20/2018</a:t>
             </a:fld>
             <a:endParaRPr lang="en-US"/>
           </a:p>
@@ -1637,7 +2667,7 @@
           <a:p>
             <a:fld id="{65B58316-C8D8-4CE9-AFEB-B8C5AC9CD66E}" type="datetimeFigureOut">
               <a:rPr lang="en-US" smtClean="0"/>
-              <a:t>4/19/2018</a:t>
+              <a:t>4/20/2018</a:t>
             </a:fld>
             <a:endParaRPr lang="en-US"/>
           </a:p>
@@ -1755,7 +2785,7 @@
           <a:p>
             <a:fld id="{65B58316-C8D8-4CE9-AFEB-B8C5AC9CD66E}" type="datetimeFigureOut">
               <a:rPr lang="en-US" smtClean="0"/>
-              <a:t>4/19/2018</a:t>
+              <a:t>4/20/2018</a:t>
             </a:fld>
             <a:endParaRPr lang="en-US"/>
           </a:p>
@@ -1850,7 +2880,7 @@
           <a:p>
             <a:fld id="{65B58316-C8D8-4CE9-AFEB-B8C5AC9CD66E}" type="datetimeFigureOut">
               <a:rPr lang="en-US" smtClean="0"/>
-              <a:t>4/19/2018</a:t>
+              <a:t>4/20/2018</a:t>
             </a:fld>
             <a:endParaRPr lang="en-US"/>
           </a:p>
@@ -2127,7 +3157,7 @@
           <a:p>
             <a:fld id="{65B58316-C8D8-4CE9-AFEB-B8C5AC9CD66E}" type="datetimeFigureOut">
               <a:rPr lang="en-US" smtClean="0"/>
-              <a:t>4/19/2018</a:t>
+              <a:t>4/20/2018</a:t>
             </a:fld>
             <a:endParaRPr lang="en-US"/>
           </a:p>
@@ -2384,7 +3414,7 @@
           <a:p>
             <a:fld id="{65B58316-C8D8-4CE9-AFEB-B8C5AC9CD66E}" type="datetimeFigureOut">
               <a:rPr lang="en-US" smtClean="0"/>
-              <a:t>4/19/2018</a:t>
+              <a:t>4/20/2018</a:t>
             </a:fld>
             <a:endParaRPr lang="en-US"/>
           </a:p>
@@ -2597,7 +3627,7 @@
           <a:p>
             <a:fld id="{65B58316-C8D8-4CE9-AFEB-B8C5AC9CD66E}" type="datetimeFigureOut">
               <a:rPr lang="en-US" smtClean="0"/>
-              <a:t>4/19/2018</a:t>
+              <a:t>4/20/2018</a:t>
             </a:fld>
             <a:endParaRPr lang="en-US"/>
           </a:p>
@@ -2988,6 +4018,14 @@
 <file path=ppt/slides/slide1.xml><?xml version="1.0" encoding="utf-8"?>
 <p:sld xmlns:a="http://schemas.openxmlformats.org/drawingml/2006/main" xmlns:r="http://schemas.openxmlformats.org/officeDocument/2006/relationships" xmlns:p="http://schemas.openxmlformats.org/presentationml/2006/main">
   <p:cSld>
+    <p:bg>
+      <p:bgPr>
+        <a:solidFill>
+          <a:schemeClr val="bg1"/>
+        </a:solidFill>
+        <a:effectLst/>
+      </p:bgPr>
+    </p:bg>
     <p:spTree>
       <p:nvGrpSpPr>
         <p:cNvPr id="1" name=""/>
@@ -3164,67 +4202,7 @@
                 </a:solidFill>
                 <a:latin typeface="BentonSans Regular" panose="02000503000000020004" pitchFamily="50" charset="0"/>
               </a:rPr>
-              <a:t>Detection of Hand Gestures – With Applications to American Sign Language Alphabet Recognition</a:t>
-            </a:r>
-          </a:p>
-        </p:txBody>
-      </p:sp>
-      <p:sp>
-        <p:nvSpPr>
-          <p:cNvPr id="16" name="Rectangle 15">
-            <a:extLst>
-              <a:ext uri="{FF2B5EF4-FFF2-40B4-BE49-F238E27FC236}">
-                <a16:creationId xmlns:a16="http://schemas.microsoft.com/office/drawing/2014/main" id="{5B665B0B-FA4B-4A88-9A78-2EAAC7A99B75}"/>
-              </a:ext>
-            </a:extLst>
-          </p:cNvPr>
-          <p:cNvSpPr/>
-          <p:nvPr/>
-        </p:nvSpPr>
-        <p:spPr>
-          <a:xfrm>
-            <a:off x="914401" y="6619848"/>
-            <a:ext cx="9144000" cy="816427"/>
-          </a:xfrm>
-          <a:prstGeom prst="rect">
-            <a:avLst/>
-          </a:prstGeom>
-          <a:solidFill>
-            <a:srgbClr val="A80532"/>
-          </a:solidFill>
-          <a:ln>
-            <a:noFill/>
-          </a:ln>
-        </p:spPr>
-        <p:style>
-          <a:lnRef idx="2">
-            <a:schemeClr val="accent1">
-              <a:shade val="50000"/>
-            </a:schemeClr>
-          </a:lnRef>
-          <a:fillRef idx="1">
-            <a:schemeClr val="accent1"/>
-          </a:fillRef>
-          <a:effectRef idx="0">
-            <a:schemeClr val="accent1"/>
-          </a:effectRef>
-          <a:fontRef idx="minor">
-            <a:schemeClr val="lt1"/>
-          </a:fontRef>
-        </p:style>
-        <p:txBody>
-          <a:bodyPr rtlCol="0" anchor="ctr"/>
-          <a:lstStyle/>
-          <a:p>
-            <a:pPr algn="ctr"/>
-            <a:r>
-              <a:rPr lang="en-US" sz="6000" dirty="0">
-                <a:solidFill>
-                  <a:srgbClr val="FFFFFF"/>
-                </a:solidFill>
-                <a:latin typeface="BentonSans Regular" panose="02000503000000020004" pitchFamily="50" charset="0"/>
-              </a:rPr>
-              <a:t>Introduction</a:t>
+              <a:t>Real Time Detection of Hand Gestures – With Applications to American Sign Language Alphabet Recognition</a:t>
             </a:r>
           </a:p>
         </p:txBody>
@@ -3277,16 +4255,21 @@
           <a:lstStyle/>
           <a:p>
             <a:pPr algn="ctr"/>
-            <a:endParaRPr lang="en-US" dirty="0"/>
-          </a:p>
-        </p:txBody>
-      </p:sp>
-      <p:sp>
-        <p:nvSpPr>
-          <p:cNvPr id="18" name="Rectangle 17">
+            <a:r>
+              <a:rPr lang="en-US" sz="4400" dirty="0">
+                <a:latin typeface="BentonSans Regular" panose="02000503000000020004" pitchFamily="50" charset="0"/>
+              </a:rPr>
+              <a:t>Methods</a:t>
+            </a:r>
+          </a:p>
+        </p:txBody>
+      </p:sp>
+      <p:sp>
+        <p:nvSpPr>
+          <p:cNvPr id="24" name="Rectangle: Single Corner Snipped 23">
             <a:extLst>
               <a:ext uri="{FF2B5EF4-FFF2-40B4-BE49-F238E27FC236}">
-                <a16:creationId xmlns:a16="http://schemas.microsoft.com/office/drawing/2014/main" id="{2953C84E-DAD3-4D6F-836D-8E6587CD2E47}"/>
+                <a16:creationId xmlns:a16="http://schemas.microsoft.com/office/drawing/2014/main" id="{92E2B668-8787-4613-900D-09EE7A97FEC4}"/>
               </a:ext>
             </a:extLst>
           </p:cNvPr>
@@ -3294,61 +4277,9 @@
           <p:nvPr/>
         </p:nvSpPr>
         <p:spPr>
-          <a:xfrm>
-            <a:off x="22892655" y="6619848"/>
-            <a:ext cx="9111344" cy="816427"/>
-          </a:xfrm>
-          <a:prstGeom prst="rect">
-            <a:avLst/>
-          </a:prstGeom>
-          <a:solidFill>
-            <a:srgbClr val="A80532"/>
-          </a:solidFill>
-          <a:ln>
-            <a:noFill/>
-          </a:ln>
-        </p:spPr>
-        <p:style>
-          <a:lnRef idx="2">
-            <a:schemeClr val="accent1">
-              <a:shade val="50000"/>
-            </a:schemeClr>
-          </a:lnRef>
-          <a:fillRef idx="1">
-            <a:schemeClr val="accent1"/>
-          </a:fillRef>
-          <a:effectRef idx="0">
-            <a:schemeClr val="accent1"/>
-          </a:effectRef>
-          <a:fontRef idx="minor">
-            <a:schemeClr val="lt1"/>
-          </a:fontRef>
-        </p:style>
-        <p:txBody>
-          <a:bodyPr rtlCol="0" anchor="ctr"/>
-          <a:lstStyle/>
-          <a:p>
-            <a:pPr algn="ctr"/>
-            <a:endParaRPr lang="en-US" dirty="0"/>
-          </a:p>
-        </p:txBody>
-      </p:sp>
-      <p:sp>
-        <p:nvSpPr>
-          <p:cNvPr id="20" name="Rectangle: Single Corner Snipped 19">
-            <a:extLst>
-              <a:ext uri="{FF2B5EF4-FFF2-40B4-BE49-F238E27FC236}">
-                <a16:creationId xmlns:a16="http://schemas.microsoft.com/office/drawing/2014/main" id="{FFC5FFE5-73B4-49CD-B051-09065F07B911}"/>
-              </a:ext>
-            </a:extLst>
-          </p:cNvPr>
-          <p:cNvSpPr/>
-          <p:nvPr/>
-        </p:nvSpPr>
-        <p:spPr>
           <a:xfrm flipV="1">
-            <a:off x="914401" y="6619848"/>
-            <a:ext cx="9111344" cy="5124450"/>
+            <a:off x="11005455" y="6652476"/>
+            <a:ext cx="10940141" cy="14398510"/>
           </a:xfrm>
           <a:prstGeom prst="snip1Rect">
             <a:avLst/>
@@ -3385,147 +4316,189 @@
           </a:p>
         </p:txBody>
       </p:sp>
-      <p:sp>
-        <p:nvSpPr>
-          <p:cNvPr id="23" name="Rectangle: Single Corner Snipped 22">
+      <p:grpSp>
+        <p:nvGrpSpPr>
+          <p:cNvPr id="2" name="Group 1">
             <a:extLst>
               <a:ext uri="{FF2B5EF4-FFF2-40B4-BE49-F238E27FC236}">
-                <a16:creationId xmlns:a16="http://schemas.microsoft.com/office/drawing/2014/main" id="{B5493DCB-CF50-401B-8CA3-95BC072E090B}"/>
+                <a16:creationId xmlns:a16="http://schemas.microsoft.com/office/drawing/2014/main" id="{E834C63C-FF9F-4EB7-9EB8-3338535D3B69}"/>
               </a:ext>
             </a:extLst>
           </p:cNvPr>
-          <p:cNvSpPr/>
+          <p:cNvGrpSpPr/>
           <p:nvPr/>
-        </p:nvSpPr>
-        <p:spPr>
-          <a:xfrm flipV="1">
-            <a:off x="22892655" y="6662003"/>
-            <a:ext cx="9111344" cy="5124450"/>
+        </p:nvGrpSpPr>
+        <p:grpSpPr>
+          <a:xfrm>
+            <a:off x="914401" y="11580360"/>
+            <a:ext cx="9144000" cy="5884498"/>
+            <a:chOff x="914401" y="15176014"/>
+            <a:chExt cx="9144000" cy="5884498"/>
           </a:xfrm>
-          <a:prstGeom prst="snip1Rect">
-            <a:avLst/>
-          </a:prstGeom>
-          <a:noFill/>
-          <a:ln w="57150">
+        </p:grpSpPr>
+        <p:sp>
+          <p:nvSpPr>
+            <p:cNvPr id="16" name="Rectangle 15">
+              <a:extLst>
+                <a:ext uri="{FF2B5EF4-FFF2-40B4-BE49-F238E27FC236}">
+                  <a16:creationId xmlns:a16="http://schemas.microsoft.com/office/drawing/2014/main" id="{5B665B0B-FA4B-4A88-9A78-2EAAC7A99B75}"/>
+                </a:ext>
+              </a:extLst>
+            </p:cNvPr>
+            <p:cNvSpPr/>
+            <p:nvPr/>
+          </p:nvSpPr>
+          <p:spPr>
+            <a:xfrm>
+              <a:off x="914401" y="15176014"/>
+              <a:ext cx="9144000" cy="774273"/>
+            </a:xfrm>
+            <a:prstGeom prst="rect">
+              <a:avLst/>
+            </a:prstGeom>
             <a:solidFill>
               <a:srgbClr val="A80532"/>
             </a:solidFill>
-          </a:ln>
-        </p:spPr>
-        <p:style>
-          <a:lnRef idx="2">
-            <a:schemeClr val="accent1">
-              <a:shade val="50000"/>
-            </a:schemeClr>
-          </a:lnRef>
-          <a:fillRef idx="1">
-            <a:schemeClr val="accent1"/>
-          </a:fillRef>
-          <a:effectRef idx="0">
-            <a:schemeClr val="accent1"/>
-          </a:effectRef>
-          <a:fontRef idx="minor">
-            <a:schemeClr val="lt1"/>
-          </a:fontRef>
-        </p:style>
-        <p:txBody>
-          <a:bodyPr rtlCol="0" anchor="ctr"/>
-          <a:lstStyle/>
-          <a:p>
-            <a:pPr algn="ctr"/>
-            <a:endParaRPr lang="en-US"/>
-          </a:p>
-        </p:txBody>
-      </p:sp>
-      <p:sp>
-        <p:nvSpPr>
-          <p:cNvPr id="24" name="Rectangle: Single Corner Snipped 23">
-            <a:extLst>
-              <a:ext uri="{FF2B5EF4-FFF2-40B4-BE49-F238E27FC236}">
-                <a16:creationId xmlns:a16="http://schemas.microsoft.com/office/drawing/2014/main" id="{92E2B668-8787-4613-900D-09EE7A97FEC4}"/>
-              </a:ext>
-            </a:extLst>
-          </p:cNvPr>
-          <p:cNvSpPr/>
-          <p:nvPr/>
-        </p:nvSpPr>
-        <p:spPr>
-          <a:xfrm flipV="1">
-            <a:off x="11005455" y="6662003"/>
-            <a:ext cx="10940141" cy="5124450"/>
-          </a:xfrm>
-          <a:prstGeom prst="snip1Rect">
-            <a:avLst/>
-          </a:prstGeom>
-          <a:noFill/>
-          <a:ln w="57150">
-            <a:solidFill>
-              <a:srgbClr val="A80532"/>
-            </a:solidFill>
-          </a:ln>
-        </p:spPr>
-        <p:style>
-          <a:lnRef idx="2">
-            <a:schemeClr val="accent1">
-              <a:shade val="50000"/>
-            </a:schemeClr>
-          </a:lnRef>
-          <a:fillRef idx="1">
-            <a:schemeClr val="accent1"/>
-          </a:fillRef>
-          <a:effectRef idx="0">
-            <a:schemeClr val="accent1"/>
-          </a:effectRef>
-          <a:fontRef idx="minor">
-            <a:schemeClr val="lt1"/>
-          </a:fontRef>
-        </p:style>
-        <p:txBody>
-          <a:bodyPr rtlCol="0" anchor="ctr"/>
-          <a:lstStyle/>
-          <a:p>
-            <a:pPr algn="ctr"/>
-            <a:endParaRPr lang="en-US"/>
-          </a:p>
-        </p:txBody>
-      </p:sp>
-      <p:sp>
-        <p:nvSpPr>
-          <p:cNvPr id="25" name="TextBox 24">
-            <a:extLst>
-              <a:ext uri="{FF2B5EF4-FFF2-40B4-BE49-F238E27FC236}">
-                <a16:creationId xmlns:a16="http://schemas.microsoft.com/office/drawing/2014/main" id="{7C7578A9-5AED-425B-B179-A6E798EEF0F3}"/>
-              </a:ext>
-            </a:extLst>
-          </p:cNvPr>
-          <p:cNvSpPr txBox="1"/>
-          <p:nvPr/>
-        </p:nvSpPr>
-        <p:spPr>
-          <a:xfrm>
-            <a:off x="1208315" y="8516744"/>
-            <a:ext cx="4838056" cy="646331"/>
-          </a:xfrm>
-          <a:prstGeom prst="rect">
-            <a:avLst/>
-          </a:prstGeom>
-          <a:noFill/>
-        </p:spPr>
-        <p:txBody>
-          <a:bodyPr wrap="none" rtlCol="0">
-            <a:spAutoFit/>
-          </a:bodyPr>
-          <a:lstStyle/>
-          <a:p>
-            <a:r>
-              <a:rPr lang="en-US" sz="3600" dirty="0">
+            <a:ln>
+              <a:noFill/>
+            </a:ln>
+          </p:spPr>
+          <p:style>
+            <a:lnRef idx="2">
+              <a:schemeClr val="accent1">
+                <a:shade val="50000"/>
+              </a:schemeClr>
+            </a:lnRef>
+            <a:fillRef idx="1">
+              <a:schemeClr val="accent1"/>
+            </a:fillRef>
+            <a:effectRef idx="0">
+              <a:schemeClr val="accent1"/>
+            </a:effectRef>
+            <a:fontRef idx="minor">
+              <a:schemeClr val="lt1"/>
+            </a:fontRef>
+          </p:style>
+          <p:txBody>
+            <a:bodyPr rtlCol="0" anchor="ctr"/>
+            <a:lstStyle/>
+            <a:p>
+              <a:pPr algn="ctr"/>
+              <a:r>
+                <a:rPr lang="en-US" sz="4400" dirty="0">
+                  <a:solidFill>
+                    <a:srgbClr val="FFFFFF"/>
+                  </a:solidFill>
+                  <a:latin typeface="BentonSans Regular" panose="02000503000000020004" pitchFamily="50" charset="0"/>
+                </a:rPr>
+                <a:t>Introduction</a:t>
+              </a:r>
+            </a:p>
+          </p:txBody>
+        </p:sp>
+        <p:sp>
+          <p:nvSpPr>
+            <p:cNvPr id="20" name="Rectangle: Single Corner Snipped 19">
+              <a:extLst>
+                <a:ext uri="{FF2B5EF4-FFF2-40B4-BE49-F238E27FC236}">
+                  <a16:creationId xmlns:a16="http://schemas.microsoft.com/office/drawing/2014/main" id="{FFC5FFE5-73B4-49CD-B051-09065F07B911}"/>
+                </a:ext>
+              </a:extLst>
+            </p:cNvPr>
+            <p:cNvSpPr/>
+            <p:nvPr/>
+          </p:nvSpPr>
+          <p:spPr>
+            <a:xfrm flipV="1">
+              <a:off x="914401" y="15176014"/>
+              <a:ext cx="9111344" cy="5884498"/>
+            </a:xfrm>
+            <a:prstGeom prst="snip1Rect">
+              <a:avLst/>
+            </a:prstGeom>
+            <a:noFill/>
+            <a:ln w="57150">
+              <a:solidFill>
+                <a:srgbClr val="A80532"/>
+              </a:solidFill>
+            </a:ln>
+          </p:spPr>
+          <p:style>
+            <a:lnRef idx="2">
+              <a:schemeClr val="accent1">
+                <a:shade val="50000"/>
+              </a:schemeClr>
+            </a:lnRef>
+            <a:fillRef idx="1">
+              <a:schemeClr val="accent1"/>
+            </a:fillRef>
+            <a:effectRef idx="0">
+              <a:schemeClr val="accent1"/>
+            </a:effectRef>
+            <a:fontRef idx="minor">
+              <a:schemeClr val="lt1"/>
+            </a:fontRef>
+          </p:style>
+          <p:txBody>
+            <a:bodyPr rtlCol="0" anchor="ctr"/>
+            <a:lstStyle/>
+            <a:p>
+              <a:pPr algn="ctr"/>
+              <a:endParaRPr lang="en-US"/>
+            </a:p>
+          </p:txBody>
+        </p:sp>
+        <p:sp>
+          <p:nvSpPr>
+            <p:cNvPr id="25" name="TextBox 24">
+              <a:extLst>
+                <a:ext uri="{FF2B5EF4-FFF2-40B4-BE49-F238E27FC236}">
+                  <a16:creationId xmlns:a16="http://schemas.microsoft.com/office/drawing/2014/main" id="{7C7578A9-5AED-425B-B179-A6E798EEF0F3}"/>
+                </a:ext>
+              </a:extLst>
+            </p:cNvPr>
+            <p:cNvSpPr txBox="1"/>
+            <p:nvPr/>
+          </p:nvSpPr>
+          <p:spPr>
+            <a:xfrm rot="10800000" flipV="1">
+              <a:off x="1208312" y="16276519"/>
+              <a:ext cx="8345065" cy="4524315"/>
+            </a:xfrm>
+            <a:prstGeom prst="rect">
+              <a:avLst/>
+            </a:prstGeom>
+            <a:noFill/>
+          </p:spPr>
+          <p:txBody>
+            <a:bodyPr wrap="square" rtlCol="0">
+              <a:spAutoFit/>
+            </a:bodyPr>
+            <a:lstStyle/>
+            <a:p>
+              <a:r>
+                <a:rPr lang="en-US" sz="2400" dirty="0">
+                  <a:latin typeface="BentonSans Regular" panose="02000503000000020004" pitchFamily="50" charset="0"/>
+                </a:rPr>
+                <a:t>As the power of machine learning techniques continues to grow, the number of interfaces between machine and man continue to grow. For example, assistants such as Alexa and Cortana have popularized a natural speech based interface with computers.</a:t>
+              </a:r>
+            </a:p>
+            <a:p>
+              <a:endParaRPr lang="en-US" sz="2400" dirty="0">
                 <a:latin typeface="BentonSans Regular" panose="02000503000000020004" pitchFamily="50" charset="0"/>
-              </a:rPr>
-              <a:t>Talk about our project</a:t>
-            </a:r>
-          </a:p>
-        </p:txBody>
-      </p:sp>
+              </a:endParaRPr>
+            </a:p>
+            <a:p>
+              <a:r>
+                <a:rPr lang="en-US" sz="2400" dirty="0">
+                  <a:latin typeface="BentonSans Regular" panose="02000503000000020004" pitchFamily="50" charset="0"/>
+                </a:rPr>
+                <a:t>Our goal with this project is to prototype a gesture based interface with computers, with the goal of being able to recognize a predefined set of hand based gestures from a live video feed. To this end, we present an application for recognizing American Sign Language alphabetical hand gestures.</a:t>
+              </a:r>
+            </a:p>
+          </p:txBody>
+        </p:sp>
+      </p:grpSp>
       <p:pic>
         <p:nvPicPr>
           <p:cNvPr id="3" name="Picture 2" descr="A close up of text on a white background&#10;&#10;Description generated with high confidence">
@@ -3554,14 +4527,1778 @@
         </p:blipFill>
         <p:spPr>
           <a:xfrm>
-            <a:off x="1208315" y="13171036"/>
-            <a:ext cx="8345065" cy="4658375"/>
+            <a:off x="11794393" y="7817642"/>
+            <a:ext cx="4664807" cy="2603984"/>
           </a:xfrm>
           <a:prstGeom prst="rect">
             <a:avLst/>
           </a:prstGeom>
         </p:spPr>
       </p:pic>
+      <p:grpSp>
+        <p:nvGrpSpPr>
+          <p:cNvPr id="19" name="Group 18">
+            <a:extLst>
+              <a:ext uri="{FF2B5EF4-FFF2-40B4-BE49-F238E27FC236}">
+                <a16:creationId xmlns:a16="http://schemas.microsoft.com/office/drawing/2014/main" id="{70710633-02B5-4B1B-A0DB-ECE7239E6490}"/>
+              </a:ext>
+            </a:extLst>
+          </p:cNvPr>
+          <p:cNvGrpSpPr/>
+          <p:nvPr/>
+        </p:nvGrpSpPr>
+        <p:grpSpPr>
+          <a:xfrm>
+            <a:off x="914401" y="6662003"/>
+            <a:ext cx="9144000" cy="4310797"/>
+            <a:chOff x="914401" y="15176014"/>
+            <a:chExt cx="9144000" cy="4310797"/>
+          </a:xfrm>
+        </p:grpSpPr>
+        <p:sp>
+          <p:nvSpPr>
+            <p:cNvPr id="21" name="Rectangle 20">
+              <a:extLst>
+                <a:ext uri="{FF2B5EF4-FFF2-40B4-BE49-F238E27FC236}">
+                  <a16:creationId xmlns:a16="http://schemas.microsoft.com/office/drawing/2014/main" id="{0559E423-02AD-49DE-B176-21EADF60DA30}"/>
+                </a:ext>
+              </a:extLst>
+            </p:cNvPr>
+            <p:cNvSpPr/>
+            <p:nvPr/>
+          </p:nvSpPr>
+          <p:spPr>
+            <a:xfrm>
+              <a:off x="914401" y="15176015"/>
+              <a:ext cx="9144000" cy="774272"/>
+            </a:xfrm>
+            <a:prstGeom prst="rect">
+              <a:avLst/>
+            </a:prstGeom>
+            <a:solidFill>
+              <a:srgbClr val="A80532"/>
+            </a:solidFill>
+            <a:ln>
+              <a:noFill/>
+            </a:ln>
+          </p:spPr>
+          <p:style>
+            <a:lnRef idx="2">
+              <a:schemeClr val="accent1">
+                <a:shade val="50000"/>
+              </a:schemeClr>
+            </a:lnRef>
+            <a:fillRef idx="1">
+              <a:schemeClr val="accent1"/>
+            </a:fillRef>
+            <a:effectRef idx="0">
+              <a:schemeClr val="accent1"/>
+            </a:effectRef>
+            <a:fontRef idx="minor">
+              <a:schemeClr val="lt1"/>
+            </a:fontRef>
+          </p:style>
+          <p:txBody>
+            <a:bodyPr rtlCol="0" anchor="ctr"/>
+            <a:lstStyle/>
+            <a:p>
+              <a:pPr algn="ctr"/>
+              <a:r>
+                <a:rPr lang="en-US" sz="4400" dirty="0">
+                  <a:solidFill>
+                    <a:srgbClr val="FFFFFF"/>
+                  </a:solidFill>
+                  <a:latin typeface="BentonSans Regular" panose="02000503000000020004" pitchFamily="50" charset="0"/>
+                </a:rPr>
+                <a:t>Abstract</a:t>
+              </a:r>
+            </a:p>
+          </p:txBody>
+        </p:sp>
+        <p:sp>
+          <p:nvSpPr>
+            <p:cNvPr id="22" name="Rectangle: Single Corner Snipped 21">
+              <a:extLst>
+                <a:ext uri="{FF2B5EF4-FFF2-40B4-BE49-F238E27FC236}">
+                  <a16:creationId xmlns:a16="http://schemas.microsoft.com/office/drawing/2014/main" id="{945CC53A-7E18-40A9-B580-59D51067FA4D}"/>
+                </a:ext>
+              </a:extLst>
+            </p:cNvPr>
+            <p:cNvSpPr/>
+            <p:nvPr/>
+          </p:nvSpPr>
+          <p:spPr>
+            <a:xfrm flipV="1">
+              <a:off x="914401" y="15176014"/>
+              <a:ext cx="9111344" cy="4310797"/>
+            </a:xfrm>
+            <a:prstGeom prst="snip1Rect">
+              <a:avLst/>
+            </a:prstGeom>
+            <a:noFill/>
+            <a:ln w="57150">
+              <a:solidFill>
+                <a:srgbClr val="A80532"/>
+              </a:solidFill>
+            </a:ln>
+          </p:spPr>
+          <p:style>
+            <a:lnRef idx="2">
+              <a:schemeClr val="accent1">
+                <a:shade val="50000"/>
+              </a:schemeClr>
+            </a:lnRef>
+            <a:fillRef idx="1">
+              <a:schemeClr val="accent1"/>
+            </a:fillRef>
+            <a:effectRef idx="0">
+              <a:schemeClr val="accent1"/>
+            </a:effectRef>
+            <a:fontRef idx="minor">
+              <a:schemeClr val="lt1"/>
+            </a:fontRef>
+          </p:style>
+          <p:txBody>
+            <a:bodyPr rtlCol="0" anchor="ctr"/>
+            <a:lstStyle/>
+            <a:p>
+              <a:pPr algn="ctr"/>
+              <a:endParaRPr lang="en-US"/>
+            </a:p>
+          </p:txBody>
+        </p:sp>
+        <p:sp>
+          <p:nvSpPr>
+            <p:cNvPr id="26" name="TextBox 25">
+              <a:extLst>
+                <a:ext uri="{FF2B5EF4-FFF2-40B4-BE49-F238E27FC236}">
+                  <a16:creationId xmlns:a16="http://schemas.microsoft.com/office/drawing/2014/main" id="{AF08D979-E5C9-4FD5-86C6-3307904257E2}"/>
+                </a:ext>
+              </a:extLst>
+            </p:cNvPr>
+            <p:cNvSpPr txBox="1"/>
+            <p:nvPr/>
+          </p:nvSpPr>
+          <p:spPr>
+            <a:xfrm rot="10800000" flipV="1">
+              <a:off x="1208313" y="16399411"/>
+              <a:ext cx="8345065" cy="2677656"/>
+            </a:xfrm>
+            <a:prstGeom prst="rect">
+              <a:avLst/>
+            </a:prstGeom>
+            <a:noFill/>
+          </p:spPr>
+          <p:txBody>
+            <a:bodyPr wrap="square" rtlCol="0">
+              <a:spAutoFit/>
+            </a:bodyPr>
+            <a:lstStyle/>
+            <a:p>
+              <a:r>
+                <a:rPr lang="en-US" sz="2400" dirty="0">
+                  <a:latin typeface="BentonSans Regular" panose="02000503000000020004" pitchFamily="50" charset="0"/>
+                </a:rPr>
+                <a:t>We present a method for super real-time classification of American Sign Language alphabetical gestures. We employ a two phase image recognition pipeline, wherein hands are localized within the original input image,  extracted, and fed into a CNN based classifier which outputs the detected letter. Our results indicate that our method achieves X% accuracy in a real-world scenario.</a:t>
+              </a:r>
+            </a:p>
+          </p:txBody>
+        </p:sp>
+      </p:grpSp>
+      <p:grpSp>
+        <p:nvGrpSpPr>
+          <p:cNvPr id="27" name="Group 26">
+            <a:extLst>
+              <a:ext uri="{FF2B5EF4-FFF2-40B4-BE49-F238E27FC236}">
+                <a16:creationId xmlns:a16="http://schemas.microsoft.com/office/drawing/2014/main" id="{4C3C758B-9021-4307-A6F6-916CB72E04BC}"/>
+              </a:ext>
+            </a:extLst>
+          </p:cNvPr>
+          <p:cNvGrpSpPr/>
+          <p:nvPr/>
+        </p:nvGrpSpPr>
+        <p:grpSpPr>
+          <a:xfrm>
+            <a:off x="910320" y="18170388"/>
+            <a:ext cx="9144000" cy="2898282"/>
+            <a:chOff x="914401" y="15176014"/>
+            <a:chExt cx="9144000" cy="2898282"/>
+          </a:xfrm>
+        </p:grpSpPr>
+        <p:sp>
+          <p:nvSpPr>
+            <p:cNvPr id="28" name="Rectangle 27">
+              <a:extLst>
+                <a:ext uri="{FF2B5EF4-FFF2-40B4-BE49-F238E27FC236}">
+                  <a16:creationId xmlns:a16="http://schemas.microsoft.com/office/drawing/2014/main" id="{79CA956B-9D3D-402C-855B-0EAC3BE66013}"/>
+                </a:ext>
+              </a:extLst>
+            </p:cNvPr>
+            <p:cNvSpPr/>
+            <p:nvPr/>
+          </p:nvSpPr>
+          <p:spPr>
+            <a:xfrm>
+              <a:off x="914401" y="15176015"/>
+              <a:ext cx="9144000" cy="774272"/>
+            </a:xfrm>
+            <a:prstGeom prst="rect">
+              <a:avLst/>
+            </a:prstGeom>
+            <a:solidFill>
+              <a:srgbClr val="A80532"/>
+            </a:solidFill>
+            <a:ln>
+              <a:noFill/>
+            </a:ln>
+          </p:spPr>
+          <p:style>
+            <a:lnRef idx="2">
+              <a:schemeClr val="accent1">
+                <a:shade val="50000"/>
+              </a:schemeClr>
+            </a:lnRef>
+            <a:fillRef idx="1">
+              <a:schemeClr val="accent1"/>
+            </a:fillRef>
+            <a:effectRef idx="0">
+              <a:schemeClr val="accent1"/>
+            </a:effectRef>
+            <a:fontRef idx="minor">
+              <a:schemeClr val="lt1"/>
+            </a:fontRef>
+          </p:style>
+          <p:txBody>
+            <a:bodyPr rtlCol="0" anchor="ctr"/>
+            <a:lstStyle/>
+            <a:p>
+              <a:pPr algn="ctr"/>
+              <a:r>
+                <a:rPr lang="en-US" sz="4400" dirty="0">
+                  <a:solidFill>
+                    <a:srgbClr val="FFFFFF"/>
+                  </a:solidFill>
+                  <a:latin typeface="BentonSans Regular" panose="02000503000000020004" pitchFamily="50" charset="0"/>
+                </a:rPr>
+                <a:t>Background and Related Work</a:t>
+              </a:r>
+            </a:p>
+          </p:txBody>
+        </p:sp>
+        <p:sp>
+          <p:nvSpPr>
+            <p:cNvPr id="29" name="Rectangle: Single Corner Snipped 28">
+              <a:extLst>
+                <a:ext uri="{FF2B5EF4-FFF2-40B4-BE49-F238E27FC236}">
+                  <a16:creationId xmlns:a16="http://schemas.microsoft.com/office/drawing/2014/main" id="{01BA3EF9-187B-4C2D-B3DD-D22CC5B9A668}"/>
+                </a:ext>
+              </a:extLst>
+            </p:cNvPr>
+            <p:cNvSpPr/>
+            <p:nvPr/>
+          </p:nvSpPr>
+          <p:spPr>
+            <a:xfrm flipV="1">
+              <a:off x="914401" y="15176014"/>
+              <a:ext cx="9111344" cy="2898282"/>
+            </a:xfrm>
+            <a:prstGeom prst="snip1Rect">
+              <a:avLst/>
+            </a:prstGeom>
+            <a:noFill/>
+            <a:ln w="57150">
+              <a:solidFill>
+                <a:srgbClr val="A80532"/>
+              </a:solidFill>
+            </a:ln>
+          </p:spPr>
+          <p:style>
+            <a:lnRef idx="2">
+              <a:schemeClr val="accent1">
+                <a:shade val="50000"/>
+              </a:schemeClr>
+            </a:lnRef>
+            <a:fillRef idx="1">
+              <a:schemeClr val="accent1"/>
+            </a:fillRef>
+            <a:effectRef idx="0">
+              <a:schemeClr val="accent1"/>
+            </a:effectRef>
+            <a:fontRef idx="minor">
+              <a:schemeClr val="lt1"/>
+            </a:fontRef>
+          </p:style>
+          <p:txBody>
+            <a:bodyPr rtlCol="0" anchor="ctr"/>
+            <a:lstStyle/>
+            <a:p>
+              <a:pPr algn="ctr"/>
+              <a:endParaRPr lang="en-US"/>
+            </a:p>
+          </p:txBody>
+        </p:sp>
+        <p:sp>
+          <p:nvSpPr>
+            <p:cNvPr id="30" name="TextBox 29">
+              <a:extLst>
+                <a:ext uri="{FF2B5EF4-FFF2-40B4-BE49-F238E27FC236}">
+                  <a16:creationId xmlns:a16="http://schemas.microsoft.com/office/drawing/2014/main" id="{A8A84AE8-8A47-47B7-B981-137F4E48BFB1}"/>
+                </a:ext>
+              </a:extLst>
+            </p:cNvPr>
+            <p:cNvSpPr txBox="1"/>
+            <p:nvPr/>
+          </p:nvSpPr>
+          <p:spPr>
+            <a:xfrm rot="10800000" flipV="1">
+              <a:off x="1212393" y="16057320"/>
+              <a:ext cx="8345065" cy="1938992"/>
+            </a:xfrm>
+            <a:prstGeom prst="rect">
+              <a:avLst/>
+            </a:prstGeom>
+            <a:noFill/>
+          </p:spPr>
+          <p:txBody>
+            <a:bodyPr wrap="square" rtlCol="0">
+              <a:spAutoFit/>
+            </a:bodyPr>
+            <a:lstStyle/>
+            <a:p>
+              <a:r>
+                <a:rPr lang="en-US" sz="2400" dirty="0">
+                  <a:latin typeface="BentonSans Regular" panose="02000503000000020004" pitchFamily="50" charset="0"/>
+                </a:rPr>
+                <a:t>Hand localization has been tackled before in the VIVA hand detection challenge.</a:t>
+              </a:r>
+            </a:p>
+            <a:p>
+              <a:r>
+                <a:rPr lang="en-US" sz="2400" dirty="0">
+                  <a:latin typeface="BentonSans Regular" panose="02000503000000020004" pitchFamily="50" charset="0"/>
+                </a:rPr>
+                <a:t>Sign language letter classification has been approached in a public Kaggle competition titled </a:t>
+              </a:r>
+              <a:r>
+                <a:rPr lang="en-US" sz="2400" b="1" i="1" dirty="0">
+                  <a:latin typeface="BentonSans Regular" panose="02000503000000020004" pitchFamily="50" charset="0"/>
+                </a:rPr>
+                <a:t>Sign Language MNIST</a:t>
+              </a:r>
+              <a:endParaRPr lang="en-US" sz="2400" dirty="0">
+                <a:latin typeface="BentonSans Regular" panose="02000503000000020004" pitchFamily="50" charset="0"/>
+              </a:endParaRPr>
+            </a:p>
+          </p:txBody>
+        </p:sp>
+      </p:grpSp>
+      <p:grpSp>
+        <p:nvGrpSpPr>
+          <p:cNvPr id="31" name="Group 30">
+            <a:extLst>
+              <a:ext uri="{FF2B5EF4-FFF2-40B4-BE49-F238E27FC236}">
+                <a16:creationId xmlns:a16="http://schemas.microsoft.com/office/drawing/2014/main" id="{D376441E-E17A-4E93-BB15-9EB12A4B2C0C}"/>
+              </a:ext>
+            </a:extLst>
+          </p:cNvPr>
+          <p:cNvGrpSpPr/>
+          <p:nvPr/>
+        </p:nvGrpSpPr>
+        <p:grpSpPr>
+          <a:xfrm>
+            <a:off x="22859999" y="6668778"/>
+            <a:ext cx="9144000" cy="4310797"/>
+            <a:chOff x="914401" y="15176014"/>
+            <a:chExt cx="9144000" cy="4310797"/>
+          </a:xfrm>
+        </p:grpSpPr>
+        <p:sp>
+          <p:nvSpPr>
+            <p:cNvPr id="32" name="Rectangle 31">
+              <a:extLst>
+                <a:ext uri="{FF2B5EF4-FFF2-40B4-BE49-F238E27FC236}">
+                  <a16:creationId xmlns:a16="http://schemas.microsoft.com/office/drawing/2014/main" id="{A378D491-5E82-4F1E-B428-4646A4341122}"/>
+                </a:ext>
+              </a:extLst>
+            </p:cNvPr>
+            <p:cNvSpPr/>
+            <p:nvPr/>
+          </p:nvSpPr>
+          <p:spPr>
+            <a:xfrm>
+              <a:off x="914401" y="15176015"/>
+              <a:ext cx="9144000" cy="774272"/>
+            </a:xfrm>
+            <a:prstGeom prst="rect">
+              <a:avLst/>
+            </a:prstGeom>
+            <a:solidFill>
+              <a:srgbClr val="A80532"/>
+            </a:solidFill>
+            <a:ln>
+              <a:noFill/>
+            </a:ln>
+          </p:spPr>
+          <p:style>
+            <a:lnRef idx="2">
+              <a:schemeClr val="accent1">
+                <a:shade val="50000"/>
+              </a:schemeClr>
+            </a:lnRef>
+            <a:fillRef idx="1">
+              <a:schemeClr val="accent1"/>
+            </a:fillRef>
+            <a:effectRef idx="0">
+              <a:schemeClr val="accent1"/>
+            </a:effectRef>
+            <a:fontRef idx="minor">
+              <a:schemeClr val="lt1"/>
+            </a:fontRef>
+          </p:style>
+          <p:txBody>
+            <a:bodyPr rtlCol="0" anchor="ctr"/>
+            <a:lstStyle/>
+            <a:p>
+              <a:pPr algn="ctr"/>
+              <a:r>
+                <a:rPr lang="en-US" sz="4400" dirty="0">
+                  <a:solidFill>
+                    <a:srgbClr val="FFFFFF"/>
+                  </a:solidFill>
+                  <a:latin typeface="BentonSans Regular" panose="02000503000000020004" pitchFamily="50" charset="0"/>
+                </a:rPr>
+                <a:t>Data</a:t>
+              </a:r>
+            </a:p>
+          </p:txBody>
+        </p:sp>
+        <p:sp>
+          <p:nvSpPr>
+            <p:cNvPr id="33" name="Rectangle: Single Corner Snipped 32">
+              <a:extLst>
+                <a:ext uri="{FF2B5EF4-FFF2-40B4-BE49-F238E27FC236}">
+                  <a16:creationId xmlns:a16="http://schemas.microsoft.com/office/drawing/2014/main" id="{1666E1AB-512D-488D-B30B-A7B5DEC59F2C}"/>
+                </a:ext>
+              </a:extLst>
+            </p:cNvPr>
+            <p:cNvSpPr/>
+            <p:nvPr/>
+          </p:nvSpPr>
+          <p:spPr>
+            <a:xfrm flipV="1">
+              <a:off x="914401" y="15176014"/>
+              <a:ext cx="9111344" cy="4310797"/>
+            </a:xfrm>
+            <a:prstGeom prst="snip1Rect">
+              <a:avLst/>
+            </a:prstGeom>
+            <a:noFill/>
+            <a:ln w="57150">
+              <a:solidFill>
+                <a:srgbClr val="A80532"/>
+              </a:solidFill>
+            </a:ln>
+          </p:spPr>
+          <p:style>
+            <a:lnRef idx="2">
+              <a:schemeClr val="accent1">
+                <a:shade val="50000"/>
+              </a:schemeClr>
+            </a:lnRef>
+            <a:fillRef idx="1">
+              <a:schemeClr val="accent1"/>
+            </a:fillRef>
+            <a:effectRef idx="0">
+              <a:schemeClr val="accent1"/>
+            </a:effectRef>
+            <a:fontRef idx="minor">
+              <a:schemeClr val="lt1"/>
+            </a:fontRef>
+          </p:style>
+          <p:txBody>
+            <a:bodyPr rtlCol="0" anchor="ctr"/>
+            <a:lstStyle/>
+            <a:p>
+              <a:pPr algn="ctr"/>
+              <a:endParaRPr lang="en-US"/>
+            </a:p>
+          </p:txBody>
+        </p:sp>
+        <p:sp>
+          <p:nvSpPr>
+            <p:cNvPr id="34" name="TextBox 33">
+              <a:extLst>
+                <a:ext uri="{FF2B5EF4-FFF2-40B4-BE49-F238E27FC236}">
+                  <a16:creationId xmlns:a16="http://schemas.microsoft.com/office/drawing/2014/main" id="{71393462-3E1C-4A9D-A5F8-AC0DC7C56E35}"/>
+                </a:ext>
+              </a:extLst>
+            </p:cNvPr>
+            <p:cNvSpPr txBox="1"/>
+            <p:nvPr/>
+          </p:nvSpPr>
+          <p:spPr>
+            <a:xfrm rot="10800000" flipV="1">
+              <a:off x="1447800" y="18418529"/>
+              <a:ext cx="6953251" cy="830997"/>
+            </a:xfrm>
+            <a:prstGeom prst="rect">
+              <a:avLst/>
+            </a:prstGeom>
+            <a:noFill/>
+          </p:spPr>
+          <p:txBody>
+            <a:bodyPr wrap="square" rtlCol="0">
+              <a:spAutoFit/>
+            </a:bodyPr>
+            <a:lstStyle/>
+            <a:p>
+              <a:r>
+                <a:rPr lang="en-US" sz="2400" dirty="0">
+                  <a:latin typeface="BentonSans Regular" panose="02000503000000020004" pitchFamily="50" charset="0"/>
+                </a:rPr>
+                <a:t>Samples from the localization and classification </a:t>
+              </a:r>
+              <a:r>
+                <a:rPr lang="en-US" sz="2400" dirty="0" err="1">
+                  <a:latin typeface="BentonSans Regular" panose="02000503000000020004" pitchFamily="50" charset="0"/>
+                </a:rPr>
+                <a:t>datsets</a:t>
+              </a:r>
+              <a:r>
+                <a:rPr lang="en-US" sz="2400" dirty="0">
+                  <a:latin typeface="BentonSans Regular" panose="02000503000000020004" pitchFamily="50" charset="0"/>
+                </a:rPr>
+                <a:t>.</a:t>
+              </a:r>
+            </a:p>
+          </p:txBody>
+        </p:sp>
+      </p:grpSp>
+      <p:grpSp>
+        <p:nvGrpSpPr>
+          <p:cNvPr id="35" name="Group 34">
+            <a:extLst>
+              <a:ext uri="{FF2B5EF4-FFF2-40B4-BE49-F238E27FC236}">
+                <a16:creationId xmlns:a16="http://schemas.microsoft.com/office/drawing/2014/main" id="{E9C83586-F444-4401-85A2-7C51B5A57088}"/>
+              </a:ext>
+            </a:extLst>
+          </p:cNvPr>
+          <p:cNvGrpSpPr/>
+          <p:nvPr/>
+        </p:nvGrpSpPr>
+        <p:grpSpPr>
+          <a:xfrm>
+            <a:off x="22859999" y="11625266"/>
+            <a:ext cx="9144000" cy="4310797"/>
+            <a:chOff x="914401" y="15176014"/>
+            <a:chExt cx="9144000" cy="4310797"/>
+          </a:xfrm>
+        </p:grpSpPr>
+        <p:sp>
+          <p:nvSpPr>
+            <p:cNvPr id="36" name="Rectangle 35">
+              <a:extLst>
+                <a:ext uri="{FF2B5EF4-FFF2-40B4-BE49-F238E27FC236}">
+                  <a16:creationId xmlns:a16="http://schemas.microsoft.com/office/drawing/2014/main" id="{DB59CAC2-40DB-40F1-AF76-8E0066BA56B4}"/>
+                </a:ext>
+              </a:extLst>
+            </p:cNvPr>
+            <p:cNvSpPr/>
+            <p:nvPr/>
+          </p:nvSpPr>
+          <p:spPr>
+            <a:xfrm>
+              <a:off x="914401" y="15176015"/>
+              <a:ext cx="9144000" cy="774272"/>
+            </a:xfrm>
+            <a:prstGeom prst="rect">
+              <a:avLst/>
+            </a:prstGeom>
+            <a:solidFill>
+              <a:srgbClr val="A80532"/>
+            </a:solidFill>
+            <a:ln>
+              <a:noFill/>
+            </a:ln>
+          </p:spPr>
+          <p:style>
+            <a:lnRef idx="2">
+              <a:schemeClr val="accent1">
+                <a:shade val="50000"/>
+              </a:schemeClr>
+            </a:lnRef>
+            <a:fillRef idx="1">
+              <a:schemeClr val="accent1"/>
+            </a:fillRef>
+            <a:effectRef idx="0">
+              <a:schemeClr val="accent1"/>
+            </a:effectRef>
+            <a:fontRef idx="minor">
+              <a:schemeClr val="lt1"/>
+            </a:fontRef>
+          </p:style>
+          <p:txBody>
+            <a:bodyPr rtlCol="0" anchor="ctr"/>
+            <a:lstStyle/>
+            <a:p>
+              <a:pPr algn="ctr"/>
+              <a:r>
+                <a:rPr lang="en-US" sz="4400" dirty="0">
+                  <a:solidFill>
+                    <a:srgbClr val="FFFFFF"/>
+                  </a:solidFill>
+                  <a:latin typeface="BentonSans Regular" panose="02000503000000020004" pitchFamily="50" charset="0"/>
+                </a:rPr>
+                <a:t>Results</a:t>
+              </a:r>
+            </a:p>
+          </p:txBody>
+        </p:sp>
+        <p:sp>
+          <p:nvSpPr>
+            <p:cNvPr id="37" name="Rectangle: Single Corner Snipped 36">
+              <a:extLst>
+                <a:ext uri="{FF2B5EF4-FFF2-40B4-BE49-F238E27FC236}">
+                  <a16:creationId xmlns:a16="http://schemas.microsoft.com/office/drawing/2014/main" id="{02FBD4E5-9466-4B8C-AEF5-CEE6E394A5F5}"/>
+                </a:ext>
+              </a:extLst>
+            </p:cNvPr>
+            <p:cNvSpPr/>
+            <p:nvPr/>
+          </p:nvSpPr>
+          <p:spPr>
+            <a:xfrm flipV="1">
+              <a:off x="914401" y="15176014"/>
+              <a:ext cx="9111344" cy="4310797"/>
+            </a:xfrm>
+            <a:prstGeom prst="snip1Rect">
+              <a:avLst/>
+            </a:prstGeom>
+            <a:noFill/>
+            <a:ln w="57150">
+              <a:solidFill>
+                <a:srgbClr val="A80532"/>
+              </a:solidFill>
+            </a:ln>
+          </p:spPr>
+          <p:style>
+            <a:lnRef idx="2">
+              <a:schemeClr val="accent1">
+                <a:shade val="50000"/>
+              </a:schemeClr>
+            </a:lnRef>
+            <a:fillRef idx="1">
+              <a:schemeClr val="accent1"/>
+            </a:fillRef>
+            <a:effectRef idx="0">
+              <a:schemeClr val="accent1"/>
+            </a:effectRef>
+            <a:fontRef idx="minor">
+              <a:schemeClr val="lt1"/>
+            </a:fontRef>
+          </p:style>
+          <p:txBody>
+            <a:bodyPr rtlCol="0" anchor="ctr"/>
+            <a:lstStyle/>
+            <a:p>
+              <a:pPr algn="ctr"/>
+              <a:endParaRPr lang="en-US"/>
+            </a:p>
+          </p:txBody>
+        </p:sp>
+        <p:sp>
+          <p:nvSpPr>
+            <p:cNvPr id="38" name="TextBox 37">
+              <a:extLst>
+                <a:ext uri="{FF2B5EF4-FFF2-40B4-BE49-F238E27FC236}">
+                  <a16:creationId xmlns:a16="http://schemas.microsoft.com/office/drawing/2014/main" id="{DA00F785-CAF8-4124-AA6F-287F4FDB3014}"/>
+                </a:ext>
+              </a:extLst>
+            </p:cNvPr>
+            <p:cNvSpPr txBox="1"/>
+            <p:nvPr/>
+          </p:nvSpPr>
+          <p:spPr>
+            <a:xfrm rot="10800000" flipV="1">
+              <a:off x="1113399" y="16074668"/>
+              <a:ext cx="8345065" cy="1200329"/>
+            </a:xfrm>
+            <a:prstGeom prst="rect">
+              <a:avLst/>
+            </a:prstGeom>
+            <a:noFill/>
+          </p:spPr>
+          <p:txBody>
+            <a:bodyPr wrap="square" rtlCol="0">
+              <a:spAutoFit/>
+            </a:bodyPr>
+            <a:lstStyle/>
+            <a:p>
+              <a:r>
+                <a:rPr lang="en-US" sz="2400" dirty="0">
+                  <a:latin typeface="BentonSans Regular" panose="02000503000000020004" pitchFamily="50" charset="0"/>
+                </a:rPr>
+                <a:t>There can be no doubt that our results were stellar. Here’s a handy graph of our results. (That is to say, we are still working on them.)</a:t>
+              </a:r>
+            </a:p>
+          </p:txBody>
+        </p:sp>
+      </p:grpSp>
+      <p:grpSp>
+        <p:nvGrpSpPr>
+          <p:cNvPr id="39" name="Group 38">
+            <a:extLst>
+              <a:ext uri="{FF2B5EF4-FFF2-40B4-BE49-F238E27FC236}">
+                <a16:creationId xmlns:a16="http://schemas.microsoft.com/office/drawing/2014/main" id="{91BD9D70-8736-4FAA-A54A-7A00EE861B7D}"/>
+              </a:ext>
+            </a:extLst>
+          </p:cNvPr>
+          <p:cNvGrpSpPr/>
+          <p:nvPr/>
+        </p:nvGrpSpPr>
+        <p:grpSpPr>
+          <a:xfrm>
+            <a:off x="22859999" y="16711630"/>
+            <a:ext cx="9144000" cy="4310797"/>
+            <a:chOff x="914401" y="15176014"/>
+            <a:chExt cx="9144000" cy="4310797"/>
+          </a:xfrm>
+        </p:grpSpPr>
+        <p:sp>
+          <p:nvSpPr>
+            <p:cNvPr id="40" name="Rectangle 39">
+              <a:extLst>
+                <a:ext uri="{FF2B5EF4-FFF2-40B4-BE49-F238E27FC236}">
+                  <a16:creationId xmlns:a16="http://schemas.microsoft.com/office/drawing/2014/main" id="{BCEE865F-0EFE-4867-9787-E1D9577FD303}"/>
+                </a:ext>
+              </a:extLst>
+            </p:cNvPr>
+            <p:cNvSpPr/>
+            <p:nvPr/>
+          </p:nvSpPr>
+          <p:spPr>
+            <a:xfrm>
+              <a:off x="914401" y="15176015"/>
+              <a:ext cx="9144000" cy="774272"/>
+            </a:xfrm>
+            <a:prstGeom prst="rect">
+              <a:avLst/>
+            </a:prstGeom>
+            <a:solidFill>
+              <a:srgbClr val="A80532"/>
+            </a:solidFill>
+            <a:ln>
+              <a:noFill/>
+            </a:ln>
+          </p:spPr>
+          <p:style>
+            <a:lnRef idx="2">
+              <a:schemeClr val="accent1">
+                <a:shade val="50000"/>
+              </a:schemeClr>
+            </a:lnRef>
+            <a:fillRef idx="1">
+              <a:schemeClr val="accent1"/>
+            </a:fillRef>
+            <a:effectRef idx="0">
+              <a:schemeClr val="accent1"/>
+            </a:effectRef>
+            <a:fontRef idx="minor">
+              <a:schemeClr val="lt1"/>
+            </a:fontRef>
+          </p:style>
+          <p:txBody>
+            <a:bodyPr rtlCol="0" anchor="ctr"/>
+            <a:lstStyle/>
+            <a:p>
+              <a:pPr algn="ctr"/>
+              <a:r>
+                <a:rPr lang="en-US" sz="4400" dirty="0">
+                  <a:solidFill>
+                    <a:srgbClr val="FFFFFF"/>
+                  </a:solidFill>
+                  <a:latin typeface="BentonSans Regular" panose="02000503000000020004" pitchFamily="50" charset="0"/>
+                </a:rPr>
+                <a:t>Conclusion</a:t>
+              </a:r>
+            </a:p>
+          </p:txBody>
+        </p:sp>
+        <p:sp>
+          <p:nvSpPr>
+            <p:cNvPr id="41" name="Rectangle: Single Corner Snipped 40">
+              <a:extLst>
+                <a:ext uri="{FF2B5EF4-FFF2-40B4-BE49-F238E27FC236}">
+                  <a16:creationId xmlns:a16="http://schemas.microsoft.com/office/drawing/2014/main" id="{D193B636-FF7A-43F7-880D-D564B89F72CF}"/>
+                </a:ext>
+              </a:extLst>
+            </p:cNvPr>
+            <p:cNvSpPr/>
+            <p:nvPr/>
+          </p:nvSpPr>
+          <p:spPr>
+            <a:xfrm flipV="1">
+              <a:off x="914401" y="15176014"/>
+              <a:ext cx="9111344" cy="4310797"/>
+            </a:xfrm>
+            <a:prstGeom prst="snip1Rect">
+              <a:avLst/>
+            </a:prstGeom>
+            <a:noFill/>
+            <a:ln w="57150">
+              <a:solidFill>
+                <a:srgbClr val="A80532"/>
+              </a:solidFill>
+            </a:ln>
+          </p:spPr>
+          <p:style>
+            <a:lnRef idx="2">
+              <a:schemeClr val="accent1">
+                <a:shade val="50000"/>
+              </a:schemeClr>
+            </a:lnRef>
+            <a:fillRef idx="1">
+              <a:schemeClr val="accent1"/>
+            </a:fillRef>
+            <a:effectRef idx="0">
+              <a:schemeClr val="accent1"/>
+            </a:effectRef>
+            <a:fontRef idx="minor">
+              <a:schemeClr val="lt1"/>
+            </a:fontRef>
+          </p:style>
+          <p:txBody>
+            <a:bodyPr rtlCol="0" anchor="ctr"/>
+            <a:lstStyle/>
+            <a:p>
+              <a:pPr algn="ctr"/>
+              <a:endParaRPr lang="en-US"/>
+            </a:p>
+          </p:txBody>
+        </p:sp>
+        <p:sp>
+          <p:nvSpPr>
+            <p:cNvPr id="42" name="TextBox 41">
+              <a:extLst>
+                <a:ext uri="{FF2B5EF4-FFF2-40B4-BE49-F238E27FC236}">
+                  <a16:creationId xmlns:a16="http://schemas.microsoft.com/office/drawing/2014/main" id="{D658996B-413A-4AEB-9716-B2F645600BFF}"/>
+                </a:ext>
+              </a:extLst>
+            </p:cNvPr>
+            <p:cNvSpPr txBox="1"/>
+            <p:nvPr/>
+          </p:nvSpPr>
+          <p:spPr>
+            <a:xfrm rot="10800000" flipV="1">
+              <a:off x="1208313" y="16953409"/>
+              <a:ext cx="8345065" cy="1569660"/>
+            </a:xfrm>
+            <a:prstGeom prst="rect">
+              <a:avLst/>
+            </a:prstGeom>
+            <a:noFill/>
+          </p:spPr>
+          <p:txBody>
+            <a:bodyPr wrap="square" rtlCol="0">
+              <a:spAutoFit/>
+            </a:bodyPr>
+            <a:lstStyle/>
+            <a:p>
+              <a:r>
+                <a:rPr lang="en-US" sz="2400" dirty="0">
+                  <a:latin typeface="BentonSans Regular" panose="02000503000000020004" pitchFamily="50" charset="0"/>
+                </a:rPr>
+                <a:t>The results clearly demonstrate the superiority of our method compared to other methods for this topic. QED</a:t>
+              </a:r>
+            </a:p>
+            <a:p>
+              <a:endParaRPr lang="en-US" sz="2400" dirty="0">
+                <a:latin typeface="BentonSans Regular" panose="02000503000000020004" pitchFamily="50" charset="0"/>
+              </a:endParaRPr>
+            </a:p>
+            <a:p>
+              <a:r>
+                <a:rPr lang="en-US" sz="2400" dirty="0">
+                  <a:latin typeface="BentonSans Regular" panose="02000503000000020004" pitchFamily="50" charset="0"/>
+                </a:rPr>
+                <a:t>Actual </a:t>
+              </a:r>
+              <a:r>
+                <a:rPr lang="en-US" sz="2400">
+                  <a:latin typeface="BentonSans Regular" panose="02000503000000020004" pitchFamily="50" charset="0"/>
+                </a:rPr>
+                <a:t>conclusion forthcoming.</a:t>
+              </a:r>
+              <a:endParaRPr lang="en-US" sz="2400" dirty="0">
+                <a:latin typeface="BentonSans Regular" panose="02000503000000020004" pitchFamily="50" charset="0"/>
+              </a:endParaRPr>
+            </a:p>
+          </p:txBody>
+        </p:sp>
+      </p:grpSp>
+      <p:grpSp>
+        <p:nvGrpSpPr>
+          <p:cNvPr id="57" name="Group 56">
+            <a:extLst>
+              <a:ext uri="{FF2B5EF4-FFF2-40B4-BE49-F238E27FC236}">
+                <a16:creationId xmlns:a16="http://schemas.microsoft.com/office/drawing/2014/main" id="{573AC8D8-AB48-480E-90DA-C31872E6E0BF}"/>
+              </a:ext>
+            </a:extLst>
+          </p:cNvPr>
+          <p:cNvGrpSpPr/>
+          <p:nvPr/>
+        </p:nvGrpSpPr>
+        <p:grpSpPr>
+          <a:xfrm>
+            <a:off x="14387244" y="10802993"/>
+            <a:ext cx="6936654" cy="1725683"/>
+            <a:chOff x="14336628" y="11727310"/>
+            <a:chExt cx="6936654" cy="1725683"/>
+          </a:xfrm>
+        </p:grpSpPr>
+        <p:pic>
+          <p:nvPicPr>
+            <p:cNvPr id="5" name="Picture 4" descr="A picture containing wall, person, indoor, man&#10;&#10;Description generated with very high confidence">
+              <a:extLst>
+                <a:ext uri="{FF2B5EF4-FFF2-40B4-BE49-F238E27FC236}">
+                  <a16:creationId xmlns:a16="http://schemas.microsoft.com/office/drawing/2014/main" id="{91288E11-EDE7-4792-8E26-A180E06EFD80}"/>
+                </a:ext>
+              </a:extLst>
+            </p:cNvPr>
+            <p:cNvPicPr>
+              <a:picLocks noChangeAspect="1"/>
+            </p:cNvPicPr>
+            <p:nvPr/>
+          </p:nvPicPr>
+          <p:blipFill>
+            <a:blip r:embed="rId4">
+              <a:extLst>
+                <a:ext uri="{28A0092B-C50C-407E-A947-70E740481C1C}">
+                  <a14:useLocalDpi xmlns:a14="http://schemas.microsoft.com/office/drawing/2010/main" val="0"/>
+                </a:ext>
+              </a:extLst>
+            </a:blip>
+            <a:stretch>
+              <a:fillRect/>
+            </a:stretch>
+          </p:blipFill>
+          <p:spPr>
+            <a:xfrm>
+              <a:off x="14336628" y="11727310"/>
+              <a:ext cx="3067880" cy="1725683"/>
+            </a:xfrm>
+            <a:prstGeom prst="rect">
+              <a:avLst/>
+            </a:prstGeom>
+          </p:spPr>
+        </p:pic>
+        <p:sp>
+          <p:nvSpPr>
+            <p:cNvPr id="6" name="Rectangle 5">
+              <a:extLst>
+                <a:ext uri="{FF2B5EF4-FFF2-40B4-BE49-F238E27FC236}">
+                  <a16:creationId xmlns:a16="http://schemas.microsoft.com/office/drawing/2014/main" id="{C4B613A2-1BE0-41E4-B72D-11E6353B43AD}"/>
+                </a:ext>
+              </a:extLst>
+            </p:cNvPr>
+            <p:cNvSpPr/>
+            <p:nvPr/>
+          </p:nvSpPr>
+          <p:spPr>
+            <a:xfrm>
+              <a:off x="14705048" y="12178401"/>
+              <a:ext cx="565260" cy="508210"/>
+            </a:xfrm>
+            <a:prstGeom prst="rect">
+              <a:avLst/>
+            </a:prstGeom>
+            <a:noFill/>
+            <a:ln w="6350">
+              <a:solidFill>
+                <a:srgbClr val="92D050"/>
+              </a:solidFill>
+            </a:ln>
+          </p:spPr>
+          <p:style>
+            <a:lnRef idx="2">
+              <a:schemeClr val="accent1">
+                <a:shade val="50000"/>
+              </a:schemeClr>
+            </a:lnRef>
+            <a:fillRef idx="1">
+              <a:schemeClr val="accent1"/>
+            </a:fillRef>
+            <a:effectRef idx="0">
+              <a:schemeClr val="accent1"/>
+            </a:effectRef>
+            <a:fontRef idx="minor">
+              <a:schemeClr val="lt1"/>
+            </a:fontRef>
+          </p:style>
+          <p:txBody>
+            <a:bodyPr rtlCol="0" anchor="ctr"/>
+            <a:lstStyle/>
+            <a:p>
+              <a:pPr algn="ctr"/>
+              <a:endParaRPr lang="en-US"/>
+            </a:p>
+          </p:txBody>
+        </p:sp>
+        <p:cxnSp>
+          <p:nvCxnSpPr>
+            <p:cNvPr id="8" name="Straight Arrow Connector 7">
+              <a:extLst>
+                <a:ext uri="{FF2B5EF4-FFF2-40B4-BE49-F238E27FC236}">
+                  <a16:creationId xmlns:a16="http://schemas.microsoft.com/office/drawing/2014/main" id="{200E481F-0EEF-4C3D-964A-4613A0F9A8D0}"/>
+                </a:ext>
+              </a:extLst>
+            </p:cNvPr>
+            <p:cNvCxnSpPr/>
+            <p:nvPr/>
+          </p:nvCxnSpPr>
+          <p:spPr>
+            <a:xfrm>
+              <a:off x="17599024" y="12585315"/>
+              <a:ext cx="781050" cy="0"/>
+            </a:xfrm>
+            <a:prstGeom prst="straightConnector1">
+              <a:avLst/>
+            </a:prstGeom>
+            <a:ln>
+              <a:tailEnd type="triangle"/>
+            </a:ln>
+          </p:spPr>
+          <p:style>
+            <a:lnRef idx="1">
+              <a:schemeClr val="accent1"/>
+            </a:lnRef>
+            <a:fillRef idx="0">
+              <a:schemeClr val="accent1"/>
+            </a:fillRef>
+            <a:effectRef idx="0">
+              <a:schemeClr val="accent1"/>
+            </a:effectRef>
+            <a:fontRef idx="minor">
+              <a:schemeClr val="tx1"/>
+            </a:fontRef>
+          </p:style>
+        </p:cxnSp>
+        <p:pic>
+          <p:nvPicPr>
+            <p:cNvPr id="44" name="Picture 43" descr="A picture containing wall, person, indoor, man&#10;&#10;Description generated with very high confidence">
+              <a:extLst>
+                <a:ext uri="{FF2B5EF4-FFF2-40B4-BE49-F238E27FC236}">
+                  <a16:creationId xmlns:a16="http://schemas.microsoft.com/office/drawing/2014/main" id="{E115C0FB-03DF-48A5-8818-8875D045E50B}"/>
+                </a:ext>
+              </a:extLst>
+            </p:cNvPr>
+            <p:cNvPicPr>
+              <a:picLocks noChangeAspect="1"/>
+            </p:cNvPicPr>
+            <p:nvPr/>
+          </p:nvPicPr>
+          <p:blipFill rotWithShape="1">
+            <a:blip r:embed="rId4">
+              <a:extLst>
+                <a:ext uri="{28A0092B-C50C-407E-A947-70E740481C1C}">
+                  <a14:useLocalDpi xmlns:a14="http://schemas.microsoft.com/office/drawing/2010/main" val="0"/>
+                </a:ext>
+              </a:extLst>
+            </a:blip>
+            <a:srcRect l="11978" t="28106" r="69083" b="40434"/>
+            <a:stretch/>
+          </p:blipFill>
+          <p:spPr>
+            <a:xfrm>
+              <a:off x="18574590" y="12104269"/>
+              <a:ext cx="1015159" cy="948542"/>
+            </a:xfrm>
+            <a:prstGeom prst="rect">
+              <a:avLst/>
+            </a:prstGeom>
+          </p:spPr>
+        </p:pic>
+        <p:cxnSp>
+          <p:nvCxnSpPr>
+            <p:cNvPr id="45" name="Straight Arrow Connector 44">
+              <a:extLst>
+                <a:ext uri="{FF2B5EF4-FFF2-40B4-BE49-F238E27FC236}">
+                  <a16:creationId xmlns:a16="http://schemas.microsoft.com/office/drawing/2014/main" id="{4721D999-F932-477E-BEFF-E189847601E4}"/>
+                </a:ext>
+              </a:extLst>
+            </p:cNvPr>
+            <p:cNvCxnSpPr/>
+            <p:nvPr/>
+          </p:nvCxnSpPr>
+          <p:spPr>
+            <a:xfrm>
+              <a:off x="19770724" y="12585315"/>
+              <a:ext cx="781050" cy="0"/>
+            </a:xfrm>
+            <a:prstGeom prst="straightConnector1">
+              <a:avLst/>
+            </a:prstGeom>
+            <a:ln>
+              <a:tailEnd type="triangle"/>
+            </a:ln>
+          </p:spPr>
+          <p:style>
+            <a:lnRef idx="1">
+              <a:schemeClr val="accent1"/>
+            </a:lnRef>
+            <a:fillRef idx="0">
+              <a:schemeClr val="accent1"/>
+            </a:fillRef>
+            <a:effectRef idx="0">
+              <a:schemeClr val="accent1"/>
+            </a:effectRef>
+            <a:fontRef idx="minor">
+              <a:schemeClr val="tx1"/>
+            </a:fontRef>
+          </p:style>
+        </p:cxnSp>
+        <p:sp>
+          <p:nvSpPr>
+            <p:cNvPr id="9" name="TextBox 8">
+              <a:extLst>
+                <a:ext uri="{FF2B5EF4-FFF2-40B4-BE49-F238E27FC236}">
+                  <a16:creationId xmlns:a16="http://schemas.microsoft.com/office/drawing/2014/main" id="{321ED64D-99FE-4932-B956-3C1C55D92B6B}"/>
+                </a:ext>
+              </a:extLst>
+            </p:cNvPr>
+            <p:cNvSpPr txBox="1"/>
+            <p:nvPr/>
+          </p:nvSpPr>
+          <p:spPr>
+            <a:xfrm>
+              <a:off x="20732749" y="12200594"/>
+              <a:ext cx="540533" cy="769441"/>
+            </a:xfrm>
+            <a:prstGeom prst="rect">
+              <a:avLst/>
+            </a:prstGeom>
+            <a:noFill/>
+          </p:spPr>
+          <p:txBody>
+            <a:bodyPr wrap="none" rtlCol="0">
+              <a:spAutoFit/>
+            </a:bodyPr>
+            <a:lstStyle/>
+            <a:p>
+              <a:r>
+                <a:rPr lang="en-US" sz="4400" dirty="0">
+                  <a:latin typeface="BentonSans Regular" panose="02000503000000020004" pitchFamily="50" charset="0"/>
+                </a:rPr>
+                <a:t>Y</a:t>
+              </a:r>
+            </a:p>
+          </p:txBody>
+        </p:sp>
+        <p:sp>
+          <p:nvSpPr>
+            <p:cNvPr id="12" name="TextBox 11">
+              <a:extLst>
+                <a:ext uri="{FF2B5EF4-FFF2-40B4-BE49-F238E27FC236}">
+                  <a16:creationId xmlns:a16="http://schemas.microsoft.com/office/drawing/2014/main" id="{584AD31F-CDEA-4A97-AE4D-880F1548225F}"/>
+                </a:ext>
+              </a:extLst>
+            </p:cNvPr>
+            <p:cNvSpPr txBox="1"/>
+            <p:nvPr/>
+          </p:nvSpPr>
+          <p:spPr>
+            <a:xfrm>
+              <a:off x="17459415" y="12230351"/>
+              <a:ext cx="1072730" cy="246221"/>
+            </a:xfrm>
+            <a:prstGeom prst="rect">
+              <a:avLst/>
+            </a:prstGeom>
+            <a:noFill/>
+          </p:spPr>
+          <p:txBody>
+            <a:bodyPr wrap="none" rtlCol="0">
+              <a:spAutoFit/>
+            </a:bodyPr>
+            <a:lstStyle/>
+            <a:p>
+              <a:r>
+                <a:rPr lang="en-US" sz="1000" dirty="0">
+                  <a:latin typeface="BentonSans Regular" panose="02000503000000020004" pitchFamily="50" charset="0"/>
+                </a:rPr>
+                <a:t>Hand Localizer</a:t>
+              </a:r>
+            </a:p>
+          </p:txBody>
+        </p:sp>
+        <p:sp>
+          <p:nvSpPr>
+            <p:cNvPr id="46" name="Rectangle 45">
+              <a:extLst>
+                <a:ext uri="{FF2B5EF4-FFF2-40B4-BE49-F238E27FC236}">
+                  <a16:creationId xmlns:a16="http://schemas.microsoft.com/office/drawing/2014/main" id="{08FCBE8D-B407-458B-A89A-BA71E21ADF7F}"/>
+                </a:ext>
+              </a:extLst>
+            </p:cNvPr>
+            <p:cNvSpPr/>
+            <p:nvPr/>
+          </p:nvSpPr>
+          <p:spPr>
+            <a:xfrm>
+              <a:off x="19589749" y="12199670"/>
+              <a:ext cx="1244251" cy="246221"/>
+            </a:xfrm>
+            <a:prstGeom prst="rect">
+              <a:avLst/>
+            </a:prstGeom>
+          </p:spPr>
+          <p:txBody>
+            <a:bodyPr wrap="none">
+              <a:spAutoFit/>
+            </a:bodyPr>
+            <a:lstStyle/>
+            <a:p>
+              <a:r>
+                <a:rPr lang="en-US" sz="1000" dirty="0">
+                  <a:latin typeface="BentonSans Regular" panose="02000503000000020004" pitchFamily="50" charset="0"/>
+                </a:rPr>
+                <a:t>Gesture Classifier</a:t>
+              </a:r>
+            </a:p>
+          </p:txBody>
+        </p:sp>
+      </p:grpSp>
+      <p:sp>
+        <p:nvSpPr>
+          <p:cNvPr id="56" name="Rectangle 55">
+            <a:extLst>
+              <a:ext uri="{FF2B5EF4-FFF2-40B4-BE49-F238E27FC236}">
+                <a16:creationId xmlns:a16="http://schemas.microsoft.com/office/drawing/2014/main" id="{0CA4EED7-1DB0-40D0-8A37-DD820C317E3F}"/>
+              </a:ext>
+            </a:extLst>
+          </p:cNvPr>
+          <p:cNvSpPr/>
+          <p:nvPr/>
+        </p:nvSpPr>
+        <p:spPr>
+          <a:xfrm>
+            <a:off x="16560798" y="8254099"/>
+            <a:ext cx="5283200" cy="1938992"/>
+          </a:xfrm>
+          <a:prstGeom prst="rect">
+            <a:avLst/>
+          </a:prstGeom>
+        </p:spPr>
+        <p:txBody>
+          <a:bodyPr wrap="square">
+            <a:spAutoFit/>
+          </a:bodyPr>
+          <a:lstStyle/>
+          <a:p>
+            <a:r>
+              <a:rPr lang="en-US" sz="2400" dirty="0">
+                <a:latin typeface="BentonSans Regular" panose="02000503000000020004" pitchFamily="50" charset="0"/>
+              </a:rPr>
+              <a:t>Our classifier is trained on American Sign Language alphabetical gestures. Since our model cannot detect movement between frames, letters J and Z have been omitted.</a:t>
+            </a:r>
+            <a:endParaRPr lang="en-US" sz="2400" dirty="0"/>
+          </a:p>
+        </p:txBody>
+      </p:sp>
+      <p:sp>
+        <p:nvSpPr>
+          <p:cNvPr id="58" name="Rectangle 57">
+            <a:extLst>
+              <a:ext uri="{FF2B5EF4-FFF2-40B4-BE49-F238E27FC236}">
+                <a16:creationId xmlns:a16="http://schemas.microsoft.com/office/drawing/2014/main" id="{4A38ECCE-BA07-42AD-B78C-C9CB317FF5AD}"/>
+              </a:ext>
+            </a:extLst>
+          </p:cNvPr>
+          <p:cNvSpPr/>
+          <p:nvPr/>
+        </p:nvSpPr>
+        <p:spPr>
+          <a:xfrm>
+            <a:off x="11449051" y="11060832"/>
+            <a:ext cx="2550118" cy="1200329"/>
+          </a:xfrm>
+          <a:prstGeom prst="rect">
+            <a:avLst/>
+          </a:prstGeom>
+        </p:spPr>
+        <p:txBody>
+          <a:bodyPr wrap="square">
+            <a:spAutoFit/>
+          </a:bodyPr>
+          <a:lstStyle/>
+          <a:p>
+            <a:r>
+              <a:rPr lang="en-US" sz="2400" dirty="0">
+                <a:latin typeface="BentonSans Regular" panose="02000503000000020004" pitchFamily="50" charset="0"/>
+              </a:rPr>
+              <a:t>An illustration of our processing pipeline</a:t>
+            </a:r>
+            <a:endParaRPr lang="en-US" sz="2400" dirty="0"/>
+          </a:p>
+        </p:txBody>
+      </p:sp>
+      <p:sp>
+        <p:nvSpPr>
+          <p:cNvPr id="59" name="TextBox 58">
+            <a:extLst>
+              <a:ext uri="{FF2B5EF4-FFF2-40B4-BE49-F238E27FC236}">
+                <a16:creationId xmlns:a16="http://schemas.microsoft.com/office/drawing/2014/main" id="{A24ED8A5-B8E0-4B3D-B040-11BD0696A5FD}"/>
+              </a:ext>
+            </a:extLst>
+          </p:cNvPr>
+          <p:cNvSpPr txBox="1"/>
+          <p:nvPr/>
+        </p:nvSpPr>
+        <p:spPr>
+          <a:xfrm>
+            <a:off x="12793239" y="15074426"/>
+            <a:ext cx="2864630" cy="461665"/>
+          </a:xfrm>
+          <a:prstGeom prst="rect">
+            <a:avLst/>
+          </a:prstGeom>
+          <a:noFill/>
+        </p:spPr>
+        <p:txBody>
+          <a:bodyPr wrap="none" rtlCol="0">
+            <a:spAutoFit/>
+          </a:bodyPr>
+          <a:lstStyle/>
+          <a:p>
+            <a:r>
+              <a:rPr lang="en-US" sz="2400" b="1" dirty="0">
+                <a:latin typeface="BentonSans Regular" panose="02000503000000020004" pitchFamily="50" charset="0"/>
+              </a:rPr>
+              <a:t>Hand Localization</a:t>
+            </a:r>
+          </a:p>
+        </p:txBody>
+      </p:sp>
+      <p:sp>
+        <p:nvSpPr>
+          <p:cNvPr id="60" name="Rectangle 59">
+            <a:extLst>
+              <a:ext uri="{FF2B5EF4-FFF2-40B4-BE49-F238E27FC236}">
+                <a16:creationId xmlns:a16="http://schemas.microsoft.com/office/drawing/2014/main" id="{3A005A97-B1A8-4169-898F-11D2992E60A0}"/>
+              </a:ext>
+            </a:extLst>
+          </p:cNvPr>
+          <p:cNvSpPr/>
+          <p:nvPr/>
+        </p:nvSpPr>
+        <p:spPr>
+          <a:xfrm>
+            <a:off x="17484524" y="15074425"/>
+            <a:ext cx="3206840" cy="461665"/>
+          </a:xfrm>
+          <a:prstGeom prst="rect">
+            <a:avLst/>
+          </a:prstGeom>
+        </p:spPr>
+        <p:txBody>
+          <a:bodyPr wrap="none">
+            <a:spAutoFit/>
+          </a:bodyPr>
+          <a:lstStyle/>
+          <a:p>
+            <a:r>
+              <a:rPr lang="en-US" sz="2400" b="1" dirty="0">
+                <a:latin typeface="BentonSans Regular" panose="02000503000000020004" pitchFamily="50" charset="0"/>
+              </a:rPr>
+              <a:t>Letter Classification</a:t>
+            </a:r>
+          </a:p>
+        </p:txBody>
+      </p:sp>
+      <p:sp>
+        <p:nvSpPr>
+          <p:cNvPr id="62" name="Rectangle: Single Corner Snipped 61">
+            <a:extLst>
+              <a:ext uri="{FF2B5EF4-FFF2-40B4-BE49-F238E27FC236}">
+                <a16:creationId xmlns:a16="http://schemas.microsoft.com/office/drawing/2014/main" id="{471690F7-811B-4325-8568-04DF0BC74864}"/>
+              </a:ext>
+            </a:extLst>
+          </p:cNvPr>
+          <p:cNvSpPr/>
+          <p:nvPr/>
+        </p:nvSpPr>
+        <p:spPr>
+          <a:xfrm flipV="1">
+            <a:off x="16497301" y="14999374"/>
+            <a:ext cx="5044326" cy="5450825"/>
+          </a:xfrm>
+          <a:prstGeom prst="snip1Rect">
+            <a:avLst/>
+          </a:prstGeom>
+          <a:noFill/>
+          <a:ln w="57150">
+            <a:solidFill>
+              <a:srgbClr val="A80532"/>
+            </a:solidFill>
+          </a:ln>
+        </p:spPr>
+        <p:style>
+          <a:lnRef idx="2">
+            <a:schemeClr val="accent1">
+              <a:shade val="50000"/>
+            </a:schemeClr>
+          </a:lnRef>
+          <a:fillRef idx="1">
+            <a:schemeClr val="accent1"/>
+          </a:fillRef>
+          <a:effectRef idx="0">
+            <a:schemeClr val="accent1"/>
+          </a:effectRef>
+          <a:fontRef idx="minor">
+            <a:schemeClr val="lt1"/>
+          </a:fontRef>
+        </p:style>
+        <p:txBody>
+          <a:bodyPr rtlCol="0" anchor="ctr"/>
+          <a:lstStyle/>
+          <a:p>
+            <a:pPr algn="ctr"/>
+            <a:endParaRPr lang="en-US"/>
+          </a:p>
+        </p:txBody>
+      </p:sp>
+      <p:sp>
+        <p:nvSpPr>
+          <p:cNvPr id="63" name="Rectangle: Single Corner Snipped 62">
+            <a:extLst>
+              <a:ext uri="{FF2B5EF4-FFF2-40B4-BE49-F238E27FC236}">
+                <a16:creationId xmlns:a16="http://schemas.microsoft.com/office/drawing/2014/main" id="{1AFA96BC-E9F3-4FD5-9BEE-31B1D4D7C6BB}"/>
+              </a:ext>
+            </a:extLst>
+          </p:cNvPr>
+          <p:cNvSpPr/>
+          <p:nvPr/>
+        </p:nvSpPr>
+        <p:spPr>
+          <a:xfrm rot="-10800000" flipV="1">
+            <a:off x="11449051" y="14999374"/>
+            <a:ext cx="5044326" cy="5450825"/>
+          </a:xfrm>
+          <a:prstGeom prst="snip1Rect">
+            <a:avLst/>
+          </a:prstGeom>
+          <a:noFill/>
+          <a:ln w="57150">
+            <a:solidFill>
+              <a:srgbClr val="A80532"/>
+            </a:solidFill>
+          </a:ln>
+        </p:spPr>
+        <p:style>
+          <a:lnRef idx="2">
+            <a:schemeClr val="accent1">
+              <a:shade val="50000"/>
+            </a:schemeClr>
+          </a:lnRef>
+          <a:fillRef idx="1">
+            <a:schemeClr val="accent1"/>
+          </a:fillRef>
+          <a:effectRef idx="0">
+            <a:schemeClr val="accent1"/>
+          </a:effectRef>
+          <a:fontRef idx="minor">
+            <a:schemeClr val="lt1"/>
+          </a:fontRef>
+        </p:style>
+        <p:txBody>
+          <a:bodyPr rtlCol="0" anchor="ctr"/>
+          <a:lstStyle/>
+          <a:p>
+            <a:pPr algn="ctr"/>
+            <a:endParaRPr lang="en-US"/>
+          </a:p>
+        </p:txBody>
+      </p:sp>
+      <p:sp>
+        <p:nvSpPr>
+          <p:cNvPr id="64" name="Rectangle 63">
+            <a:extLst>
+              <a:ext uri="{FF2B5EF4-FFF2-40B4-BE49-F238E27FC236}">
+                <a16:creationId xmlns:a16="http://schemas.microsoft.com/office/drawing/2014/main" id="{DA89FFCC-3BA1-4D67-987E-31BADE755710}"/>
+              </a:ext>
+            </a:extLst>
+          </p:cNvPr>
+          <p:cNvSpPr/>
+          <p:nvPr/>
+        </p:nvSpPr>
+        <p:spPr>
+          <a:xfrm>
+            <a:off x="11798020" y="15809063"/>
+            <a:ext cx="4408768" cy="4524315"/>
+          </a:xfrm>
+          <a:prstGeom prst="rect">
+            <a:avLst/>
+          </a:prstGeom>
+        </p:spPr>
+        <p:txBody>
+          <a:bodyPr wrap="square">
+            <a:spAutoFit/>
+          </a:bodyPr>
+          <a:lstStyle/>
+          <a:p>
+            <a:r>
+              <a:rPr lang="en-US" sz="2400" dirty="0">
+                <a:latin typeface="BentonSans Regular" panose="02000503000000020004" pitchFamily="50" charset="0"/>
+              </a:rPr>
+              <a:t>We used a variation of YOLO v2, trained on a dataset of photos with bounding boxes around hands.</a:t>
+            </a:r>
+          </a:p>
+          <a:p>
+            <a:endParaRPr lang="en-US" sz="2400" dirty="0">
+              <a:latin typeface="BentonSans Regular" panose="02000503000000020004" pitchFamily="50" charset="0"/>
+            </a:endParaRPr>
+          </a:p>
+          <a:p>
+            <a:r>
+              <a:rPr lang="en-US" sz="2400" dirty="0">
+                <a:latin typeface="BentonSans Regular" panose="02000503000000020004" pitchFamily="50" charset="0"/>
+              </a:rPr>
+              <a:t>Input images from the camera feed are passed into this network, and the bounding box around a hand returned is cropped from the image, then passed to the classifier.</a:t>
+            </a:r>
+            <a:endParaRPr lang="en-US" sz="2400" dirty="0"/>
+          </a:p>
+        </p:txBody>
+      </p:sp>
+      <p:sp>
+        <p:nvSpPr>
+          <p:cNvPr id="65" name="Rectangle 64">
+            <a:extLst>
+              <a:ext uri="{FF2B5EF4-FFF2-40B4-BE49-F238E27FC236}">
+                <a16:creationId xmlns:a16="http://schemas.microsoft.com/office/drawing/2014/main" id="{77F37001-3A4A-4C51-8C71-BA7DBCA533AC}"/>
+              </a:ext>
+            </a:extLst>
+          </p:cNvPr>
+          <p:cNvSpPr/>
+          <p:nvPr/>
+        </p:nvSpPr>
+        <p:spPr>
+          <a:xfrm>
+            <a:off x="16815080" y="15808942"/>
+            <a:ext cx="4408768" cy="4893647"/>
+          </a:xfrm>
+          <a:prstGeom prst="rect">
+            <a:avLst/>
+          </a:prstGeom>
+        </p:spPr>
+        <p:txBody>
+          <a:bodyPr wrap="square">
+            <a:spAutoFit/>
+          </a:bodyPr>
+          <a:lstStyle/>
+          <a:p>
+            <a:r>
+              <a:rPr lang="en-US" sz="2400" dirty="0">
+                <a:latin typeface="BentonSans Regular" panose="02000503000000020004" pitchFamily="50" charset="0"/>
+              </a:rPr>
+              <a:t>For classifying the letters from hands, we merged together several datasets of ASL letters. Classification is performed on a 28x28 resized image.</a:t>
+            </a:r>
+          </a:p>
+          <a:p>
+            <a:endParaRPr lang="en-US" sz="2400" dirty="0">
+              <a:latin typeface="BentonSans Regular" panose="02000503000000020004" pitchFamily="50" charset="0"/>
+            </a:endParaRPr>
+          </a:p>
+          <a:p>
+            <a:r>
+              <a:rPr lang="en-US" sz="2400" dirty="0">
+                <a:latin typeface="BentonSans Regular" panose="02000503000000020004" pitchFamily="50" charset="0"/>
+              </a:rPr>
+              <a:t>We augmented these datasets with transformed and translated duplicates of images within each dataset.</a:t>
+            </a:r>
+          </a:p>
+          <a:p>
+            <a:endParaRPr lang="en-US" sz="2400" dirty="0">
+              <a:latin typeface="BentonSans Regular" panose="02000503000000020004" pitchFamily="50" charset="0"/>
+            </a:endParaRPr>
+          </a:p>
+          <a:p>
+            <a:endParaRPr lang="en-US" sz="2400" dirty="0"/>
+          </a:p>
+        </p:txBody>
+      </p:sp>
+      <p:sp>
+        <p:nvSpPr>
+          <p:cNvPr id="66" name="Rectangle 65">
+            <a:extLst>
+              <a:ext uri="{FF2B5EF4-FFF2-40B4-BE49-F238E27FC236}">
+                <a16:creationId xmlns:a16="http://schemas.microsoft.com/office/drawing/2014/main" id="{7366094C-BB6C-4A49-9348-25813FD733BA}"/>
+              </a:ext>
+            </a:extLst>
+          </p:cNvPr>
+          <p:cNvSpPr/>
+          <p:nvPr/>
+        </p:nvSpPr>
+        <p:spPr>
+          <a:xfrm>
+            <a:off x="18716628" y="13145337"/>
+            <a:ext cx="2550118" cy="830997"/>
+          </a:xfrm>
+          <a:prstGeom prst="rect">
+            <a:avLst/>
+          </a:prstGeom>
+        </p:spPr>
+        <p:txBody>
+          <a:bodyPr wrap="square">
+            <a:spAutoFit/>
+          </a:bodyPr>
+          <a:lstStyle/>
+          <a:p>
+            <a:r>
+              <a:rPr lang="en-US" sz="2400" dirty="0">
+                <a:latin typeface="BentonSans Regular" panose="02000503000000020004" pitchFamily="50" charset="0"/>
+              </a:rPr>
+              <a:t>Classifier architecture</a:t>
+            </a:r>
+            <a:endParaRPr lang="en-US" sz="2400" dirty="0"/>
+          </a:p>
+        </p:txBody>
+      </p:sp>
+      <p:pic>
+        <p:nvPicPr>
+          <p:cNvPr id="68" name="Picture 67" descr="A screenshot of a cell phone&#10;&#10;Description generated with very high confidence">
+            <a:extLst>
+              <a:ext uri="{FF2B5EF4-FFF2-40B4-BE49-F238E27FC236}">
+                <a16:creationId xmlns:a16="http://schemas.microsoft.com/office/drawing/2014/main" id="{91A2F9F8-3A8D-4ACE-B11E-E8A860DD5C39}"/>
+              </a:ext>
+            </a:extLst>
+          </p:cNvPr>
+          <p:cNvPicPr>
+            <a:picLocks noChangeAspect="1"/>
+          </p:cNvPicPr>
+          <p:nvPr/>
+        </p:nvPicPr>
+        <p:blipFill>
+          <a:blip r:embed="rId5">
+            <a:extLst>
+              <a:ext uri="{28A0092B-C50C-407E-A947-70E740481C1C}">
+                <a14:useLocalDpi xmlns:a14="http://schemas.microsoft.com/office/drawing/2010/main" val="0"/>
+              </a:ext>
+            </a:extLst>
+          </a:blip>
+          <a:stretch>
+            <a:fillRect/>
+          </a:stretch>
+        </p:blipFill>
+        <p:spPr>
+          <a:xfrm rot="16200000">
+            <a:off x="13778178" y="11129773"/>
+            <a:ext cx="1725685" cy="5044327"/>
+          </a:xfrm>
+          <a:prstGeom prst="rect">
+            <a:avLst/>
+          </a:prstGeom>
+        </p:spPr>
+      </p:pic>
+      <p:pic>
+        <p:nvPicPr>
+          <p:cNvPr id="70" name="Picture 69" descr="A bathroom with a sink and a mirror&#10;&#10;Description generated with very high confidence">
+            <a:extLst>
+              <a:ext uri="{FF2B5EF4-FFF2-40B4-BE49-F238E27FC236}">
+                <a16:creationId xmlns:a16="http://schemas.microsoft.com/office/drawing/2014/main" id="{23BB58B4-2BAD-46D9-8873-E89EFB4BF9B8}"/>
+              </a:ext>
+            </a:extLst>
+          </p:cNvPr>
+          <p:cNvPicPr>
+            <a:picLocks noChangeAspect="1"/>
+          </p:cNvPicPr>
+          <p:nvPr/>
+        </p:nvPicPr>
+        <p:blipFill>
+          <a:blip r:embed="rId6">
+            <a:extLst>
+              <a:ext uri="{28A0092B-C50C-407E-A947-70E740481C1C}">
+                <a14:useLocalDpi xmlns:a14="http://schemas.microsoft.com/office/drawing/2010/main" val="0"/>
+              </a:ext>
+            </a:extLst>
+          </a:blip>
+          <a:stretch>
+            <a:fillRect/>
+          </a:stretch>
+        </p:blipFill>
+        <p:spPr>
+          <a:xfrm>
+            <a:off x="26250899" y="7612990"/>
+            <a:ext cx="3094622" cy="2061019"/>
+          </a:xfrm>
+          <a:prstGeom prst="rect">
+            <a:avLst/>
+          </a:prstGeom>
+        </p:spPr>
+      </p:pic>
+      <p:pic>
+        <p:nvPicPr>
+          <p:cNvPr id="72" name="Picture 71" descr="A person in a car&#10;&#10;Description generated with high confidence">
+            <a:extLst>
+              <a:ext uri="{FF2B5EF4-FFF2-40B4-BE49-F238E27FC236}">
+                <a16:creationId xmlns:a16="http://schemas.microsoft.com/office/drawing/2014/main" id="{C895795A-4FA1-458A-8950-32AFE572015C}"/>
+              </a:ext>
+            </a:extLst>
+          </p:cNvPr>
+          <p:cNvPicPr>
+            <a:picLocks noChangeAspect="1"/>
+          </p:cNvPicPr>
+          <p:nvPr/>
+        </p:nvPicPr>
+        <p:blipFill>
+          <a:blip r:embed="rId7">
+            <a:extLst>
+              <a:ext uri="{28A0092B-C50C-407E-A947-70E740481C1C}">
+                <a14:useLocalDpi xmlns:a14="http://schemas.microsoft.com/office/drawing/2010/main" val="0"/>
+              </a:ext>
+            </a:extLst>
+          </a:blip>
+          <a:stretch>
+            <a:fillRect/>
+          </a:stretch>
+        </p:blipFill>
+        <p:spPr>
+          <a:xfrm>
+            <a:off x="23393399" y="7606889"/>
+            <a:ext cx="2857500" cy="2143125"/>
+          </a:xfrm>
+          <a:prstGeom prst="rect">
+            <a:avLst/>
+          </a:prstGeom>
+        </p:spPr>
+      </p:pic>
+      <p:graphicFrame>
+        <p:nvGraphicFramePr>
+          <p:cNvPr id="75" name="Chart 74">
+            <a:extLst>
+              <a:ext uri="{FF2B5EF4-FFF2-40B4-BE49-F238E27FC236}">
+                <a16:creationId xmlns:a16="http://schemas.microsoft.com/office/drawing/2014/main" id="{D0E02888-CF53-4AB2-92B8-CF75B21DCC10}"/>
+              </a:ext>
+            </a:extLst>
+          </p:cNvPr>
+          <p:cNvGraphicFramePr/>
+          <p:nvPr>
+            <p:extLst>
+              <p:ext uri="{D42A27DB-BD31-4B8C-83A1-F6EECF244321}">
+                <p14:modId xmlns:p14="http://schemas.microsoft.com/office/powerpoint/2010/main" val="3653618625"/>
+              </p:ext>
+            </p:extLst>
+          </p:nvPr>
+        </p:nvGraphicFramePr>
+        <p:xfrm>
+          <a:off x="23289784" y="13570798"/>
+          <a:ext cx="7837916" cy="2238144"/>
+        </p:xfrm>
+        <a:graphic>
+          <a:graphicData uri="http://schemas.openxmlformats.org/drawingml/2006/chart">
+            <c:chart xmlns:c="http://schemas.openxmlformats.org/drawingml/2006/chart" xmlns:r="http://schemas.openxmlformats.org/officeDocument/2006/relationships" r:id="rId8"/>
+          </a:graphicData>
+        </a:graphic>
+      </p:graphicFrame>
     </p:spTree>
     <p:extLst>
       <p:ext uri="{BB962C8B-B14F-4D97-AF65-F5344CB8AC3E}">

--- a/docs/poster.pptx
+++ b/docs/poster.pptx
@@ -16,15 +16,15 @@
       <p:italic r:id="rId4"/>
     </p:embeddedFont>
     <p:embeddedFont>
-      <p:font typeface="BentonSans Regular" panose="02000503000000020004" pitchFamily="50" charset="0"/>
+      <p:font typeface="Calibri" panose="020F0502020204030204" pitchFamily="34" charset="0"/>
       <p:regular r:id="rId5"/>
+      <p:bold r:id="rId6"/>
+      <p:italic r:id="rId7"/>
+      <p:boldItalic r:id="rId8"/>
     </p:embeddedFont>
     <p:embeddedFont>
-      <p:font typeface="Calibri" panose="020F0502020204030204" pitchFamily="34" charset="0"/>
-      <p:regular r:id="rId6"/>
-      <p:bold r:id="rId7"/>
-      <p:italic r:id="rId8"/>
-      <p:boldItalic r:id="rId9"/>
+      <p:font typeface="BentonSans Regular" panose="02000503000000020004" pitchFamily="50" charset="0"/>
+      <p:regular r:id="rId9"/>
     </p:embeddedFont>
   </p:embeddedFontLst>
   <p:defaultTextStyle>
@@ -141,1036 +141,6 @@
 </p:presentation>
 </file>
 
-<file path=ppt/charts/chart1.xml><?xml version="1.0" encoding="utf-8"?>
-<c:chartSpace xmlns:c="http://schemas.openxmlformats.org/drawingml/2006/chart" xmlns:a="http://schemas.openxmlformats.org/drawingml/2006/main" xmlns:r="http://schemas.openxmlformats.org/officeDocument/2006/relationships" xmlns:c16r2="http://schemas.microsoft.com/office/drawing/2015/06/chart">
-  <c:date1904 val="0"/>
-  <c:lang val="en-US"/>
-  <c:roundedCorners val="0"/>
-  <mc:AlternateContent xmlns:mc="http://schemas.openxmlformats.org/markup-compatibility/2006">
-    <mc:Choice xmlns:c14="http://schemas.microsoft.com/office/drawing/2007/8/2/chart" Requires="c14">
-      <c14:style val="102"/>
-    </mc:Choice>
-    <mc:Fallback>
-      <c:style val="2"/>
-    </mc:Fallback>
-  </mc:AlternateContent>
-  <c:chart>
-    <c:title>
-      <c:overlay val="0"/>
-      <c:spPr>
-        <a:noFill/>
-        <a:ln>
-          <a:noFill/>
-        </a:ln>
-        <a:effectLst/>
-      </c:spPr>
-      <c:txPr>
-        <a:bodyPr rot="0" spcFirstLastPara="1" vertOverflow="ellipsis" vert="horz" wrap="square" anchor="ctr" anchorCtr="1"/>
-        <a:lstStyle/>
-        <a:p>
-          <a:pPr>
-            <a:defRPr sz="1862" b="0" i="0" u="none" strike="noStrike" kern="1200" spc="0" baseline="0">
-              <a:solidFill>
-                <a:schemeClr val="tx1">
-                  <a:lumMod val="65000"/>
-                  <a:lumOff val="35000"/>
-                </a:schemeClr>
-              </a:solidFill>
-              <a:latin typeface="+mn-lt"/>
-              <a:ea typeface="+mn-ea"/>
-              <a:cs typeface="+mn-cs"/>
-            </a:defRPr>
-          </a:pPr>
-          <a:endParaRPr lang="en-US"/>
-        </a:p>
-      </c:txPr>
-    </c:title>
-    <c:autoTitleDeleted val="0"/>
-    <c:plotArea>
-      <c:layout>
-        <c:manualLayout>
-          <c:layoutTarget val="inner"/>
-          <c:xMode val="edge"/>
-          <c:yMode val="edge"/>
-          <c:x val="5.5700133737773952E-2"/>
-          <c:y val="4.8735515769412208E-2"/>
-          <c:w val="0.96229364181096444"/>
-          <c:h val="0.7931997070455159"/>
-        </c:manualLayout>
-      </c:layout>
-      <c:lineChart>
-        <c:grouping val="standard"/>
-        <c:varyColors val="0"/>
-        <c:ser>
-          <c:idx val="0"/>
-          <c:order val="0"/>
-          <c:tx>
-            <c:strRef>
-              <c:f>Sheet1!$B$1</c:f>
-              <c:strCache>
-                <c:ptCount val="1"/>
-                <c:pt idx="0">
-                  <c:v>Series 1</c:v>
-                </c:pt>
-              </c:strCache>
-            </c:strRef>
-          </c:tx>
-          <c:spPr>
-            <a:ln w="28575" cap="rnd">
-              <a:solidFill>
-                <a:schemeClr val="accent1"/>
-              </a:solidFill>
-              <a:round/>
-            </a:ln>
-            <a:effectLst/>
-          </c:spPr>
-          <c:marker>
-            <c:symbol val="none"/>
-          </c:marker>
-          <c:cat>
-            <c:strRef>
-              <c:f>Sheet1!$A$2:$A$5</c:f>
-              <c:strCache>
-                <c:ptCount val="4"/>
-                <c:pt idx="0">
-                  <c:v>Category 1</c:v>
-                </c:pt>
-                <c:pt idx="1">
-                  <c:v>Category 2</c:v>
-                </c:pt>
-                <c:pt idx="2">
-                  <c:v>Category 3</c:v>
-                </c:pt>
-                <c:pt idx="3">
-                  <c:v>Category 4</c:v>
-                </c:pt>
-              </c:strCache>
-            </c:strRef>
-          </c:cat>
-          <c:val>
-            <c:numRef>
-              <c:f>Sheet1!$B$2:$B$5</c:f>
-              <c:numCache>
-                <c:formatCode>General</c:formatCode>
-                <c:ptCount val="4"/>
-                <c:pt idx="0">
-                  <c:v>4.3</c:v>
-                </c:pt>
-                <c:pt idx="1">
-                  <c:v>2.5</c:v>
-                </c:pt>
-                <c:pt idx="2">
-                  <c:v>3.5</c:v>
-                </c:pt>
-                <c:pt idx="3">
-                  <c:v>4.5</c:v>
-                </c:pt>
-              </c:numCache>
-            </c:numRef>
-          </c:val>
-          <c:smooth val="0"/>
-          <c:extLst>
-            <c:ext xmlns:c16="http://schemas.microsoft.com/office/drawing/2014/chart" uri="{C3380CC4-5D6E-409C-BE32-E72D297353CC}">
-              <c16:uniqueId val="{00000000-7F53-4704-9BCB-60800BB09BA9}"/>
-            </c:ext>
-          </c:extLst>
-        </c:ser>
-        <c:ser>
-          <c:idx val="1"/>
-          <c:order val="1"/>
-          <c:tx>
-            <c:strRef>
-              <c:f>Sheet1!$C$1</c:f>
-              <c:strCache>
-                <c:ptCount val="1"/>
-                <c:pt idx="0">
-                  <c:v>Series 2</c:v>
-                </c:pt>
-              </c:strCache>
-            </c:strRef>
-          </c:tx>
-          <c:spPr>
-            <a:ln w="28575" cap="rnd">
-              <a:solidFill>
-                <a:schemeClr val="accent2"/>
-              </a:solidFill>
-              <a:round/>
-            </a:ln>
-            <a:effectLst/>
-          </c:spPr>
-          <c:marker>
-            <c:symbol val="none"/>
-          </c:marker>
-          <c:cat>
-            <c:strRef>
-              <c:f>Sheet1!$A$2:$A$5</c:f>
-              <c:strCache>
-                <c:ptCount val="4"/>
-                <c:pt idx="0">
-                  <c:v>Category 1</c:v>
-                </c:pt>
-                <c:pt idx="1">
-                  <c:v>Category 2</c:v>
-                </c:pt>
-                <c:pt idx="2">
-                  <c:v>Category 3</c:v>
-                </c:pt>
-                <c:pt idx="3">
-                  <c:v>Category 4</c:v>
-                </c:pt>
-              </c:strCache>
-            </c:strRef>
-          </c:cat>
-          <c:val>
-            <c:numRef>
-              <c:f>Sheet1!$C$2:$C$5</c:f>
-              <c:numCache>
-                <c:formatCode>General</c:formatCode>
-                <c:ptCount val="4"/>
-                <c:pt idx="0">
-                  <c:v>2.4</c:v>
-                </c:pt>
-                <c:pt idx="1">
-                  <c:v>4.4000000000000004</c:v>
-                </c:pt>
-                <c:pt idx="2">
-                  <c:v>1.8</c:v>
-                </c:pt>
-                <c:pt idx="3">
-                  <c:v>2.8</c:v>
-                </c:pt>
-              </c:numCache>
-            </c:numRef>
-          </c:val>
-          <c:smooth val="0"/>
-          <c:extLst>
-            <c:ext xmlns:c16="http://schemas.microsoft.com/office/drawing/2014/chart" uri="{C3380CC4-5D6E-409C-BE32-E72D297353CC}">
-              <c16:uniqueId val="{00000001-7F53-4704-9BCB-60800BB09BA9}"/>
-            </c:ext>
-          </c:extLst>
-        </c:ser>
-        <c:ser>
-          <c:idx val="2"/>
-          <c:order val="2"/>
-          <c:tx>
-            <c:strRef>
-              <c:f>Sheet1!$D$1</c:f>
-              <c:strCache>
-                <c:ptCount val="1"/>
-                <c:pt idx="0">
-                  <c:v>Series 3</c:v>
-                </c:pt>
-              </c:strCache>
-            </c:strRef>
-          </c:tx>
-          <c:spPr>
-            <a:ln w="28575" cap="rnd">
-              <a:solidFill>
-                <a:schemeClr val="accent3"/>
-              </a:solidFill>
-              <a:round/>
-            </a:ln>
-            <a:effectLst/>
-          </c:spPr>
-          <c:marker>
-            <c:symbol val="none"/>
-          </c:marker>
-          <c:cat>
-            <c:strRef>
-              <c:f>Sheet1!$A$2:$A$5</c:f>
-              <c:strCache>
-                <c:ptCount val="4"/>
-                <c:pt idx="0">
-                  <c:v>Category 1</c:v>
-                </c:pt>
-                <c:pt idx="1">
-                  <c:v>Category 2</c:v>
-                </c:pt>
-                <c:pt idx="2">
-                  <c:v>Category 3</c:v>
-                </c:pt>
-                <c:pt idx="3">
-                  <c:v>Category 4</c:v>
-                </c:pt>
-              </c:strCache>
-            </c:strRef>
-          </c:cat>
-          <c:val>
-            <c:numRef>
-              <c:f>Sheet1!$D$2:$D$5</c:f>
-              <c:numCache>
-                <c:formatCode>General</c:formatCode>
-                <c:ptCount val="4"/>
-                <c:pt idx="0">
-                  <c:v>2</c:v>
-                </c:pt>
-                <c:pt idx="1">
-                  <c:v>2</c:v>
-                </c:pt>
-                <c:pt idx="2">
-                  <c:v>3</c:v>
-                </c:pt>
-                <c:pt idx="3">
-                  <c:v>5</c:v>
-                </c:pt>
-              </c:numCache>
-            </c:numRef>
-          </c:val>
-          <c:smooth val="0"/>
-          <c:extLst>
-            <c:ext xmlns:c16="http://schemas.microsoft.com/office/drawing/2014/chart" uri="{C3380CC4-5D6E-409C-BE32-E72D297353CC}">
-              <c16:uniqueId val="{00000002-7F53-4704-9BCB-60800BB09BA9}"/>
-            </c:ext>
-          </c:extLst>
-        </c:ser>
-        <c:dLbls>
-          <c:showLegendKey val="0"/>
-          <c:showVal val="0"/>
-          <c:showCatName val="0"/>
-          <c:showSerName val="0"/>
-          <c:showPercent val="0"/>
-          <c:showBubbleSize val="0"/>
-        </c:dLbls>
-        <c:smooth val="0"/>
-        <c:axId val="1417540416"/>
-        <c:axId val="1417793680"/>
-      </c:lineChart>
-      <c:catAx>
-        <c:axId val="1417540416"/>
-        <c:scaling>
-          <c:orientation val="minMax"/>
-        </c:scaling>
-        <c:delete val="0"/>
-        <c:axPos val="b"/>
-        <c:numFmt formatCode="General" sourceLinked="1"/>
-        <c:majorTickMark val="none"/>
-        <c:minorTickMark val="none"/>
-        <c:tickLblPos val="nextTo"/>
-        <c:spPr>
-          <a:noFill/>
-          <a:ln w="9525" cap="flat" cmpd="sng" algn="ctr">
-            <a:solidFill>
-              <a:schemeClr val="tx1">
-                <a:lumMod val="15000"/>
-                <a:lumOff val="85000"/>
-              </a:schemeClr>
-            </a:solidFill>
-            <a:round/>
-          </a:ln>
-          <a:effectLst/>
-        </c:spPr>
-        <c:txPr>
-          <a:bodyPr rot="-60000000" spcFirstLastPara="1" vertOverflow="ellipsis" vert="horz" wrap="square" anchor="ctr" anchorCtr="1"/>
-          <a:lstStyle/>
-          <a:p>
-            <a:pPr>
-              <a:defRPr sz="1197" b="0" i="0" u="none" strike="noStrike" kern="1200" baseline="0">
-                <a:solidFill>
-                  <a:schemeClr val="tx1">
-                    <a:lumMod val="65000"/>
-                    <a:lumOff val="35000"/>
-                  </a:schemeClr>
-                </a:solidFill>
-                <a:latin typeface="+mn-lt"/>
-                <a:ea typeface="+mn-ea"/>
-                <a:cs typeface="+mn-cs"/>
-              </a:defRPr>
-            </a:pPr>
-            <a:endParaRPr lang="en-US"/>
-          </a:p>
-        </c:txPr>
-        <c:crossAx val="1417793680"/>
-        <c:crosses val="autoZero"/>
-        <c:auto val="1"/>
-        <c:lblAlgn val="ctr"/>
-        <c:lblOffset val="100"/>
-        <c:noMultiLvlLbl val="0"/>
-      </c:catAx>
-      <c:valAx>
-        <c:axId val="1417793680"/>
-        <c:scaling>
-          <c:orientation val="minMax"/>
-        </c:scaling>
-        <c:delete val="0"/>
-        <c:axPos val="l"/>
-        <c:majorGridlines>
-          <c:spPr>
-            <a:ln w="9525" cap="flat" cmpd="sng" algn="ctr">
-              <a:solidFill>
-                <a:schemeClr val="tx1">
-                  <a:lumMod val="15000"/>
-                  <a:lumOff val="85000"/>
-                </a:schemeClr>
-              </a:solidFill>
-              <a:round/>
-            </a:ln>
-            <a:effectLst/>
-          </c:spPr>
-        </c:majorGridlines>
-        <c:numFmt formatCode="General" sourceLinked="1"/>
-        <c:majorTickMark val="none"/>
-        <c:minorTickMark val="none"/>
-        <c:tickLblPos val="nextTo"/>
-        <c:spPr>
-          <a:noFill/>
-          <a:ln>
-            <a:noFill/>
-          </a:ln>
-          <a:effectLst/>
-        </c:spPr>
-        <c:txPr>
-          <a:bodyPr rot="-60000000" spcFirstLastPara="1" vertOverflow="ellipsis" vert="horz" wrap="square" anchor="ctr" anchorCtr="1"/>
-          <a:lstStyle/>
-          <a:p>
-            <a:pPr>
-              <a:defRPr sz="1197" b="0" i="0" u="none" strike="noStrike" kern="1200" baseline="0">
-                <a:solidFill>
-                  <a:schemeClr val="tx1">
-                    <a:lumMod val="65000"/>
-                    <a:lumOff val="35000"/>
-                  </a:schemeClr>
-                </a:solidFill>
-                <a:latin typeface="+mn-lt"/>
-                <a:ea typeface="+mn-ea"/>
-                <a:cs typeface="+mn-cs"/>
-              </a:defRPr>
-            </a:pPr>
-            <a:endParaRPr lang="en-US"/>
-          </a:p>
-        </c:txPr>
-        <c:crossAx val="1417540416"/>
-        <c:crosses val="autoZero"/>
-        <c:crossBetween val="between"/>
-      </c:valAx>
-      <c:spPr>
-        <a:noFill/>
-        <a:ln>
-          <a:noFill/>
-        </a:ln>
-        <a:effectLst/>
-      </c:spPr>
-    </c:plotArea>
-    <c:legend>
-      <c:legendPos val="b"/>
-      <c:overlay val="0"/>
-      <c:spPr>
-        <a:noFill/>
-        <a:ln>
-          <a:noFill/>
-        </a:ln>
-        <a:effectLst/>
-      </c:spPr>
-      <c:txPr>
-        <a:bodyPr rot="0" spcFirstLastPara="1" vertOverflow="ellipsis" vert="horz" wrap="square" anchor="ctr" anchorCtr="1"/>
-        <a:lstStyle/>
-        <a:p>
-          <a:pPr>
-            <a:defRPr sz="1197" b="0" i="0" u="none" strike="noStrike" kern="1200" baseline="0">
-              <a:solidFill>
-                <a:schemeClr val="tx1">
-                  <a:lumMod val="65000"/>
-                  <a:lumOff val="35000"/>
-                </a:schemeClr>
-              </a:solidFill>
-              <a:latin typeface="+mn-lt"/>
-              <a:ea typeface="+mn-ea"/>
-              <a:cs typeface="+mn-cs"/>
-            </a:defRPr>
-          </a:pPr>
-          <a:endParaRPr lang="en-US"/>
-        </a:p>
-      </c:txPr>
-    </c:legend>
-    <c:plotVisOnly val="1"/>
-    <c:dispBlanksAs val="gap"/>
-    <c:extLst>
-      <c:ext xmlns:c16r3="http://schemas.microsoft.com/office/drawing/2017/03/chart" uri="{56B9EC1D-385E-4148-901F-78D8002777C0}">
-        <c16r3:dataDisplayOptions16>
-          <c16r3:dispNaAsBlank val="1"/>
-        </c16r3:dataDisplayOptions16>
-      </c:ext>
-    </c:extLst>
-    <c:showDLblsOverMax val="0"/>
-  </c:chart>
-  <c:spPr>
-    <a:noFill/>
-    <a:ln>
-      <a:noFill/>
-    </a:ln>
-    <a:effectLst/>
-  </c:spPr>
-  <c:txPr>
-    <a:bodyPr/>
-    <a:lstStyle/>
-    <a:p>
-      <a:pPr>
-        <a:defRPr/>
-      </a:pPr>
-      <a:endParaRPr lang="en-US"/>
-    </a:p>
-  </c:txPr>
-  <c:externalData r:id="rId3">
-    <c:autoUpdate val="0"/>
-  </c:externalData>
-</c:chartSpace>
-</file>
-
-<file path=ppt/charts/colors1.xml><?xml version="1.0" encoding="utf-8"?>
-<cs:colorStyle xmlns:cs="http://schemas.microsoft.com/office/drawing/2012/chartStyle" xmlns:a="http://schemas.openxmlformats.org/drawingml/2006/main" meth="cycle" id="10">
-  <a:schemeClr val="accent1"/>
-  <a:schemeClr val="accent2"/>
-  <a:schemeClr val="accent3"/>
-  <a:schemeClr val="accent4"/>
-  <a:schemeClr val="accent5"/>
-  <a:schemeClr val="accent6"/>
-  <cs:variation/>
-  <cs:variation>
-    <a:lumMod val="60000"/>
-  </cs:variation>
-  <cs:variation>
-    <a:lumMod val="80000"/>
-    <a:lumOff val="20000"/>
-  </cs:variation>
-  <cs:variation>
-    <a:lumMod val="80000"/>
-  </cs:variation>
-  <cs:variation>
-    <a:lumMod val="60000"/>
-    <a:lumOff val="40000"/>
-  </cs:variation>
-  <cs:variation>
-    <a:lumMod val="50000"/>
-  </cs:variation>
-  <cs:variation>
-    <a:lumMod val="70000"/>
-    <a:lumOff val="30000"/>
-  </cs:variation>
-  <cs:variation>
-    <a:lumMod val="70000"/>
-  </cs:variation>
-  <cs:variation>
-    <a:lumMod val="50000"/>
-    <a:lumOff val="50000"/>
-  </cs:variation>
-</cs:colorStyle>
-</file>
-
-<file path=ppt/charts/style1.xml><?xml version="1.0" encoding="utf-8"?>
-<cs:chartStyle xmlns:cs="http://schemas.microsoft.com/office/drawing/2012/chartStyle" xmlns:a="http://schemas.openxmlformats.org/drawingml/2006/main" id="227">
-  <cs:axisTitle>
-    <cs:lnRef idx="0"/>
-    <cs:fillRef idx="0"/>
-    <cs:effectRef idx="0"/>
-    <cs:fontRef idx="minor">
-      <a:schemeClr val="tx1">
-        <a:lumMod val="65000"/>
-        <a:lumOff val="35000"/>
-      </a:schemeClr>
-    </cs:fontRef>
-    <cs:defRPr sz="1330" kern="1200"/>
-  </cs:axisTitle>
-  <cs:categoryAxis>
-    <cs:lnRef idx="0"/>
-    <cs:fillRef idx="0"/>
-    <cs:effectRef idx="0"/>
-    <cs:fontRef idx="minor">
-      <a:schemeClr val="tx1">
-        <a:lumMod val="65000"/>
-        <a:lumOff val="35000"/>
-      </a:schemeClr>
-    </cs:fontRef>
-    <cs:spPr>
-      <a:ln w="9525" cap="flat" cmpd="sng" algn="ctr">
-        <a:solidFill>
-          <a:schemeClr val="tx1">
-            <a:lumMod val="15000"/>
-            <a:lumOff val="85000"/>
-          </a:schemeClr>
-        </a:solidFill>
-        <a:round/>
-      </a:ln>
-    </cs:spPr>
-    <cs:defRPr sz="1197" kern="1200"/>
-  </cs:categoryAxis>
-  <cs:chartArea mods="allowNoFillOverride allowNoLineOverride">
-    <cs:lnRef idx="0"/>
-    <cs:fillRef idx="0"/>
-    <cs:effectRef idx="0"/>
-    <cs:fontRef idx="minor">
-      <a:schemeClr val="tx1"/>
-    </cs:fontRef>
-    <cs:spPr>
-      <a:solidFill>
-        <a:schemeClr val="bg1"/>
-      </a:solidFill>
-      <a:ln w="9525" cap="flat" cmpd="sng" algn="ctr">
-        <a:solidFill>
-          <a:schemeClr val="tx1">
-            <a:lumMod val="15000"/>
-            <a:lumOff val="85000"/>
-          </a:schemeClr>
-        </a:solidFill>
-        <a:round/>
-      </a:ln>
-    </cs:spPr>
-    <cs:defRPr sz="1330" kern="1200"/>
-  </cs:chartArea>
-  <cs:dataLabel>
-    <cs:lnRef idx="0"/>
-    <cs:fillRef idx="0"/>
-    <cs:effectRef idx="0"/>
-    <cs:fontRef idx="minor">
-      <a:schemeClr val="tx1">
-        <a:lumMod val="75000"/>
-        <a:lumOff val="25000"/>
-      </a:schemeClr>
-    </cs:fontRef>
-    <cs:defRPr sz="1197" kern="1200"/>
-  </cs:dataLabel>
-  <cs:dataLabelCallout>
-    <cs:lnRef idx="0"/>
-    <cs:fillRef idx="0"/>
-    <cs:effectRef idx="0"/>
-    <cs:fontRef idx="minor">
-      <a:schemeClr val="dk1">
-        <a:lumMod val="65000"/>
-        <a:lumOff val="35000"/>
-      </a:schemeClr>
-    </cs:fontRef>
-    <cs:spPr>
-      <a:solidFill>
-        <a:schemeClr val="lt1"/>
-      </a:solidFill>
-      <a:ln>
-        <a:solidFill>
-          <a:schemeClr val="dk1">
-            <a:lumMod val="25000"/>
-            <a:lumOff val="75000"/>
-          </a:schemeClr>
-        </a:solidFill>
-      </a:ln>
-    </cs:spPr>
-    <cs:defRPr sz="1197" kern="1200"/>
-    <cs:bodyPr rot="0" spcFirstLastPara="1" vertOverflow="clip" horzOverflow="clip" vert="horz" wrap="square" lIns="36576" tIns="18288" rIns="36576" bIns="18288" anchor="ctr" anchorCtr="1">
-      <a:spAutoFit/>
-    </cs:bodyPr>
-  </cs:dataLabelCallout>
-  <cs:dataPoint>
-    <cs:lnRef idx="0"/>
-    <cs:fillRef idx="1">
-      <cs:styleClr val="auto"/>
-    </cs:fillRef>
-    <cs:effectRef idx="0"/>
-    <cs:fontRef idx="minor">
-      <a:schemeClr val="tx1"/>
-    </cs:fontRef>
-    <cs:spPr>
-      <a:solidFill>
-        <a:schemeClr val="phClr"/>
-      </a:solidFill>
-    </cs:spPr>
-  </cs:dataPoint>
-  <cs:dataPoint3D>
-    <cs:lnRef idx="0"/>
-    <cs:fillRef idx="1">
-      <cs:styleClr val="auto"/>
-    </cs:fillRef>
-    <cs:effectRef idx="0"/>
-    <cs:fontRef idx="minor">
-      <a:schemeClr val="tx1"/>
-    </cs:fontRef>
-    <cs:spPr>
-      <a:solidFill>
-        <a:schemeClr val="phClr"/>
-      </a:solidFill>
-    </cs:spPr>
-  </cs:dataPoint3D>
-  <cs:dataPointLine>
-    <cs:lnRef idx="0">
-      <cs:styleClr val="auto"/>
-    </cs:lnRef>
-    <cs:fillRef idx="1"/>
-    <cs:effectRef idx="0"/>
-    <cs:fontRef idx="minor">
-      <a:schemeClr val="tx1"/>
-    </cs:fontRef>
-    <cs:spPr>
-      <a:ln w="28575" cap="rnd">
-        <a:solidFill>
-          <a:schemeClr val="phClr"/>
-        </a:solidFill>
-        <a:round/>
-      </a:ln>
-    </cs:spPr>
-  </cs:dataPointLine>
-  <cs:dataPointMarker>
-    <cs:lnRef idx="0">
-      <cs:styleClr val="auto"/>
-    </cs:lnRef>
-    <cs:fillRef idx="1">
-      <cs:styleClr val="auto"/>
-    </cs:fillRef>
-    <cs:effectRef idx="0"/>
-    <cs:fontRef idx="minor">
-      <a:schemeClr val="tx1"/>
-    </cs:fontRef>
-    <cs:spPr>
-      <a:solidFill>
-        <a:schemeClr val="phClr"/>
-      </a:solidFill>
-      <a:ln w="9525">
-        <a:solidFill>
-          <a:schemeClr val="phClr"/>
-        </a:solidFill>
-      </a:ln>
-    </cs:spPr>
-  </cs:dataPointMarker>
-  <cs:dataPointMarkerLayout symbol="circle" size="5"/>
-  <cs:dataPointWireframe>
-    <cs:lnRef idx="0">
-      <cs:styleClr val="auto"/>
-    </cs:lnRef>
-    <cs:fillRef idx="1"/>
-    <cs:effectRef idx="0"/>
-    <cs:fontRef idx="minor">
-      <a:schemeClr val="tx1"/>
-    </cs:fontRef>
-    <cs:spPr>
-      <a:ln w="9525" cap="rnd">
-        <a:solidFill>
-          <a:schemeClr val="phClr"/>
-        </a:solidFill>
-        <a:round/>
-      </a:ln>
-    </cs:spPr>
-  </cs:dataPointWireframe>
-  <cs:dataTable>
-    <cs:lnRef idx="0"/>
-    <cs:fillRef idx="0"/>
-    <cs:effectRef idx="0"/>
-    <cs:fontRef idx="minor">
-      <a:schemeClr val="tx1">
-        <a:lumMod val="65000"/>
-        <a:lumOff val="35000"/>
-      </a:schemeClr>
-    </cs:fontRef>
-    <cs:spPr>
-      <a:noFill/>
-      <a:ln w="9525" cap="flat" cmpd="sng" algn="ctr">
-        <a:solidFill>
-          <a:schemeClr val="tx1">
-            <a:lumMod val="15000"/>
-            <a:lumOff val="85000"/>
-          </a:schemeClr>
-        </a:solidFill>
-        <a:round/>
-      </a:ln>
-    </cs:spPr>
-    <cs:defRPr sz="1197" kern="1200"/>
-  </cs:dataTable>
-  <cs:downBar>
-    <cs:lnRef idx="0"/>
-    <cs:fillRef idx="0"/>
-    <cs:effectRef idx="0"/>
-    <cs:fontRef idx="minor">
-      <a:schemeClr val="dk1"/>
-    </cs:fontRef>
-    <cs:spPr>
-      <a:solidFill>
-        <a:schemeClr val="dk1">
-          <a:lumMod val="65000"/>
-          <a:lumOff val="35000"/>
-        </a:schemeClr>
-      </a:solidFill>
-      <a:ln w="9525">
-        <a:solidFill>
-          <a:schemeClr val="tx1">
-            <a:lumMod val="65000"/>
-            <a:lumOff val="35000"/>
-          </a:schemeClr>
-        </a:solidFill>
-      </a:ln>
-    </cs:spPr>
-  </cs:downBar>
-  <cs:dropLine>
-    <cs:lnRef idx="0"/>
-    <cs:fillRef idx="0"/>
-    <cs:effectRef idx="0"/>
-    <cs:fontRef idx="minor">
-      <a:schemeClr val="tx1"/>
-    </cs:fontRef>
-    <cs:spPr>
-      <a:ln w="9525" cap="flat" cmpd="sng" algn="ctr">
-        <a:solidFill>
-          <a:schemeClr val="tx1">
-            <a:lumMod val="35000"/>
-            <a:lumOff val="65000"/>
-          </a:schemeClr>
-        </a:solidFill>
-        <a:round/>
-      </a:ln>
-    </cs:spPr>
-  </cs:dropLine>
-  <cs:errorBar>
-    <cs:lnRef idx="0"/>
-    <cs:fillRef idx="0"/>
-    <cs:effectRef idx="0"/>
-    <cs:fontRef idx="minor">
-      <a:schemeClr val="tx1"/>
-    </cs:fontRef>
-    <cs:spPr>
-      <a:ln w="9525" cap="flat" cmpd="sng" algn="ctr">
-        <a:solidFill>
-          <a:schemeClr val="tx1">
-            <a:lumMod val="65000"/>
-            <a:lumOff val="35000"/>
-          </a:schemeClr>
-        </a:solidFill>
-        <a:round/>
-      </a:ln>
-    </cs:spPr>
-  </cs:errorBar>
-  <cs:floor>
-    <cs:lnRef idx="0"/>
-    <cs:fillRef idx="0"/>
-    <cs:effectRef idx="0"/>
-    <cs:fontRef idx="minor">
-      <a:schemeClr val="tx1"/>
-    </cs:fontRef>
-    <cs:spPr>
-      <a:noFill/>
-      <a:ln>
-        <a:noFill/>
-      </a:ln>
-    </cs:spPr>
-  </cs:floor>
-  <cs:gridlineMajor>
-    <cs:lnRef idx="0"/>
-    <cs:fillRef idx="0"/>
-    <cs:effectRef idx="0"/>
-    <cs:fontRef idx="minor">
-      <a:schemeClr val="tx1"/>
-    </cs:fontRef>
-    <cs:spPr>
-      <a:ln w="9525" cap="flat" cmpd="sng" algn="ctr">
-        <a:solidFill>
-          <a:schemeClr val="tx1">
-            <a:lumMod val="15000"/>
-            <a:lumOff val="85000"/>
-          </a:schemeClr>
-        </a:solidFill>
-        <a:round/>
-      </a:ln>
-    </cs:spPr>
-  </cs:gridlineMajor>
-  <cs:gridlineMinor>
-    <cs:lnRef idx="0"/>
-    <cs:fillRef idx="0"/>
-    <cs:effectRef idx="0"/>
-    <cs:fontRef idx="minor">
-      <a:schemeClr val="tx1"/>
-    </cs:fontRef>
-    <cs:spPr>
-      <a:ln w="9525" cap="flat" cmpd="sng" algn="ctr">
-        <a:solidFill>
-          <a:schemeClr val="tx1">
-            <a:lumMod val="5000"/>
-            <a:lumOff val="95000"/>
-          </a:schemeClr>
-        </a:solidFill>
-        <a:round/>
-      </a:ln>
-    </cs:spPr>
-  </cs:gridlineMinor>
-  <cs:hiLoLine>
-    <cs:lnRef idx="0"/>
-    <cs:fillRef idx="0"/>
-    <cs:effectRef idx="0"/>
-    <cs:fontRef idx="minor">
-      <a:schemeClr val="tx1"/>
-    </cs:fontRef>
-    <cs:spPr>
-      <a:ln w="9525" cap="flat" cmpd="sng" algn="ctr">
-        <a:solidFill>
-          <a:schemeClr val="tx1">
-            <a:lumMod val="75000"/>
-            <a:lumOff val="25000"/>
-          </a:schemeClr>
-        </a:solidFill>
-        <a:round/>
-      </a:ln>
-    </cs:spPr>
-  </cs:hiLoLine>
-  <cs:leaderLine>
-    <cs:lnRef idx="0"/>
-    <cs:fillRef idx="0"/>
-    <cs:effectRef idx="0"/>
-    <cs:fontRef idx="minor">
-      <a:schemeClr val="tx1"/>
-    </cs:fontRef>
-    <cs:spPr>
-      <a:ln w="9525" cap="flat" cmpd="sng" algn="ctr">
-        <a:solidFill>
-          <a:schemeClr val="tx1">
-            <a:lumMod val="35000"/>
-            <a:lumOff val="65000"/>
-          </a:schemeClr>
-        </a:solidFill>
-        <a:round/>
-      </a:ln>
-    </cs:spPr>
-  </cs:leaderLine>
-  <cs:legend>
-    <cs:lnRef idx="0"/>
-    <cs:fillRef idx="0"/>
-    <cs:effectRef idx="0"/>
-    <cs:fontRef idx="minor">
-      <a:schemeClr val="tx1">
-        <a:lumMod val="65000"/>
-        <a:lumOff val="35000"/>
-      </a:schemeClr>
-    </cs:fontRef>
-    <cs:defRPr sz="1197" kern="1200"/>
-  </cs:legend>
-  <cs:plotArea mods="allowNoFillOverride allowNoLineOverride">
-    <cs:lnRef idx="0"/>
-    <cs:fillRef idx="0"/>
-    <cs:effectRef idx="0"/>
-    <cs:fontRef idx="minor">
-      <a:schemeClr val="tx1"/>
-    </cs:fontRef>
-  </cs:plotArea>
-  <cs:plotArea3D mods="allowNoFillOverride allowNoLineOverride">
-    <cs:lnRef idx="0"/>
-    <cs:fillRef idx="0"/>
-    <cs:effectRef idx="0"/>
-    <cs:fontRef idx="minor">
-      <a:schemeClr val="tx1"/>
-    </cs:fontRef>
-  </cs:plotArea3D>
-  <cs:seriesAxis>
-    <cs:lnRef idx="0"/>
-    <cs:fillRef idx="0"/>
-    <cs:effectRef idx="0"/>
-    <cs:fontRef idx="minor">
-      <a:schemeClr val="tx1">
-        <a:lumMod val="65000"/>
-        <a:lumOff val="35000"/>
-      </a:schemeClr>
-    </cs:fontRef>
-    <cs:defRPr sz="1197" kern="1200"/>
-  </cs:seriesAxis>
-  <cs:seriesLine>
-    <cs:lnRef idx="0"/>
-    <cs:fillRef idx="0"/>
-    <cs:effectRef idx="0"/>
-    <cs:fontRef idx="minor">
-      <a:schemeClr val="tx1"/>
-    </cs:fontRef>
-    <cs:spPr>
-      <a:ln w="9525" cap="flat" cmpd="sng" algn="ctr">
-        <a:solidFill>
-          <a:schemeClr val="tx1">
-            <a:lumMod val="35000"/>
-            <a:lumOff val="65000"/>
-          </a:schemeClr>
-        </a:solidFill>
-        <a:round/>
-      </a:ln>
-    </cs:spPr>
-  </cs:seriesLine>
-  <cs:title>
-    <cs:lnRef idx="0"/>
-    <cs:fillRef idx="0"/>
-    <cs:effectRef idx="0"/>
-    <cs:fontRef idx="minor">
-      <a:schemeClr val="tx1">
-        <a:lumMod val="65000"/>
-        <a:lumOff val="35000"/>
-      </a:schemeClr>
-    </cs:fontRef>
-    <cs:defRPr sz="1862" b="0" kern="1200" spc="0" baseline="0"/>
-  </cs:title>
-  <cs:trendline>
-    <cs:lnRef idx="0">
-      <cs:styleClr val="auto"/>
-    </cs:lnRef>
-    <cs:fillRef idx="0"/>
-    <cs:effectRef idx="0"/>
-    <cs:fontRef idx="minor">
-      <a:schemeClr val="tx1"/>
-    </cs:fontRef>
-    <cs:spPr>
-      <a:ln w="19050" cap="rnd">
-        <a:solidFill>
-          <a:schemeClr val="phClr"/>
-        </a:solidFill>
-        <a:prstDash val="sysDot"/>
-      </a:ln>
-    </cs:spPr>
-  </cs:trendline>
-  <cs:trendlineLabel>
-    <cs:lnRef idx="0"/>
-    <cs:fillRef idx="0"/>
-    <cs:effectRef idx="0"/>
-    <cs:fontRef idx="minor">
-      <a:schemeClr val="tx1">
-        <a:lumMod val="65000"/>
-        <a:lumOff val="35000"/>
-      </a:schemeClr>
-    </cs:fontRef>
-    <cs:defRPr sz="1197" kern="1200"/>
-  </cs:trendlineLabel>
-  <cs:upBar>
-    <cs:lnRef idx="0"/>
-    <cs:fillRef idx="0"/>
-    <cs:effectRef idx="0"/>
-    <cs:fontRef idx="minor">
-      <a:schemeClr val="dk1"/>
-    </cs:fontRef>
-    <cs:spPr>
-      <a:solidFill>
-        <a:schemeClr val="lt1"/>
-      </a:solidFill>
-      <a:ln w="9525">
-        <a:solidFill>
-          <a:schemeClr val="tx1">
-            <a:lumMod val="15000"/>
-            <a:lumOff val="85000"/>
-          </a:schemeClr>
-        </a:solidFill>
-      </a:ln>
-    </cs:spPr>
-  </cs:upBar>
-  <cs:valueAxis>
-    <cs:lnRef idx="0"/>
-    <cs:fillRef idx="0"/>
-    <cs:effectRef idx="0"/>
-    <cs:fontRef idx="minor">
-      <a:schemeClr val="tx1">
-        <a:lumMod val="65000"/>
-        <a:lumOff val="35000"/>
-      </a:schemeClr>
-    </cs:fontRef>
-    <cs:defRPr sz="1197" kern="1200"/>
-  </cs:valueAxis>
-  <cs:wall>
-    <cs:lnRef idx="0"/>
-    <cs:fillRef idx="0"/>
-    <cs:effectRef idx="0"/>
-    <cs:fontRef idx="minor">
-      <a:schemeClr val="tx1"/>
-    </cs:fontRef>
-    <cs:spPr>
-      <a:noFill/>
-      <a:ln>
-        <a:noFill/>
-      </a:ln>
-    </cs:spPr>
-  </cs:wall>
-</cs:chartStyle>
-</file>
-
 <file path=ppt/slideLayouts/slideLayout1.xml><?xml version="1.0" encoding="utf-8"?>
 <p:sldLayout xmlns:a="http://schemas.openxmlformats.org/drawingml/2006/main" xmlns:r="http://schemas.openxmlformats.org/officeDocument/2006/relationships" xmlns:p="http://schemas.openxmlformats.org/presentationml/2006/main" type="title" preserve="1">
   <p:cSld name="Title Slide">
@@ -1302,7 +272,7 @@
           <a:p>
             <a:fld id="{65B58316-C8D8-4CE9-AFEB-B8C5AC9CD66E}" type="datetimeFigureOut">
               <a:rPr lang="en-US" smtClean="0"/>
-              <a:t>4/20/2018</a:t>
+              <a:t>4/25/2018</a:t>
             </a:fld>
             <a:endParaRPr lang="en-US"/>
           </a:p>
@@ -1472,7 +442,7 @@
           <a:p>
             <a:fld id="{65B58316-C8D8-4CE9-AFEB-B8C5AC9CD66E}" type="datetimeFigureOut">
               <a:rPr lang="en-US" smtClean="0"/>
-              <a:t>4/20/2018</a:t>
+              <a:t>4/25/2018</a:t>
             </a:fld>
             <a:endParaRPr lang="en-US"/>
           </a:p>
@@ -1652,7 +622,7 @@
           <a:p>
             <a:fld id="{65B58316-C8D8-4CE9-AFEB-B8C5AC9CD66E}" type="datetimeFigureOut">
               <a:rPr lang="en-US" smtClean="0"/>
-              <a:t>4/20/2018</a:t>
+              <a:t>4/25/2018</a:t>
             </a:fld>
             <a:endParaRPr lang="en-US"/>
           </a:p>
@@ -1822,7 +792,7 @@
           <a:p>
             <a:fld id="{65B58316-C8D8-4CE9-AFEB-B8C5AC9CD66E}" type="datetimeFigureOut">
               <a:rPr lang="en-US" smtClean="0"/>
-              <a:t>4/20/2018</a:t>
+              <a:t>4/25/2018</a:t>
             </a:fld>
             <a:endParaRPr lang="en-US"/>
           </a:p>
@@ -2068,7 +1038,7 @@
           <a:p>
             <a:fld id="{65B58316-C8D8-4CE9-AFEB-B8C5AC9CD66E}" type="datetimeFigureOut">
               <a:rPr lang="en-US" smtClean="0"/>
-              <a:t>4/20/2018</a:t>
+              <a:t>4/25/2018</a:t>
             </a:fld>
             <a:endParaRPr lang="en-US"/>
           </a:p>
@@ -2300,7 +1270,7 @@
           <a:p>
             <a:fld id="{65B58316-C8D8-4CE9-AFEB-B8C5AC9CD66E}" type="datetimeFigureOut">
               <a:rPr lang="en-US" smtClean="0"/>
-              <a:t>4/20/2018</a:t>
+              <a:t>4/25/2018</a:t>
             </a:fld>
             <a:endParaRPr lang="en-US"/>
           </a:p>
@@ -2667,7 +1637,7 @@
           <a:p>
             <a:fld id="{65B58316-C8D8-4CE9-AFEB-B8C5AC9CD66E}" type="datetimeFigureOut">
               <a:rPr lang="en-US" smtClean="0"/>
-              <a:t>4/20/2018</a:t>
+              <a:t>4/25/2018</a:t>
             </a:fld>
             <a:endParaRPr lang="en-US"/>
           </a:p>
@@ -2785,7 +1755,7 @@
           <a:p>
             <a:fld id="{65B58316-C8D8-4CE9-AFEB-B8C5AC9CD66E}" type="datetimeFigureOut">
               <a:rPr lang="en-US" smtClean="0"/>
-              <a:t>4/20/2018</a:t>
+              <a:t>4/25/2018</a:t>
             </a:fld>
             <a:endParaRPr lang="en-US"/>
           </a:p>
@@ -2880,7 +1850,7 @@
           <a:p>
             <a:fld id="{65B58316-C8D8-4CE9-AFEB-B8C5AC9CD66E}" type="datetimeFigureOut">
               <a:rPr lang="en-US" smtClean="0"/>
-              <a:t>4/20/2018</a:t>
+              <a:t>4/25/2018</a:t>
             </a:fld>
             <a:endParaRPr lang="en-US"/>
           </a:p>
@@ -3157,7 +2127,7 @@
           <a:p>
             <a:fld id="{65B58316-C8D8-4CE9-AFEB-B8C5AC9CD66E}" type="datetimeFigureOut">
               <a:rPr lang="en-US" smtClean="0"/>
-              <a:t>4/20/2018</a:t>
+              <a:t>4/25/2018</a:t>
             </a:fld>
             <a:endParaRPr lang="en-US"/>
           </a:p>
@@ -3414,7 +2384,7 @@
           <a:p>
             <a:fld id="{65B58316-C8D8-4CE9-AFEB-B8C5AC9CD66E}" type="datetimeFigureOut">
               <a:rPr lang="en-US" smtClean="0"/>
-              <a:t>4/20/2018</a:t>
+              <a:t>4/25/2018</a:t>
             </a:fld>
             <a:endParaRPr lang="en-US"/>
           </a:p>
@@ -3627,7 +2597,7 @@
           <a:p>
             <a:fld id="{65B58316-C8D8-4CE9-AFEB-B8C5AC9CD66E}" type="datetimeFigureOut">
               <a:rPr lang="en-US" smtClean="0"/>
-              <a:t>4/20/2018</a:t>
+              <a:t>4/25/2018</a:t>
             </a:fld>
             <a:endParaRPr lang="en-US"/>
           </a:p>
@@ -4182,7 +3152,7 @@
         </p:nvSpPr>
         <p:spPr>
           <a:xfrm>
-            <a:off x="4371975" y="1495399"/>
+            <a:off x="4371975" y="1914499"/>
             <a:ext cx="27925939" cy="2308324"/>
           </a:xfrm>
           <a:prstGeom prst="rect">
@@ -4202,8 +3172,23 @@
                 </a:solidFill>
                 <a:latin typeface="BentonSans Regular" panose="02000503000000020004" pitchFamily="50" charset="0"/>
               </a:rPr>
-              <a:t>Real Time Detection of Hand Gestures – With Applications to American Sign Language Alphabet Recognition</a:t>
-            </a:r>
+              <a:t>Real Time Detection of Hand Gestures for Interface Extension using Convolutional </a:t>
+            </a:r>
+            <a:r>
+              <a:rPr lang="en-US" sz="7200" b="1">
+                <a:solidFill>
+                  <a:schemeClr val="bg1"/>
+                </a:solidFill>
+                <a:latin typeface="BentonSans Regular" panose="02000503000000020004" pitchFamily="50" charset="0"/>
+              </a:rPr>
+              <a:t>Neural Networks</a:t>
+            </a:r>
+            <a:endParaRPr lang="en-US" sz="7200" b="1" dirty="0">
+              <a:solidFill>
+                <a:schemeClr val="bg1"/>
+              </a:solidFill>
+              <a:latin typeface="BentonSans Regular" panose="02000503000000020004" pitchFamily="50" charset="0"/>
+            </a:endParaRPr>
           </a:p>
         </p:txBody>
       </p:sp>
@@ -4330,10 +3315,10 @@
         </p:nvGrpSpPr>
         <p:grpSpPr>
           <a:xfrm>
-            <a:off x="914401" y="11580360"/>
-            <a:ext cx="9144000" cy="5884498"/>
+            <a:off x="914401" y="11291604"/>
+            <a:ext cx="9144000" cy="4594822"/>
             <a:chOff x="914401" y="15176014"/>
-            <a:chExt cx="9144000" cy="5884498"/>
+            <a:chExt cx="9144000" cy="4594822"/>
           </a:xfrm>
         </p:grpSpPr>
         <p:sp>
@@ -4411,7 +3396,7 @@
           <p:spPr>
             <a:xfrm flipV="1">
               <a:off x="914401" y="15176014"/>
-              <a:ext cx="9111344" cy="5884498"/>
+              <a:ext cx="9111344" cy="4594822"/>
             </a:xfrm>
             <a:prstGeom prst="snip1Rect">
               <a:avLst/>
@@ -4462,8 +3447,8 @@
           </p:nvSpPr>
           <p:spPr>
             <a:xfrm rot="10800000" flipV="1">
-              <a:off x="1208312" y="16276519"/>
-              <a:ext cx="8345065" cy="4524315"/>
+              <a:off x="1208312" y="16158569"/>
+              <a:ext cx="8345065" cy="3416320"/>
             </a:xfrm>
             <a:prstGeom prst="rect">
               <a:avLst/>
@@ -4476,65 +3461,17 @@
             </a:bodyPr>
             <a:lstStyle/>
             <a:p>
+              <a:pPr algn="just"/>
               <a:r>
                 <a:rPr lang="en-US" sz="2400" dirty="0">
                   <a:latin typeface="BentonSans Regular" panose="02000503000000020004" pitchFamily="50" charset="0"/>
                 </a:rPr>
-                <a:t>As the power of machine learning techniques continues to grow, the number of interfaces between machine and man continue to grow. For example, assistants such as Alexa and Cortana have popularized a natural speech based interface with computers.</a:t>
-              </a:r>
-            </a:p>
-            <a:p>
-              <a:endParaRPr lang="en-US" sz="2400" dirty="0">
-                <a:latin typeface="BentonSans Regular" panose="02000503000000020004" pitchFamily="50" charset="0"/>
-              </a:endParaRPr>
-            </a:p>
-            <a:p>
-              <a:r>
-                <a:rPr lang="en-US" sz="2400" dirty="0">
-                  <a:latin typeface="BentonSans Regular" panose="02000503000000020004" pitchFamily="50" charset="0"/>
-                </a:rPr>
-                <a:t>Our goal with this project is to prototype a gesture based interface with computers, with the goal of being able to recognize a predefined set of hand based gestures from a live video feed. To this end, we present an application for recognizing American Sign Language alphabetical hand gestures.</a:t>
+                <a:t>As the power of machine learning techniques continues to grow, the number of interfaces between machine and man continue to grow. Convolutional neural networks have demonstrated their efficacy in computer vision tasks. We employ CNNs for creating a vision based interface, which enhances user interaction. Our goal with this project is to prototype a gesture based interface with computers, with the goal of being able to recognize a predefined set of hand based gestures from a live video feed.  </a:t>
               </a:r>
             </a:p>
           </p:txBody>
         </p:sp>
       </p:grpSp>
-      <p:pic>
-        <p:nvPicPr>
-          <p:cNvPr id="3" name="Picture 2" descr="A close up of text on a white background&#10;&#10;Description generated with high confidence">
-            <a:extLst>
-              <a:ext uri="{FF2B5EF4-FFF2-40B4-BE49-F238E27FC236}">
-                <a16:creationId xmlns:a16="http://schemas.microsoft.com/office/drawing/2014/main" id="{BAA4E24C-D968-4146-A451-2EF4292F59A3}"/>
-              </a:ext>
-            </a:extLst>
-          </p:cNvPr>
-          <p:cNvPicPr>
-            <a:picLocks noChangeAspect="1"/>
-          </p:cNvPicPr>
-          <p:nvPr/>
-        </p:nvPicPr>
-        <p:blipFill>
-          <a:blip r:embed="rId3">
-            <a:extLst>
-              <a:ext uri="{28A0092B-C50C-407E-A947-70E740481C1C}">
-                <a14:useLocalDpi xmlns:a14="http://schemas.microsoft.com/office/drawing/2010/main" val="0"/>
-              </a:ext>
-            </a:extLst>
-          </a:blip>
-          <a:stretch>
-            <a:fillRect/>
-          </a:stretch>
-        </p:blipFill>
-        <p:spPr>
-          <a:xfrm>
-            <a:off x="11794393" y="7817642"/>
-            <a:ext cx="4664807" cy="2603984"/>
-          </a:xfrm>
-          <a:prstGeom prst="rect">
-            <a:avLst/>
-          </a:prstGeom>
-        </p:spPr>
-      </p:pic>
       <p:grpSp>
         <p:nvGrpSpPr>
           <p:cNvPr id="19" name="Group 18">
@@ -4549,10 +3486,10 @@
         </p:nvGrpSpPr>
         <p:grpSpPr>
           <a:xfrm>
-            <a:off x="914401" y="6662003"/>
-            <a:ext cx="9144000" cy="4310797"/>
-            <a:chOff x="914401" y="15176014"/>
-            <a:chExt cx="9144000" cy="4310797"/>
+            <a:off x="914401" y="6662002"/>
+            <a:ext cx="9144000" cy="3971361"/>
+            <a:chOff x="914401" y="15176013"/>
+            <a:chExt cx="9144000" cy="3971361"/>
           </a:xfrm>
         </p:grpSpPr>
         <p:sp>
@@ -4629,8 +3566,8 @@
           </p:nvSpPr>
           <p:spPr>
             <a:xfrm flipV="1">
-              <a:off x="914401" y="15176014"/>
-              <a:ext cx="9111344" cy="4310797"/>
+              <a:off x="914401" y="15176013"/>
+              <a:ext cx="9111344" cy="3971361"/>
             </a:xfrm>
             <a:prstGeom prst="snip1Rect">
               <a:avLst/>
@@ -4681,7 +3618,7 @@
           </p:nvSpPr>
           <p:spPr>
             <a:xfrm rot="10800000" flipV="1">
-              <a:off x="1208313" y="16399411"/>
+              <a:off x="1208313" y="16054513"/>
               <a:ext cx="8345065" cy="2677656"/>
             </a:xfrm>
             <a:prstGeom prst="rect">
@@ -4695,11 +3632,12 @@
             </a:bodyPr>
             <a:lstStyle/>
             <a:p>
+              <a:pPr algn="just"/>
               <a:r>
                 <a:rPr lang="en-US" sz="2400" dirty="0">
                   <a:latin typeface="BentonSans Regular" panose="02000503000000020004" pitchFamily="50" charset="0"/>
                 </a:rPr>
-                <a:t>We present a method for super real-time classification of American Sign Language alphabetical gestures. We employ a two phase image recognition pipeline, wherein hands are localized within the original input image,  extracted, and fed into a CNN based classifier which outputs the detected letter. Our results indicate that our method achieves X% accuracy in a real-world scenario.</a:t>
+                <a:t>We present a method for real-time detection of hand gestures that employs a two phase image recognition pipeline, wherein hands are localized within the original input image,  extracted, and fed into a CNN based classifier which outputs the detected gesture. Our results indicate that our method achieves reasonable accuracy for real time detection on a predefined set of hand gestures.</a:t>
               </a:r>
             </a:p>
           </p:txBody>
@@ -4719,10 +3657,10 @@
         </p:nvGrpSpPr>
         <p:grpSpPr>
           <a:xfrm>
-            <a:off x="910320" y="18170388"/>
-            <a:ext cx="9144000" cy="2898282"/>
+            <a:off x="914401" y="16333323"/>
+            <a:ext cx="9144000" cy="4700066"/>
             <a:chOff x="914401" y="15176014"/>
-            <a:chExt cx="9144000" cy="2898282"/>
+            <a:chExt cx="9144000" cy="4700066"/>
           </a:xfrm>
         </p:grpSpPr>
         <p:sp>
@@ -4800,7 +3738,7 @@
           <p:spPr>
             <a:xfrm flipV="1">
               <a:off x="914401" y="15176014"/>
-              <a:ext cx="9111344" cy="2898282"/>
+              <a:ext cx="9111344" cy="4700066"/>
             </a:xfrm>
             <a:prstGeom prst="snip1Rect">
               <a:avLst/>
@@ -4851,8 +3789,8 @@
           </p:nvSpPr>
           <p:spPr>
             <a:xfrm rot="10800000" flipV="1">
-              <a:off x="1212393" y="16057320"/>
-              <a:ext cx="8345065" cy="1938992"/>
+              <a:off x="1208311" y="16252793"/>
+              <a:ext cx="8345065" cy="3323987"/>
             </a:xfrm>
             <a:prstGeom prst="rect">
               <a:avLst/>
@@ -4865,29 +3803,40 @@
             </a:bodyPr>
             <a:lstStyle/>
             <a:p>
+              <a:pPr algn="just"/>
               <a:r>
                 <a:rPr lang="en-US" sz="2400" dirty="0">
                   <a:latin typeface="BentonSans Regular" panose="02000503000000020004" pitchFamily="50" charset="0"/>
                 </a:rPr>
-                <a:t>Hand localization has been tackled before in the VIVA hand detection challenge.</a:t>
+                <a:t>Previous methods for hand gesture recognition have made use of basic image processing techniques as edge detection, segmentation based on color palette, and template matching. These models lack robustness, and are susceptible to the presence of secondary objects in the scene. Many existing techniques [1] rely upon the fact the hand gesture is the main and only subject within the scene, thus limiting real life use cases.</a:t>
               </a:r>
             </a:p>
             <a:p>
-              <a:r>
-                <a:rPr lang="en-US" sz="2400" dirty="0">
-                  <a:latin typeface="BentonSans Regular" panose="02000503000000020004" pitchFamily="50" charset="0"/>
-                </a:rPr>
-                <a:t>Sign language letter classification has been approached in a public Kaggle competition titled </a:t>
-              </a:r>
-              <a:r>
-                <a:rPr lang="en-US" sz="2400" b="1" i="1" dirty="0">
-                  <a:latin typeface="BentonSans Regular" panose="02000503000000020004" pitchFamily="50" charset="0"/>
-                </a:rPr>
-                <a:t>Sign Language MNIST</a:t>
-              </a:r>
+              <a:pPr algn="just"/>
               <a:endParaRPr lang="en-US" sz="2400" dirty="0">
                 <a:latin typeface="BentonSans Regular" panose="02000503000000020004" pitchFamily="50" charset="0"/>
               </a:endParaRPr>
+            </a:p>
+            <a:p>
+              <a:pPr algn="just"/>
+              <a:r>
+                <a:rPr lang="en-US" sz="1200" dirty="0">
+                  <a:latin typeface="BentonSans Regular" panose="02000503000000020004" pitchFamily="50" charset="0"/>
+                </a:rPr>
+                <a:t>[1] arXiv:1503.03614 [</a:t>
+              </a:r>
+              <a:r>
+                <a:rPr lang="en-US" sz="1200" dirty="0" err="1">
+                  <a:latin typeface="BentonSans Regular" panose="02000503000000020004" pitchFamily="50" charset="0"/>
+                </a:rPr>
+                <a:t>cs.HC</a:t>
+              </a:r>
+              <a:r>
+                <a:rPr lang="en-US" sz="1200" dirty="0">
+                  <a:latin typeface="BentonSans Regular" panose="02000503000000020004" pitchFamily="50" charset="0"/>
+                </a:rPr>
+                <a:t>]</a:t>
+              </a:r>
             </a:p>
           </p:txBody>
         </p:sp>
@@ -5038,8 +3987,8 @@
           </p:nvSpPr>
           <p:spPr>
             <a:xfrm rot="10800000" flipV="1">
-              <a:off x="1447800" y="18418529"/>
-              <a:ext cx="6953251" cy="830997"/>
+              <a:off x="1208311" y="17254468"/>
+              <a:ext cx="5298507" cy="1169551"/>
             </a:xfrm>
             <a:prstGeom prst="rect">
               <a:avLst/>
@@ -5053,23 +4002,42 @@
             <a:lstStyle/>
             <a:p>
               <a:r>
-                <a:rPr lang="en-US" sz="2400" dirty="0">
+                <a:rPr lang="en-US" sz="2100" dirty="0">
                   <a:latin typeface="BentonSans Regular" panose="02000503000000020004" pitchFamily="50" charset="0"/>
                 </a:rPr>
-                <a:t>Samples from the localization and classification </a:t>
+                <a:t>Samples from the localization dataset</a:t>
+              </a:r>
+            </a:p>
+            <a:p>
+              <a:r>
+                <a:rPr lang="en-US" sz="1200" i="1" dirty="0"/>
+                <a:t>A. Mittal, A. Zisserman, P. H. S. Torr</a:t>
               </a:r>
               <a:r>
-                <a:rPr lang="en-US" sz="2400" dirty="0" err="1">
-                  <a:latin typeface="BentonSans Regular" panose="02000503000000020004" pitchFamily="50" charset="0"/>
-                </a:rPr>
-                <a:t>datsets</a:t>
+                <a:rPr lang="en-US" sz="1200" dirty="0"/>
+                <a:t> </a:t>
+              </a:r>
+            </a:p>
+            <a:p>
+              <a:r>
+                <a:rPr lang="en-US" sz="1200" b="1" dirty="0"/>
+                <a:t>Hand detection using multiple proposals</a:t>
               </a:r>
               <a:r>
-                <a:rPr lang="en-US" sz="2400" dirty="0">
-                  <a:latin typeface="BentonSans Regular" panose="02000503000000020004" pitchFamily="50" charset="0"/>
-                </a:rPr>
-                <a:t>.</a:t>
+                <a:rPr lang="en-US" sz="1200" dirty="0"/>
+                <a:t>   </a:t>
               </a:r>
+            </a:p>
+            <a:p>
+              <a:r>
+                <a:rPr lang="en-US" sz="1200" dirty="0"/>
+                <a:t>British Machine Vision Conference, 2011 </a:t>
+              </a:r>
+            </a:p>
+            <a:p>
+              <a:endParaRPr lang="en-US" sz="1200" dirty="0">
+                <a:latin typeface="BentonSans Regular" panose="02000503000000020004" pitchFamily="50" charset="0"/>
+              </a:endParaRPr>
             </a:p>
           </p:txBody>
         </p:sp>
@@ -5220,8 +4188,8 @@
           </p:nvSpPr>
           <p:spPr>
             <a:xfrm rot="10800000" flipV="1">
-              <a:off x="1113399" y="16074668"/>
-              <a:ext cx="8345065" cy="1200329"/>
+              <a:off x="5288841" y="16909809"/>
+              <a:ext cx="4475648" cy="1569660"/>
             </a:xfrm>
             <a:prstGeom prst="rect">
               <a:avLst/>
@@ -5234,11 +4202,12 @@
             </a:bodyPr>
             <a:lstStyle/>
             <a:p>
+              <a:pPr algn="just"/>
               <a:r>
                 <a:rPr lang="en-US" sz="2400" dirty="0">
                   <a:latin typeface="BentonSans Regular" panose="02000503000000020004" pitchFamily="50" charset="0"/>
                 </a:rPr>
-                <a:t>There can be no doubt that our results were stellar. Here’s a handy graph of our results. (That is to say, we are still working on them.)</a:t>
+                <a:t>Currently, validation accuracy for our gesture classifier is approximately 95% after 50 epochs of training.</a:t>
               </a:r>
             </a:p>
           </p:txBody>
@@ -5390,8 +4359,8 @@
           </p:nvSpPr>
           <p:spPr>
             <a:xfrm rot="10800000" flipV="1">
-              <a:off x="1208313" y="16953409"/>
-              <a:ext cx="8345065" cy="1569660"/>
+              <a:off x="1208313" y="16070367"/>
+              <a:ext cx="8345065" cy="3046988"/>
             </a:xfrm>
             <a:prstGeom prst="rect">
               <a:avLst/>
@@ -5404,44 +4373,478 @@
             </a:bodyPr>
             <a:lstStyle/>
             <a:p>
+              <a:pPr algn="just"/>
               <a:r>
                 <a:rPr lang="en-US" sz="2400" dirty="0">
                   <a:latin typeface="BentonSans Regular" panose="02000503000000020004" pitchFamily="50" charset="0"/>
                 </a:rPr>
-                <a:t>The results clearly demonstrate the superiority of our method compared to other methods for this topic. QED</a:t>
+                <a:t>The gesture detection framework we present is demonstrated to have utility in localization and classification of hand gestures from live video. The results we present indicate that, in the right conditions, our methodology works well for the gesture recognition task. Our method performs undesirably when presented with situations which our training data does not account for, such as abnormally dark conditions and high-noise backgrounds.</a:t>
               </a:r>
-            </a:p>
-            <a:p>
-              <a:endParaRPr lang="en-US" sz="2400" dirty="0">
-                <a:latin typeface="BentonSans Regular" panose="02000503000000020004" pitchFamily="50" charset="0"/>
-              </a:endParaRPr>
-            </a:p>
-            <a:p>
-              <a:r>
-                <a:rPr lang="en-US" sz="2400" dirty="0">
-                  <a:latin typeface="BentonSans Regular" panose="02000503000000020004" pitchFamily="50" charset="0"/>
-                </a:rPr>
-                <a:t>Actual </a:t>
-              </a:r>
-              <a:r>
-                <a:rPr lang="en-US" sz="2400">
-                  <a:latin typeface="BentonSans Regular" panose="02000503000000020004" pitchFamily="50" charset="0"/>
-                </a:rPr>
-                <a:t>conclusion forthcoming.</a:t>
-              </a:r>
-              <a:endParaRPr lang="en-US" sz="2400" dirty="0">
-                <a:latin typeface="BentonSans Regular" panose="02000503000000020004" pitchFamily="50" charset="0"/>
-              </a:endParaRPr>
             </a:p>
           </p:txBody>
         </p:sp>
       </p:grpSp>
+      <p:sp>
+        <p:nvSpPr>
+          <p:cNvPr id="58" name="Rectangle 57">
+            <a:extLst>
+              <a:ext uri="{FF2B5EF4-FFF2-40B4-BE49-F238E27FC236}">
+                <a16:creationId xmlns:a16="http://schemas.microsoft.com/office/drawing/2014/main" id="{4A38ECCE-BA07-42AD-B78C-C9CB317FF5AD}"/>
+              </a:ext>
+            </a:extLst>
+          </p:cNvPr>
+          <p:cNvSpPr/>
+          <p:nvPr/>
+        </p:nvSpPr>
+        <p:spPr>
+          <a:xfrm>
+            <a:off x="17968258" y="7668347"/>
+            <a:ext cx="2927774" cy="830997"/>
+          </a:xfrm>
+          <a:prstGeom prst="rect">
+            <a:avLst/>
+          </a:prstGeom>
+        </p:spPr>
+        <p:txBody>
+          <a:bodyPr wrap="square">
+            <a:spAutoFit/>
+          </a:bodyPr>
+          <a:lstStyle/>
+          <a:p>
+            <a:pPr algn="just"/>
+            <a:r>
+              <a:rPr lang="en-US" sz="2400" dirty="0">
+                <a:latin typeface="BentonSans Regular" panose="02000503000000020004" pitchFamily="50" charset="0"/>
+              </a:rPr>
+              <a:t>Image Processing Pipeline Illustration</a:t>
+            </a:r>
+            <a:endParaRPr lang="en-US" sz="2400" dirty="0"/>
+          </a:p>
+        </p:txBody>
+      </p:sp>
+      <p:sp>
+        <p:nvSpPr>
+          <p:cNvPr id="59" name="TextBox 58">
+            <a:extLst>
+              <a:ext uri="{FF2B5EF4-FFF2-40B4-BE49-F238E27FC236}">
+                <a16:creationId xmlns:a16="http://schemas.microsoft.com/office/drawing/2014/main" id="{A24ED8A5-B8E0-4B3D-B040-11BD0696A5FD}"/>
+              </a:ext>
+            </a:extLst>
+          </p:cNvPr>
+          <p:cNvSpPr txBox="1"/>
+          <p:nvPr/>
+        </p:nvSpPr>
+        <p:spPr>
+          <a:xfrm>
+            <a:off x="12793239" y="15074426"/>
+            <a:ext cx="2864630" cy="461665"/>
+          </a:xfrm>
+          <a:prstGeom prst="rect">
+            <a:avLst/>
+          </a:prstGeom>
+          <a:noFill/>
+        </p:spPr>
+        <p:txBody>
+          <a:bodyPr wrap="none" rtlCol="0">
+            <a:spAutoFit/>
+          </a:bodyPr>
+          <a:lstStyle/>
+          <a:p>
+            <a:r>
+              <a:rPr lang="en-US" sz="2400" b="1" dirty="0">
+                <a:latin typeface="BentonSans Regular" panose="02000503000000020004" pitchFamily="50" charset="0"/>
+              </a:rPr>
+              <a:t>Hand Localization</a:t>
+            </a:r>
+          </a:p>
+        </p:txBody>
+      </p:sp>
+      <p:sp>
+        <p:nvSpPr>
+          <p:cNvPr id="60" name="Rectangle 59">
+            <a:extLst>
+              <a:ext uri="{FF2B5EF4-FFF2-40B4-BE49-F238E27FC236}">
+                <a16:creationId xmlns:a16="http://schemas.microsoft.com/office/drawing/2014/main" id="{3A005A97-B1A8-4169-898F-11D2992E60A0}"/>
+              </a:ext>
+            </a:extLst>
+          </p:cNvPr>
+          <p:cNvSpPr/>
+          <p:nvPr/>
+        </p:nvSpPr>
+        <p:spPr>
+          <a:xfrm>
+            <a:off x="17484524" y="15074425"/>
+            <a:ext cx="2933432" cy="461665"/>
+          </a:xfrm>
+          <a:prstGeom prst="rect">
+            <a:avLst/>
+          </a:prstGeom>
+        </p:spPr>
+        <p:txBody>
+          <a:bodyPr wrap="none">
+            <a:spAutoFit/>
+          </a:bodyPr>
+          <a:lstStyle/>
+          <a:p>
+            <a:r>
+              <a:rPr lang="en-US" sz="2400" b="1" dirty="0">
+                <a:latin typeface="BentonSans Regular" panose="02000503000000020004" pitchFamily="50" charset="0"/>
+              </a:rPr>
+              <a:t>Gesture Classification</a:t>
+            </a:r>
+          </a:p>
+        </p:txBody>
+      </p:sp>
+      <p:sp>
+        <p:nvSpPr>
+          <p:cNvPr id="62" name="Rectangle: Single Corner Snipped 61">
+            <a:extLst>
+              <a:ext uri="{FF2B5EF4-FFF2-40B4-BE49-F238E27FC236}">
+                <a16:creationId xmlns:a16="http://schemas.microsoft.com/office/drawing/2014/main" id="{471690F7-811B-4325-8568-04DF0BC74864}"/>
+              </a:ext>
+            </a:extLst>
+          </p:cNvPr>
+          <p:cNvSpPr/>
+          <p:nvPr/>
+        </p:nvSpPr>
+        <p:spPr>
+          <a:xfrm flipV="1">
+            <a:off x="16497301" y="14999374"/>
+            <a:ext cx="5044326" cy="5450825"/>
+          </a:xfrm>
+          <a:prstGeom prst="snip1Rect">
+            <a:avLst/>
+          </a:prstGeom>
+          <a:noFill/>
+          <a:ln w="57150">
+            <a:solidFill>
+              <a:srgbClr val="A80532"/>
+            </a:solidFill>
+          </a:ln>
+        </p:spPr>
+        <p:style>
+          <a:lnRef idx="2">
+            <a:schemeClr val="accent1">
+              <a:shade val="50000"/>
+            </a:schemeClr>
+          </a:lnRef>
+          <a:fillRef idx="1">
+            <a:schemeClr val="accent1"/>
+          </a:fillRef>
+          <a:effectRef idx="0">
+            <a:schemeClr val="accent1"/>
+          </a:effectRef>
+          <a:fontRef idx="minor">
+            <a:schemeClr val="lt1"/>
+          </a:fontRef>
+        </p:style>
+        <p:txBody>
+          <a:bodyPr rtlCol="0" anchor="ctr"/>
+          <a:lstStyle/>
+          <a:p>
+            <a:pPr algn="ctr"/>
+            <a:endParaRPr lang="en-US"/>
+          </a:p>
+        </p:txBody>
+      </p:sp>
+      <p:sp>
+        <p:nvSpPr>
+          <p:cNvPr id="63" name="Rectangle: Single Corner Snipped 62">
+            <a:extLst>
+              <a:ext uri="{FF2B5EF4-FFF2-40B4-BE49-F238E27FC236}">
+                <a16:creationId xmlns:a16="http://schemas.microsoft.com/office/drawing/2014/main" id="{1AFA96BC-E9F3-4FD5-9BEE-31B1D4D7C6BB}"/>
+              </a:ext>
+            </a:extLst>
+          </p:cNvPr>
+          <p:cNvSpPr/>
+          <p:nvPr/>
+        </p:nvSpPr>
+        <p:spPr>
+          <a:xfrm rot="-10800000" flipV="1">
+            <a:off x="11449051" y="14999374"/>
+            <a:ext cx="5044326" cy="5450825"/>
+          </a:xfrm>
+          <a:prstGeom prst="snip1Rect">
+            <a:avLst/>
+          </a:prstGeom>
+          <a:noFill/>
+          <a:ln w="57150">
+            <a:solidFill>
+              <a:srgbClr val="A80532"/>
+            </a:solidFill>
+          </a:ln>
+        </p:spPr>
+        <p:style>
+          <a:lnRef idx="2">
+            <a:schemeClr val="accent1">
+              <a:shade val="50000"/>
+            </a:schemeClr>
+          </a:lnRef>
+          <a:fillRef idx="1">
+            <a:schemeClr val="accent1"/>
+          </a:fillRef>
+          <a:effectRef idx="0">
+            <a:schemeClr val="accent1"/>
+          </a:effectRef>
+          <a:fontRef idx="minor">
+            <a:schemeClr val="lt1"/>
+          </a:fontRef>
+        </p:style>
+        <p:txBody>
+          <a:bodyPr rtlCol="0" anchor="ctr"/>
+          <a:lstStyle/>
+          <a:p>
+            <a:pPr algn="ctr"/>
+            <a:endParaRPr lang="en-US"/>
+          </a:p>
+        </p:txBody>
+      </p:sp>
+      <p:sp>
+        <p:nvSpPr>
+          <p:cNvPr id="64" name="Rectangle 63">
+            <a:extLst>
+              <a:ext uri="{FF2B5EF4-FFF2-40B4-BE49-F238E27FC236}">
+                <a16:creationId xmlns:a16="http://schemas.microsoft.com/office/drawing/2014/main" id="{DA89FFCC-3BA1-4D67-987E-31BADE755710}"/>
+              </a:ext>
+            </a:extLst>
+          </p:cNvPr>
+          <p:cNvSpPr/>
+          <p:nvPr/>
+        </p:nvSpPr>
+        <p:spPr>
+          <a:xfrm>
+            <a:off x="11798020" y="15636343"/>
+            <a:ext cx="4408768" cy="4493538"/>
+          </a:xfrm>
+          <a:prstGeom prst="rect">
+            <a:avLst/>
+          </a:prstGeom>
+        </p:spPr>
+        <p:txBody>
+          <a:bodyPr wrap="square">
+            <a:spAutoFit/>
+          </a:bodyPr>
+          <a:lstStyle/>
+          <a:p>
+            <a:pPr algn="just"/>
+            <a:r>
+              <a:rPr lang="en-US" sz="2200" dirty="0">
+                <a:latin typeface="BentonSans Regular" panose="02000503000000020004" pitchFamily="50" charset="0"/>
+              </a:rPr>
+              <a:t>Our technique is modeled after YOLO, with an even further emphasis on performance (aiming to run in real time on low powered CPUs). We segment the image into a grid of boxes, and perform binary classification on each box to indicate whether there is a hand in that box. Boxes which indicate presence of a hand are grouped into a singular box, giving a rough location of the hand in the image.</a:t>
+            </a:r>
+          </a:p>
+        </p:txBody>
+      </p:sp>
+      <p:sp>
+        <p:nvSpPr>
+          <p:cNvPr id="65" name="Rectangle 64">
+            <a:extLst>
+              <a:ext uri="{FF2B5EF4-FFF2-40B4-BE49-F238E27FC236}">
+                <a16:creationId xmlns:a16="http://schemas.microsoft.com/office/drawing/2014/main" id="{77F37001-3A4A-4C51-8C71-BA7DBCA533AC}"/>
+              </a:ext>
+            </a:extLst>
+          </p:cNvPr>
+          <p:cNvSpPr/>
+          <p:nvPr/>
+        </p:nvSpPr>
+        <p:spPr>
+          <a:xfrm>
+            <a:off x="16815080" y="15636222"/>
+            <a:ext cx="4408768" cy="4493538"/>
+          </a:xfrm>
+          <a:prstGeom prst="rect">
+            <a:avLst/>
+          </a:prstGeom>
+        </p:spPr>
+        <p:txBody>
+          <a:bodyPr wrap="square">
+            <a:spAutoFit/>
+          </a:bodyPr>
+          <a:lstStyle/>
+          <a:p>
+            <a:pPr algn="just"/>
+            <a:r>
+              <a:rPr lang="en-US" sz="2200" dirty="0">
+                <a:latin typeface="BentonSans Regular" panose="02000503000000020004" pitchFamily="50" charset="0"/>
+              </a:rPr>
+              <a:t>Post localization, the region of the image identified as a hand is passed to a CNN which is fed the image and its inverse, and takes the chosen class with the highest confidence (of original and inverse) To compensate for volatility in accuracy, we aggregate the classifications of 10 consecutive frames into a single decision. This improves perceived stability of classification</a:t>
+            </a:r>
+            <a:endParaRPr lang="en-US" sz="2200" dirty="0"/>
+          </a:p>
+        </p:txBody>
+      </p:sp>
+      <p:pic>
+        <p:nvPicPr>
+          <p:cNvPr id="70" name="Picture 69" descr="A bathroom with a sink and a mirror&#10;&#10;Description generated with very high confidence">
+            <a:extLst>
+              <a:ext uri="{FF2B5EF4-FFF2-40B4-BE49-F238E27FC236}">
+                <a16:creationId xmlns:a16="http://schemas.microsoft.com/office/drawing/2014/main" id="{23BB58B4-2BAD-46D9-8873-E89EFB4BF9B8}"/>
+              </a:ext>
+            </a:extLst>
+          </p:cNvPr>
+          <p:cNvPicPr>
+            <a:picLocks noChangeAspect="1"/>
+          </p:cNvPicPr>
+          <p:nvPr/>
+        </p:nvPicPr>
+        <p:blipFill>
+          <a:blip r:embed="rId3">
+            <a:extLst>
+              <a:ext uri="{28A0092B-C50C-407E-A947-70E740481C1C}">
+                <a14:useLocalDpi xmlns:a14="http://schemas.microsoft.com/office/drawing/2010/main" val="0"/>
+              </a:ext>
+            </a:extLst>
+          </a:blip>
+          <a:stretch>
+            <a:fillRect/>
+          </a:stretch>
+        </p:blipFill>
+        <p:spPr>
+          <a:xfrm>
+            <a:off x="25950608" y="9651815"/>
+            <a:ext cx="1791750" cy="1193306"/>
+          </a:xfrm>
+          <a:prstGeom prst="rect">
+            <a:avLst/>
+          </a:prstGeom>
+        </p:spPr>
+      </p:pic>
+      <p:pic>
+        <p:nvPicPr>
+          <p:cNvPr id="49" name="Picture 48" descr="A close up of a map&#10;&#10;Description generated with high confidence">
+            <a:extLst>
+              <a:ext uri="{FF2B5EF4-FFF2-40B4-BE49-F238E27FC236}">
+                <a16:creationId xmlns:a16="http://schemas.microsoft.com/office/drawing/2014/main" id="{75467E5A-D399-4C21-8818-76961A375BD3}"/>
+              </a:ext>
+            </a:extLst>
+          </p:cNvPr>
+          <p:cNvPicPr>
+            <a:picLocks noChangeAspect="1"/>
+          </p:cNvPicPr>
+          <p:nvPr/>
+        </p:nvPicPr>
+        <p:blipFill rotWithShape="1">
+          <a:blip r:embed="rId4">
+            <a:extLst>
+              <a:ext uri="{28A0092B-C50C-407E-A947-70E740481C1C}">
+                <a14:useLocalDpi xmlns:a14="http://schemas.microsoft.com/office/drawing/2010/main" val="0"/>
+              </a:ext>
+            </a:extLst>
+          </a:blip>
+          <a:srcRect r="6937" b="1022"/>
+          <a:stretch/>
+        </p:blipFill>
+        <p:spPr>
+          <a:xfrm>
+            <a:off x="22979527" y="12449218"/>
+            <a:ext cx="4135385" cy="3298671"/>
+          </a:xfrm>
+          <a:prstGeom prst="rect">
+            <a:avLst/>
+          </a:prstGeom>
+        </p:spPr>
+      </p:pic>
+      <p:pic>
+        <p:nvPicPr>
+          <p:cNvPr id="51" name="Picture 50" descr="A picture containing photo&#10;&#10;Description generated with very high confidence">
+            <a:extLst>
+              <a:ext uri="{FF2B5EF4-FFF2-40B4-BE49-F238E27FC236}">
+                <a16:creationId xmlns:a16="http://schemas.microsoft.com/office/drawing/2014/main" id="{69FC1F03-DAA3-416C-A8EC-2A4984A184E0}"/>
+              </a:ext>
+            </a:extLst>
+          </p:cNvPr>
+          <p:cNvPicPr>
+            <a:picLocks noChangeAspect="1"/>
+          </p:cNvPicPr>
+          <p:nvPr/>
+        </p:nvPicPr>
+        <p:blipFill>
+          <a:blip r:embed="rId5">
+            <a:extLst>
+              <a:ext uri="{28A0092B-C50C-407E-A947-70E740481C1C}">
+                <a14:useLocalDpi xmlns:a14="http://schemas.microsoft.com/office/drawing/2010/main" val="0"/>
+              </a:ext>
+            </a:extLst>
+          </a:blip>
+          <a:stretch>
+            <a:fillRect/>
+          </a:stretch>
+        </p:blipFill>
+        <p:spPr>
+          <a:xfrm>
+            <a:off x="23153910" y="7625898"/>
+            <a:ext cx="8670707" cy="1089610"/>
+          </a:xfrm>
+          <a:prstGeom prst="rect">
+            <a:avLst/>
+          </a:prstGeom>
+        </p:spPr>
+      </p:pic>
+      <p:sp>
+        <p:nvSpPr>
+          <p:cNvPr id="84" name="TextBox 83">
+            <a:extLst>
+              <a:ext uri="{FF2B5EF4-FFF2-40B4-BE49-F238E27FC236}">
+                <a16:creationId xmlns:a16="http://schemas.microsoft.com/office/drawing/2014/main" id="{26B6EE45-D389-45C2-8A93-4532DB04F1C7}"/>
+              </a:ext>
+            </a:extLst>
+          </p:cNvPr>
+          <p:cNvSpPr txBox="1"/>
+          <p:nvPr/>
+        </p:nvSpPr>
+        <p:spPr>
+          <a:xfrm rot="10800000" flipV="1">
+            <a:off x="27775013" y="9554387"/>
+            <a:ext cx="4982966" cy="1323439"/>
+          </a:xfrm>
+          <a:prstGeom prst="rect">
+            <a:avLst/>
+          </a:prstGeom>
+          <a:noFill/>
+        </p:spPr>
+        <p:txBody>
+          <a:bodyPr wrap="square" rtlCol="0">
+            <a:spAutoFit/>
+          </a:bodyPr>
+          <a:lstStyle/>
+          <a:p>
+            <a:r>
+              <a:rPr lang="en-US" sz="2100" dirty="0">
+                <a:latin typeface="BentonSans Regular" panose="02000503000000020004" pitchFamily="50" charset="0"/>
+              </a:rPr>
+              <a:t>Samples from one of the gesture classification datasets used</a:t>
+            </a:r>
+          </a:p>
+          <a:p>
+            <a:r>
+              <a:rPr lang="en-US" sz="1200" i="1" dirty="0" err="1"/>
+              <a:t>tecperson</a:t>
+            </a:r>
+            <a:endParaRPr lang="en-US" sz="1200" dirty="0"/>
+          </a:p>
+          <a:p>
+            <a:r>
+              <a:rPr lang="en-US" sz="1200" b="1" dirty="0"/>
+              <a:t>Sign Language MNIST</a:t>
+            </a:r>
+          </a:p>
+          <a:p>
+            <a:r>
+              <a:rPr lang="en-US" sz="1200" dirty="0">
+                <a:latin typeface="BentonSans Regular" panose="02000503000000020004" pitchFamily="50" charset="0"/>
+              </a:rPr>
+              <a:t>Kaggle, 2017</a:t>
+            </a:r>
+          </a:p>
+        </p:txBody>
+      </p:sp>
       <p:grpSp>
         <p:nvGrpSpPr>
-          <p:cNvPr id="57" name="Group 56">
+          <p:cNvPr id="89" name="Group 88">
             <a:extLst>
               <a:ext uri="{FF2B5EF4-FFF2-40B4-BE49-F238E27FC236}">
-                <a16:creationId xmlns:a16="http://schemas.microsoft.com/office/drawing/2014/main" id="{573AC8D8-AB48-480E-90DA-C31872E6E0BF}"/>
+                <a16:creationId xmlns:a16="http://schemas.microsoft.com/office/drawing/2014/main" id="{B5D33403-60A2-4A6F-B665-FC42DEA28641}"/>
               </a:ext>
             </a:extLst>
           </p:cNvPr>
@@ -5450,100 +4853,12 @@
         </p:nvGrpSpPr>
         <p:grpSpPr>
           <a:xfrm>
-            <a:off x="14387244" y="10802993"/>
-            <a:ext cx="6936654" cy="1725683"/>
-            <a:chOff x="14336628" y="11727310"/>
-            <a:chExt cx="6936654" cy="1725683"/>
+            <a:off x="18009339" y="8804713"/>
+            <a:ext cx="3246186" cy="4850954"/>
+            <a:chOff x="17904835" y="7746621"/>
+            <a:chExt cx="3246186" cy="4850954"/>
           </a:xfrm>
         </p:grpSpPr>
-        <p:pic>
-          <p:nvPicPr>
-            <p:cNvPr id="5" name="Picture 4" descr="A picture containing wall, person, indoor, man&#10;&#10;Description generated with very high confidence">
-              <a:extLst>
-                <a:ext uri="{FF2B5EF4-FFF2-40B4-BE49-F238E27FC236}">
-                  <a16:creationId xmlns:a16="http://schemas.microsoft.com/office/drawing/2014/main" id="{91288E11-EDE7-4792-8E26-A180E06EFD80}"/>
-                </a:ext>
-              </a:extLst>
-            </p:cNvPr>
-            <p:cNvPicPr>
-              <a:picLocks noChangeAspect="1"/>
-            </p:cNvPicPr>
-            <p:nvPr/>
-          </p:nvPicPr>
-          <p:blipFill>
-            <a:blip r:embed="rId4">
-              <a:extLst>
-                <a:ext uri="{28A0092B-C50C-407E-A947-70E740481C1C}">
-                  <a14:useLocalDpi xmlns:a14="http://schemas.microsoft.com/office/drawing/2010/main" val="0"/>
-                </a:ext>
-              </a:extLst>
-            </a:blip>
-            <a:stretch>
-              <a:fillRect/>
-            </a:stretch>
-          </p:blipFill>
-          <p:spPr>
-            <a:xfrm>
-              <a:off x="14336628" y="11727310"/>
-              <a:ext cx="3067880" cy="1725683"/>
-            </a:xfrm>
-            <a:prstGeom prst="rect">
-              <a:avLst/>
-            </a:prstGeom>
-          </p:spPr>
-        </p:pic>
-        <p:sp>
-          <p:nvSpPr>
-            <p:cNvPr id="6" name="Rectangle 5">
-              <a:extLst>
-                <a:ext uri="{FF2B5EF4-FFF2-40B4-BE49-F238E27FC236}">
-                  <a16:creationId xmlns:a16="http://schemas.microsoft.com/office/drawing/2014/main" id="{C4B613A2-1BE0-41E4-B72D-11E6353B43AD}"/>
-                </a:ext>
-              </a:extLst>
-            </p:cNvPr>
-            <p:cNvSpPr/>
-            <p:nvPr/>
-          </p:nvSpPr>
-          <p:spPr>
-            <a:xfrm>
-              <a:off x="14705048" y="12178401"/>
-              <a:ext cx="565260" cy="508210"/>
-            </a:xfrm>
-            <a:prstGeom prst="rect">
-              <a:avLst/>
-            </a:prstGeom>
-            <a:noFill/>
-            <a:ln w="6350">
-              <a:solidFill>
-                <a:srgbClr val="92D050"/>
-              </a:solidFill>
-            </a:ln>
-          </p:spPr>
-          <p:style>
-            <a:lnRef idx="2">
-              <a:schemeClr val="accent1">
-                <a:shade val="50000"/>
-              </a:schemeClr>
-            </a:lnRef>
-            <a:fillRef idx="1">
-              <a:schemeClr val="accent1"/>
-            </a:fillRef>
-            <a:effectRef idx="0">
-              <a:schemeClr val="accent1"/>
-            </a:effectRef>
-            <a:fontRef idx="minor">
-              <a:schemeClr val="lt1"/>
-            </a:fontRef>
-          </p:style>
-          <p:txBody>
-            <a:bodyPr rtlCol="0" anchor="ctr"/>
-            <a:lstStyle/>
-            <a:p>
-              <a:pPr algn="ctr"/>
-              <a:endParaRPr lang="en-US"/>
-            </a:p>
-          </p:txBody>
-        </p:sp>
         <p:cxnSp>
           <p:nvCxnSpPr>
             <p:cNvPr id="8" name="Straight Arrow Connector 7">
@@ -5553,13 +4868,15 @@
                 </a:ext>
               </a:extLst>
             </p:cNvPr>
-            <p:cNvCxnSpPr/>
+            <p:cNvCxnSpPr>
+              <a:cxnSpLocks/>
+            </p:cNvCxnSpPr>
             <p:nvPr/>
           </p:nvCxnSpPr>
           <p:spPr>
-            <a:xfrm>
-              <a:off x="17599024" y="12585315"/>
-              <a:ext cx="781050" cy="0"/>
+            <a:xfrm flipH="1">
+              <a:off x="20947434" y="9579407"/>
+              <a:ext cx="14108" cy="433775"/>
             </a:xfrm>
             <a:prstGeom prst="straightConnector1">
               <a:avLst/>
@@ -5598,7 +4915,7 @@
             <p:nvPr/>
           </p:nvPicPr>
           <p:blipFill rotWithShape="1">
-            <a:blip r:embed="rId4">
+            <a:blip r:embed="rId6">
               <a:extLst>
                 <a:ext uri="{28A0092B-C50C-407E-A947-70E740481C1C}">
                   <a14:useLocalDpi xmlns:a14="http://schemas.microsoft.com/office/drawing/2010/main" val="0"/>
@@ -5610,7 +4927,7 @@
           </p:blipFill>
           <p:spPr>
             <a:xfrm>
-              <a:off x="18574590" y="12104269"/>
+              <a:off x="19958975" y="10197635"/>
               <a:ext cx="1015159" cy="948542"/>
             </a:xfrm>
             <a:prstGeom prst="rect">
@@ -5627,13 +4944,15 @@
                 </a:ext>
               </a:extLst>
             </p:cNvPr>
-            <p:cNvCxnSpPr/>
+            <p:cNvCxnSpPr>
+              <a:cxnSpLocks/>
+            </p:cNvCxnSpPr>
             <p:nvPr/>
           </p:nvCxnSpPr>
           <p:spPr>
             <a:xfrm>
-              <a:off x="19770724" y="12585315"/>
-              <a:ext cx="781050" cy="0"/>
+              <a:off x="20947434" y="11276807"/>
+              <a:ext cx="0" cy="532133"/>
             </a:xfrm>
             <a:prstGeom prst="straightConnector1">
               <a:avLst/>
@@ -5671,8 +4990,8 @@
           </p:nvSpPr>
           <p:spPr>
             <a:xfrm>
-              <a:off x="20732749" y="12200594"/>
-              <a:ext cx="540533" cy="769441"/>
+              <a:off x="20690639" y="11828134"/>
+              <a:ext cx="460382" cy="769441"/>
             </a:xfrm>
             <a:prstGeom prst="rect">
               <a:avLst/>
@@ -5708,7 +5027,7 @@
           </p:nvSpPr>
           <p:spPr>
             <a:xfrm>
-              <a:off x="17459415" y="12230351"/>
+              <a:off x="19880237" y="9689248"/>
               <a:ext cx="1072730" cy="246221"/>
             </a:xfrm>
             <a:prstGeom prst="rect">
@@ -5745,7 +5064,7 @@
           </p:nvSpPr>
           <p:spPr>
             <a:xfrm>
-              <a:off x="19589749" y="12199670"/>
+              <a:off x="19749329" y="11456410"/>
               <a:ext cx="1244251" cy="246221"/>
             </a:xfrm>
             <a:prstGeom prst="rect">
@@ -5767,480 +5086,819 @@
             </a:p>
           </p:txBody>
         </p:sp>
+        <p:grpSp>
+          <p:nvGrpSpPr>
+            <p:cNvPr id="55" name="Group 54">
+              <a:extLst>
+                <a:ext uri="{FF2B5EF4-FFF2-40B4-BE49-F238E27FC236}">
+                  <a16:creationId xmlns:a16="http://schemas.microsoft.com/office/drawing/2014/main" id="{FFE1E911-D864-4DFA-AAED-5A2DA5C66534}"/>
+                </a:ext>
+              </a:extLst>
+            </p:cNvPr>
+            <p:cNvGrpSpPr/>
+            <p:nvPr/>
+          </p:nvGrpSpPr>
+          <p:grpSpPr>
+            <a:xfrm>
+              <a:off x="17904835" y="7746621"/>
+              <a:ext cx="3069299" cy="1725683"/>
+              <a:chOff x="14641020" y="9879099"/>
+              <a:chExt cx="3069299" cy="1725683"/>
+            </a:xfrm>
+          </p:grpSpPr>
+          <p:pic>
+            <p:nvPicPr>
+              <p:cNvPr id="5" name="Picture 4" descr="A picture containing wall, person, indoor, man&#10;&#10;Description generated with very high confidence">
+                <a:extLst>
+                  <a:ext uri="{FF2B5EF4-FFF2-40B4-BE49-F238E27FC236}">
+                    <a16:creationId xmlns:a16="http://schemas.microsoft.com/office/drawing/2014/main" id="{91288E11-EDE7-4792-8E26-A180E06EFD80}"/>
+                  </a:ext>
+                </a:extLst>
+              </p:cNvPr>
+              <p:cNvPicPr>
+                <a:picLocks noChangeAspect="1"/>
+              </p:cNvPicPr>
+              <p:nvPr/>
+            </p:nvPicPr>
+            <p:blipFill>
+              <a:blip r:embed="rId6">
+                <a:extLst>
+                  <a:ext uri="{28A0092B-C50C-407E-A947-70E740481C1C}">
+                    <a14:useLocalDpi xmlns:a14="http://schemas.microsoft.com/office/drawing/2010/main" val="0"/>
+                  </a:ext>
+                </a:extLst>
+              </a:blip>
+              <a:stretch>
+                <a:fillRect/>
+              </a:stretch>
+            </p:blipFill>
+            <p:spPr>
+              <a:xfrm>
+                <a:off x="14642439" y="9879099"/>
+                <a:ext cx="3067880" cy="1725683"/>
+              </a:xfrm>
+              <a:prstGeom prst="rect">
+                <a:avLst/>
+              </a:prstGeom>
+            </p:spPr>
+          </p:pic>
+          <p:sp>
+            <p:nvSpPr>
+              <p:cNvPr id="23" name="Rectangle 22">
+                <a:extLst>
+                  <a:ext uri="{FF2B5EF4-FFF2-40B4-BE49-F238E27FC236}">
+                    <a16:creationId xmlns:a16="http://schemas.microsoft.com/office/drawing/2014/main" id="{0D873560-9E24-4F56-A587-7261754299A5}"/>
+                  </a:ext>
+                </a:extLst>
+              </p:cNvPr>
+              <p:cNvSpPr/>
+              <p:nvPr/>
+            </p:nvSpPr>
+            <p:spPr>
+              <a:xfrm>
+                <a:off x="14642439" y="9879110"/>
+                <a:ext cx="570646" cy="503041"/>
+              </a:xfrm>
+              <a:prstGeom prst="rect">
+                <a:avLst/>
+              </a:prstGeom>
+              <a:noFill/>
+            </p:spPr>
+            <p:style>
+              <a:lnRef idx="2">
+                <a:schemeClr val="accent1">
+                  <a:shade val="50000"/>
+                </a:schemeClr>
+              </a:lnRef>
+              <a:fillRef idx="1">
+                <a:schemeClr val="accent1"/>
+              </a:fillRef>
+              <a:effectRef idx="0">
+                <a:schemeClr val="accent1"/>
+              </a:effectRef>
+              <a:fontRef idx="minor">
+                <a:schemeClr val="lt1"/>
+              </a:fontRef>
+            </p:style>
+            <p:txBody>
+              <a:bodyPr rtlCol="0" anchor="ctr"/>
+              <a:lstStyle/>
+              <a:p>
+                <a:pPr algn="ctr"/>
+                <a:endParaRPr lang="en-US"/>
+              </a:p>
+            </p:txBody>
+          </p:sp>
+          <p:sp>
+            <p:nvSpPr>
+              <p:cNvPr id="61" name="Rectangle 60">
+                <a:extLst>
+                  <a:ext uri="{FF2B5EF4-FFF2-40B4-BE49-F238E27FC236}">
+                    <a16:creationId xmlns:a16="http://schemas.microsoft.com/office/drawing/2014/main" id="{A1A0F553-A7EB-4D5A-B5A1-9C3CE5EA4676}"/>
+                  </a:ext>
+                </a:extLst>
+              </p:cNvPr>
+              <p:cNvSpPr/>
+              <p:nvPr/>
+            </p:nvSpPr>
+            <p:spPr>
+              <a:xfrm>
+                <a:off x="15217530" y="9879109"/>
+                <a:ext cx="570646" cy="503041"/>
+              </a:xfrm>
+              <a:prstGeom prst="rect">
+                <a:avLst/>
+              </a:prstGeom>
+              <a:noFill/>
+            </p:spPr>
+            <p:style>
+              <a:lnRef idx="2">
+                <a:schemeClr val="accent1">
+                  <a:shade val="50000"/>
+                </a:schemeClr>
+              </a:lnRef>
+              <a:fillRef idx="1">
+                <a:schemeClr val="accent1"/>
+              </a:fillRef>
+              <a:effectRef idx="0">
+                <a:schemeClr val="accent1"/>
+              </a:effectRef>
+              <a:fontRef idx="minor">
+                <a:schemeClr val="lt1"/>
+              </a:fontRef>
+            </p:style>
+            <p:txBody>
+              <a:bodyPr rtlCol="0" anchor="ctr"/>
+              <a:lstStyle/>
+              <a:p>
+                <a:pPr algn="ctr"/>
+                <a:endParaRPr lang="en-US" dirty="0"/>
+              </a:p>
+            </p:txBody>
+          </p:sp>
+          <p:sp>
+            <p:nvSpPr>
+              <p:cNvPr id="67" name="Rectangle 66">
+                <a:extLst>
+                  <a:ext uri="{FF2B5EF4-FFF2-40B4-BE49-F238E27FC236}">
+                    <a16:creationId xmlns:a16="http://schemas.microsoft.com/office/drawing/2014/main" id="{3056CF88-6210-44E3-988A-E3AEB1A495BB}"/>
+                  </a:ext>
+                </a:extLst>
+              </p:cNvPr>
+              <p:cNvSpPr/>
+              <p:nvPr/>
+            </p:nvSpPr>
+            <p:spPr>
+              <a:xfrm>
+                <a:off x="15779921" y="9879110"/>
+                <a:ext cx="570646" cy="503041"/>
+              </a:xfrm>
+              <a:prstGeom prst="rect">
+                <a:avLst/>
+              </a:prstGeom>
+              <a:noFill/>
+            </p:spPr>
+            <p:style>
+              <a:lnRef idx="2">
+                <a:schemeClr val="accent1">
+                  <a:shade val="50000"/>
+                </a:schemeClr>
+              </a:lnRef>
+              <a:fillRef idx="1">
+                <a:schemeClr val="accent1"/>
+              </a:fillRef>
+              <a:effectRef idx="0">
+                <a:schemeClr val="accent1"/>
+              </a:effectRef>
+              <a:fontRef idx="minor">
+                <a:schemeClr val="lt1"/>
+              </a:fontRef>
+            </p:style>
+            <p:txBody>
+              <a:bodyPr rtlCol="0" anchor="ctr"/>
+              <a:lstStyle/>
+              <a:p>
+                <a:pPr algn="ctr"/>
+                <a:endParaRPr lang="en-US"/>
+              </a:p>
+            </p:txBody>
+          </p:sp>
+          <p:sp>
+            <p:nvSpPr>
+              <p:cNvPr id="69" name="Rectangle 68">
+                <a:extLst>
+                  <a:ext uri="{FF2B5EF4-FFF2-40B4-BE49-F238E27FC236}">
+                    <a16:creationId xmlns:a16="http://schemas.microsoft.com/office/drawing/2014/main" id="{9E018F2B-248D-401E-A302-4B627BB42CEE}"/>
+                  </a:ext>
+                </a:extLst>
+              </p:cNvPr>
+              <p:cNvSpPr/>
+              <p:nvPr/>
+            </p:nvSpPr>
+            <p:spPr>
+              <a:xfrm>
+                <a:off x="16355012" y="9879109"/>
+                <a:ext cx="570646" cy="503041"/>
+              </a:xfrm>
+              <a:prstGeom prst="rect">
+                <a:avLst/>
+              </a:prstGeom>
+              <a:noFill/>
+            </p:spPr>
+            <p:style>
+              <a:lnRef idx="2">
+                <a:schemeClr val="accent1">
+                  <a:shade val="50000"/>
+                </a:schemeClr>
+              </a:lnRef>
+              <a:fillRef idx="1">
+                <a:schemeClr val="accent1"/>
+              </a:fillRef>
+              <a:effectRef idx="0">
+                <a:schemeClr val="accent1"/>
+              </a:effectRef>
+              <a:fontRef idx="minor">
+                <a:schemeClr val="lt1"/>
+              </a:fontRef>
+            </p:style>
+            <p:txBody>
+              <a:bodyPr rtlCol="0" anchor="ctr"/>
+              <a:lstStyle/>
+              <a:p>
+                <a:pPr algn="ctr"/>
+                <a:endParaRPr lang="en-US" dirty="0"/>
+              </a:p>
+            </p:txBody>
+          </p:sp>
+          <p:sp>
+            <p:nvSpPr>
+              <p:cNvPr id="74" name="Rectangle 73">
+                <a:extLst>
+                  <a:ext uri="{FF2B5EF4-FFF2-40B4-BE49-F238E27FC236}">
+                    <a16:creationId xmlns:a16="http://schemas.microsoft.com/office/drawing/2014/main" id="{E98574FB-0000-4FC3-8A08-92007A06D76A}"/>
+                  </a:ext>
+                </a:extLst>
+              </p:cNvPr>
+              <p:cNvSpPr/>
+              <p:nvPr/>
+            </p:nvSpPr>
+            <p:spPr>
+              <a:xfrm>
+                <a:off x="15778503" y="10377045"/>
+                <a:ext cx="570646" cy="503041"/>
+              </a:xfrm>
+              <a:prstGeom prst="rect">
+                <a:avLst/>
+              </a:prstGeom>
+              <a:noFill/>
+            </p:spPr>
+            <p:style>
+              <a:lnRef idx="2">
+                <a:schemeClr val="accent1">
+                  <a:shade val="50000"/>
+                </a:schemeClr>
+              </a:lnRef>
+              <a:fillRef idx="1">
+                <a:schemeClr val="accent1"/>
+              </a:fillRef>
+              <a:effectRef idx="0">
+                <a:schemeClr val="accent1"/>
+              </a:effectRef>
+              <a:fontRef idx="minor">
+                <a:schemeClr val="lt1"/>
+              </a:fontRef>
+            </p:style>
+            <p:txBody>
+              <a:bodyPr rtlCol="0" anchor="ctr"/>
+              <a:lstStyle/>
+              <a:p>
+                <a:pPr algn="ctr"/>
+                <a:endParaRPr lang="en-US"/>
+              </a:p>
+            </p:txBody>
+          </p:sp>
+          <p:sp>
+            <p:nvSpPr>
+              <p:cNvPr id="76" name="Rectangle 75">
+                <a:extLst>
+                  <a:ext uri="{FF2B5EF4-FFF2-40B4-BE49-F238E27FC236}">
+                    <a16:creationId xmlns:a16="http://schemas.microsoft.com/office/drawing/2014/main" id="{05A7871F-81C1-4E03-9F3F-6630CD143D54}"/>
+                  </a:ext>
+                </a:extLst>
+              </p:cNvPr>
+              <p:cNvSpPr/>
+              <p:nvPr/>
+            </p:nvSpPr>
+            <p:spPr>
+              <a:xfrm>
+                <a:off x="16355711" y="10377044"/>
+                <a:ext cx="570646" cy="503041"/>
+              </a:xfrm>
+              <a:prstGeom prst="rect">
+                <a:avLst/>
+              </a:prstGeom>
+              <a:noFill/>
+            </p:spPr>
+            <p:style>
+              <a:lnRef idx="2">
+                <a:schemeClr val="accent1">
+                  <a:shade val="50000"/>
+                </a:schemeClr>
+              </a:lnRef>
+              <a:fillRef idx="1">
+                <a:schemeClr val="accent1"/>
+              </a:fillRef>
+              <a:effectRef idx="0">
+                <a:schemeClr val="accent1"/>
+              </a:effectRef>
+              <a:fontRef idx="minor">
+                <a:schemeClr val="lt1"/>
+              </a:fontRef>
+            </p:style>
+            <p:txBody>
+              <a:bodyPr rtlCol="0" anchor="ctr"/>
+              <a:lstStyle/>
+              <a:p>
+                <a:pPr algn="ctr"/>
+                <a:endParaRPr lang="en-US" dirty="0"/>
+              </a:p>
+            </p:txBody>
+          </p:sp>
+          <p:sp>
+            <p:nvSpPr>
+              <p:cNvPr id="77" name="Rectangle 76">
+                <a:extLst>
+                  <a:ext uri="{FF2B5EF4-FFF2-40B4-BE49-F238E27FC236}">
+                    <a16:creationId xmlns:a16="http://schemas.microsoft.com/office/drawing/2014/main" id="{EC3E1345-0FD8-49B1-8B3E-2C15290DDF14}"/>
+                  </a:ext>
+                </a:extLst>
+              </p:cNvPr>
+              <p:cNvSpPr/>
+              <p:nvPr/>
+            </p:nvSpPr>
+            <p:spPr>
+              <a:xfrm>
+                <a:off x="14641020" y="10889278"/>
+                <a:ext cx="570646" cy="503041"/>
+              </a:xfrm>
+              <a:prstGeom prst="rect">
+                <a:avLst/>
+              </a:prstGeom>
+              <a:noFill/>
+            </p:spPr>
+            <p:style>
+              <a:lnRef idx="2">
+                <a:schemeClr val="accent1">
+                  <a:shade val="50000"/>
+                </a:schemeClr>
+              </a:lnRef>
+              <a:fillRef idx="1">
+                <a:schemeClr val="accent1"/>
+              </a:fillRef>
+              <a:effectRef idx="0">
+                <a:schemeClr val="accent1"/>
+              </a:effectRef>
+              <a:fontRef idx="minor">
+                <a:schemeClr val="lt1"/>
+              </a:fontRef>
+            </p:style>
+            <p:txBody>
+              <a:bodyPr rtlCol="0" anchor="ctr"/>
+              <a:lstStyle/>
+              <a:p>
+                <a:pPr algn="ctr"/>
+                <a:endParaRPr lang="en-US"/>
+              </a:p>
+            </p:txBody>
+          </p:sp>
+          <p:sp>
+            <p:nvSpPr>
+              <p:cNvPr id="78" name="Rectangle 77">
+                <a:extLst>
+                  <a:ext uri="{FF2B5EF4-FFF2-40B4-BE49-F238E27FC236}">
+                    <a16:creationId xmlns:a16="http://schemas.microsoft.com/office/drawing/2014/main" id="{F1A91472-8467-488F-B461-03D4003AB55D}"/>
+                  </a:ext>
+                </a:extLst>
+              </p:cNvPr>
+              <p:cNvSpPr/>
+              <p:nvPr/>
+            </p:nvSpPr>
+            <p:spPr>
+              <a:xfrm>
+                <a:off x="15218228" y="10889277"/>
+                <a:ext cx="570646" cy="503041"/>
+              </a:xfrm>
+              <a:prstGeom prst="rect">
+                <a:avLst/>
+              </a:prstGeom>
+              <a:noFill/>
+            </p:spPr>
+            <p:style>
+              <a:lnRef idx="2">
+                <a:schemeClr val="accent1">
+                  <a:shade val="50000"/>
+                </a:schemeClr>
+              </a:lnRef>
+              <a:fillRef idx="1">
+                <a:schemeClr val="accent1"/>
+              </a:fillRef>
+              <a:effectRef idx="0">
+                <a:schemeClr val="accent1"/>
+              </a:effectRef>
+              <a:fontRef idx="minor">
+                <a:schemeClr val="lt1"/>
+              </a:fontRef>
+            </p:style>
+            <p:txBody>
+              <a:bodyPr rtlCol="0" anchor="ctr"/>
+              <a:lstStyle/>
+              <a:p>
+                <a:pPr algn="ctr"/>
+                <a:endParaRPr lang="en-US" dirty="0"/>
+              </a:p>
+            </p:txBody>
+          </p:sp>
+          <p:sp>
+            <p:nvSpPr>
+              <p:cNvPr id="79" name="Rectangle 78">
+                <a:extLst>
+                  <a:ext uri="{FF2B5EF4-FFF2-40B4-BE49-F238E27FC236}">
+                    <a16:creationId xmlns:a16="http://schemas.microsoft.com/office/drawing/2014/main" id="{E818F6C4-574B-49AD-8EB4-8C7B54BAAF2D}"/>
+                  </a:ext>
+                </a:extLst>
+              </p:cNvPr>
+              <p:cNvSpPr/>
+              <p:nvPr/>
+            </p:nvSpPr>
+            <p:spPr>
+              <a:xfrm>
+                <a:off x="15780619" y="10889278"/>
+                <a:ext cx="570646" cy="503041"/>
+              </a:xfrm>
+              <a:prstGeom prst="rect">
+                <a:avLst/>
+              </a:prstGeom>
+              <a:noFill/>
+            </p:spPr>
+            <p:style>
+              <a:lnRef idx="2">
+                <a:schemeClr val="accent1">
+                  <a:shade val="50000"/>
+                </a:schemeClr>
+              </a:lnRef>
+              <a:fillRef idx="1">
+                <a:schemeClr val="accent1"/>
+              </a:fillRef>
+              <a:effectRef idx="0">
+                <a:schemeClr val="accent1"/>
+              </a:effectRef>
+              <a:fontRef idx="minor">
+                <a:schemeClr val="lt1"/>
+              </a:fontRef>
+            </p:style>
+            <p:txBody>
+              <a:bodyPr rtlCol="0" anchor="ctr"/>
+              <a:lstStyle/>
+              <a:p>
+                <a:pPr algn="ctr"/>
+                <a:endParaRPr lang="en-US"/>
+              </a:p>
+            </p:txBody>
+          </p:sp>
+          <p:sp>
+            <p:nvSpPr>
+              <p:cNvPr id="80" name="Rectangle 79">
+                <a:extLst>
+                  <a:ext uri="{FF2B5EF4-FFF2-40B4-BE49-F238E27FC236}">
+                    <a16:creationId xmlns:a16="http://schemas.microsoft.com/office/drawing/2014/main" id="{4C44968E-1864-4CE7-8B5E-743931431F62}"/>
+                  </a:ext>
+                </a:extLst>
+              </p:cNvPr>
+              <p:cNvSpPr/>
+              <p:nvPr/>
+            </p:nvSpPr>
+            <p:spPr>
+              <a:xfrm>
+                <a:off x="16355710" y="10889277"/>
+                <a:ext cx="570646" cy="503041"/>
+              </a:xfrm>
+              <a:prstGeom prst="rect">
+                <a:avLst/>
+              </a:prstGeom>
+              <a:noFill/>
+            </p:spPr>
+            <p:style>
+              <a:lnRef idx="2">
+                <a:schemeClr val="accent1">
+                  <a:shade val="50000"/>
+                </a:schemeClr>
+              </a:lnRef>
+              <a:fillRef idx="1">
+                <a:schemeClr val="accent1"/>
+              </a:fillRef>
+              <a:effectRef idx="0">
+                <a:schemeClr val="accent1"/>
+              </a:effectRef>
+              <a:fontRef idx="minor">
+                <a:schemeClr val="lt1"/>
+              </a:fontRef>
+            </p:style>
+            <p:txBody>
+              <a:bodyPr rtlCol="0" anchor="ctr"/>
+              <a:lstStyle/>
+              <a:p>
+                <a:pPr algn="ctr"/>
+                <a:endParaRPr lang="en-US" dirty="0"/>
+              </a:p>
+            </p:txBody>
+          </p:sp>
+          <p:sp>
+            <p:nvSpPr>
+              <p:cNvPr id="81" name="Rectangle 80">
+                <a:extLst>
+                  <a:ext uri="{FF2B5EF4-FFF2-40B4-BE49-F238E27FC236}">
+                    <a16:creationId xmlns:a16="http://schemas.microsoft.com/office/drawing/2014/main" id="{EECF8904-A591-4A54-8E41-182E8FFEB431}"/>
+                  </a:ext>
+                </a:extLst>
+              </p:cNvPr>
+              <p:cNvSpPr/>
+              <p:nvPr/>
+            </p:nvSpPr>
+            <p:spPr>
+              <a:xfrm>
+                <a:off x="16924398" y="9879104"/>
+                <a:ext cx="570646" cy="503041"/>
+              </a:xfrm>
+              <a:prstGeom prst="rect">
+                <a:avLst/>
+              </a:prstGeom>
+              <a:noFill/>
+            </p:spPr>
+            <p:style>
+              <a:lnRef idx="2">
+                <a:schemeClr val="accent1">
+                  <a:shade val="50000"/>
+                </a:schemeClr>
+              </a:lnRef>
+              <a:fillRef idx="1">
+                <a:schemeClr val="accent1"/>
+              </a:fillRef>
+              <a:effectRef idx="0">
+                <a:schemeClr val="accent1"/>
+              </a:effectRef>
+              <a:fontRef idx="minor">
+                <a:schemeClr val="lt1"/>
+              </a:fontRef>
+            </p:style>
+            <p:txBody>
+              <a:bodyPr rtlCol="0" anchor="ctr"/>
+              <a:lstStyle/>
+              <a:p>
+                <a:pPr algn="ctr"/>
+                <a:endParaRPr lang="en-US" dirty="0"/>
+              </a:p>
+            </p:txBody>
+          </p:sp>
+          <p:sp>
+            <p:nvSpPr>
+              <p:cNvPr id="82" name="Rectangle 81">
+                <a:extLst>
+                  <a:ext uri="{FF2B5EF4-FFF2-40B4-BE49-F238E27FC236}">
+                    <a16:creationId xmlns:a16="http://schemas.microsoft.com/office/drawing/2014/main" id="{BD3CE3D9-2117-4508-BAEE-DB8DF2C8C547}"/>
+                  </a:ext>
+                </a:extLst>
+              </p:cNvPr>
+              <p:cNvSpPr/>
+              <p:nvPr/>
+            </p:nvSpPr>
+            <p:spPr>
+              <a:xfrm>
+                <a:off x="16925097" y="10377039"/>
+                <a:ext cx="570646" cy="503041"/>
+              </a:xfrm>
+              <a:prstGeom prst="rect">
+                <a:avLst/>
+              </a:prstGeom>
+              <a:noFill/>
+            </p:spPr>
+            <p:style>
+              <a:lnRef idx="2">
+                <a:schemeClr val="accent1">
+                  <a:shade val="50000"/>
+                </a:schemeClr>
+              </a:lnRef>
+              <a:fillRef idx="1">
+                <a:schemeClr val="accent1"/>
+              </a:fillRef>
+              <a:effectRef idx="0">
+                <a:schemeClr val="accent1"/>
+              </a:effectRef>
+              <a:fontRef idx="minor">
+                <a:schemeClr val="lt1"/>
+              </a:fontRef>
+            </p:style>
+            <p:txBody>
+              <a:bodyPr rtlCol="0" anchor="ctr"/>
+              <a:lstStyle/>
+              <a:p>
+                <a:pPr algn="ctr"/>
+                <a:endParaRPr lang="en-US" dirty="0"/>
+              </a:p>
+            </p:txBody>
+          </p:sp>
+          <p:sp>
+            <p:nvSpPr>
+              <p:cNvPr id="83" name="Rectangle 82">
+                <a:extLst>
+                  <a:ext uri="{FF2B5EF4-FFF2-40B4-BE49-F238E27FC236}">
+                    <a16:creationId xmlns:a16="http://schemas.microsoft.com/office/drawing/2014/main" id="{8C41DAEF-1605-4570-9D4D-F1815DF49C1F}"/>
+                  </a:ext>
+                </a:extLst>
+              </p:cNvPr>
+              <p:cNvSpPr/>
+              <p:nvPr/>
+            </p:nvSpPr>
+            <p:spPr>
+              <a:xfrm>
+                <a:off x="16925096" y="10889272"/>
+                <a:ext cx="570646" cy="503041"/>
+              </a:xfrm>
+              <a:prstGeom prst="rect">
+                <a:avLst/>
+              </a:prstGeom>
+              <a:noFill/>
+            </p:spPr>
+            <p:style>
+              <a:lnRef idx="2">
+                <a:schemeClr val="accent1">
+                  <a:shade val="50000"/>
+                </a:schemeClr>
+              </a:lnRef>
+              <a:fillRef idx="1">
+                <a:schemeClr val="accent1"/>
+              </a:fillRef>
+              <a:effectRef idx="0">
+                <a:schemeClr val="accent1"/>
+              </a:effectRef>
+              <a:fontRef idx="minor">
+                <a:schemeClr val="lt1"/>
+              </a:fontRef>
+            </p:style>
+            <p:txBody>
+              <a:bodyPr rtlCol="0" anchor="ctr"/>
+              <a:lstStyle/>
+              <a:p>
+                <a:pPr algn="ctr"/>
+                <a:endParaRPr lang="en-US" dirty="0"/>
+              </a:p>
+            </p:txBody>
+          </p:sp>
+          <p:sp>
+            <p:nvSpPr>
+              <p:cNvPr id="73" name="Rectangle 72">
+                <a:extLst>
+                  <a:ext uri="{FF2B5EF4-FFF2-40B4-BE49-F238E27FC236}">
+                    <a16:creationId xmlns:a16="http://schemas.microsoft.com/office/drawing/2014/main" id="{1284B773-3C61-472A-A061-30A5F8D54B06}"/>
+                  </a:ext>
+                </a:extLst>
+              </p:cNvPr>
+              <p:cNvSpPr/>
+              <p:nvPr/>
+            </p:nvSpPr>
+            <p:spPr>
+              <a:xfrm>
+                <a:off x="15216112" y="10377044"/>
+                <a:ext cx="570646" cy="503041"/>
+              </a:xfrm>
+              <a:prstGeom prst="rect">
+                <a:avLst/>
+              </a:prstGeom>
+              <a:noFill/>
+              <a:ln>
+                <a:solidFill>
+                  <a:srgbClr val="92D050"/>
+                </a:solidFill>
+              </a:ln>
+            </p:spPr>
+            <p:style>
+              <a:lnRef idx="2">
+                <a:schemeClr val="accent1">
+                  <a:shade val="50000"/>
+                </a:schemeClr>
+              </a:lnRef>
+              <a:fillRef idx="1">
+                <a:schemeClr val="accent1"/>
+              </a:fillRef>
+              <a:effectRef idx="0">
+                <a:schemeClr val="accent1"/>
+              </a:effectRef>
+              <a:fontRef idx="minor">
+                <a:schemeClr val="lt1"/>
+              </a:fontRef>
+            </p:style>
+            <p:txBody>
+              <a:bodyPr rtlCol="0" anchor="ctr"/>
+              <a:lstStyle/>
+              <a:p>
+                <a:pPr algn="ctr"/>
+                <a:endParaRPr lang="en-US" dirty="0"/>
+              </a:p>
+            </p:txBody>
+          </p:sp>
+          <p:sp>
+            <p:nvSpPr>
+              <p:cNvPr id="71" name="Rectangle 70">
+                <a:extLst>
+                  <a:ext uri="{FF2B5EF4-FFF2-40B4-BE49-F238E27FC236}">
+                    <a16:creationId xmlns:a16="http://schemas.microsoft.com/office/drawing/2014/main" id="{1293572A-B43D-449B-8C57-64332A626582}"/>
+                  </a:ext>
+                </a:extLst>
+              </p:cNvPr>
+              <p:cNvSpPr/>
+              <p:nvPr/>
+            </p:nvSpPr>
+            <p:spPr>
+              <a:xfrm>
+                <a:off x="14641021" y="10377045"/>
+                <a:ext cx="570646" cy="503041"/>
+              </a:xfrm>
+              <a:prstGeom prst="rect">
+                <a:avLst/>
+              </a:prstGeom>
+              <a:noFill/>
+              <a:ln>
+                <a:solidFill>
+                  <a:srgbClr val="92D050"/>
+                </a:solidFill>
+              </a:ln>
+            </p:spPr>
+            <p:style>
+              <a:lnRef idx="2">
+                <a:schemeClr val="accent1">
+                  <a:shade val="50000"/>
+                </a:schemeClr>
+              </a:lnRef>
+              <a:fillRef idx="1">
+                <a:schemeClr val="accent1"/>
+              </a:fillRef>
+              <a:effectRef idx="0">
+                <a:schemeClr val="accent1"/>
+              </a:effectRef>
+              <a:fontRef idx="minor">
+                <a:schemeClr val="lt1"/>
+              </a:fontRef>
+            </p:style>
+            <p:txBody>
+              <a:bodyPr rtlCol="0" anchor="ctr"/>
+              <a:lstStyle/>
+              <a:p>
+                <a:pPr algn="ctr"/>
+                <a:endParaRPr lang="en-US"/>
+              </a:p>
+            </p:txBody>
+          </p:sp>
+        </p:grpSp>
+        <p:sp>
+          <p:nvSpPr>
+            <p:cNvPr id="54" name="Rectangle 53">
+              <a:extLst>
+                <a:ext uri="{FF2B5EF4-FFF2-40B4-BE49-F238E27FC236}">
+                  <a16:creationId xmlns:a16="http://schemas.microsoft.com/office/drawing/2014/main" id="{09C386D4-4CEF-46DD-B399-B74EF14A1AB5}"/>
+                </a:ext>
+              </a:extLst>
+            </p:cNvPr>
+            <p:cNvSpPr/>
+            <p:nvPr/>
+          </p:nvSpPr>
+          <p:spPr>
+            <a:xfrm>
+              <a:off x="20090489" y="11094888"/>
+              <a:ext cx="752129" cy="369332"/>
+            </a:xfrm>
+            <a:prstGeom prst="rect">
+              <a:avLst/>
+            </a:prstGeom>
+          </p:spPr>
+          <p:txBody>
+            <a:bodyPr wrap="none">
+              <a:spAutoFit/>
+            </a:bodyPr>
+            <a:lstStyle/>
+            <a:p>
+              <a:r>
+                <a:rPr lang="en-US" dirty="0"/>
+                <a:t>28x28</a:t>
+              </a:r>
+            </a:p>
+          </p:txBody>
+        </p:sp>
       </p:grpSp>
-      <p:sp>
-        <p:nvSpPr>
-          <p:cNvPr id="56" name="Rectangle 55">
+      <p:pic>
+        <p:nvPicPr>
+          <p:cNvPr id="90" name="Picture 89">
             <a:extLst>
               <a:ext uri="{FF2B5EF4-FFF2-40B4-BE49-F238E27FC236}">
-                <a16:creationId xmlns:a16="http://schemas.microsoft.com/office/drawing/2014/main" id="{0CA4EED7-1DB0-40D0-8A37-DD820C317E3F}"/>
-              </a:ext>
-            </a:extLst>
-          </p:cNvPr>
-          <p:cNvSpPr/>
-          <p:nvPr/>
-        </p:nvSpPr>
-        <p:spPr>
-          <a:xfrm>
-            <a:off x="16560798" y="8254099"/>
-            <a:ext cx="5283200" cy="1938992"/>
-          </a:xfrm>
-          <a:prstGeom prst="rect">
-            <a:avLst/>
-          </a:prstGeom>
-        </p:spPr>
-        <p:txBody>
-          <a:bodyPr wrap="square">
-            <a:spAutoFit/>
-          </a:bodyPr>
-          <a:lstStyle/>
-          <a:p>
-            <a:r>
-              <a:rPr lang="en-US" sz="2400" dirty="0">
-                <a:latin typeface="BentonSans Regular" panose="02000503000000020004" pitchFamily="50" charset="0"/>
-              </a:rPr>
-              <a:t>Our classifier is trained on American Sign Language alphabetical gestures. Since our model cannot detect movement between frames, letters J and Z have been omitted.</a:t>
-            </a:r>
-            <a:endParaRPr lang="en-US" sz="2400" dirty="0"/>
-          </a:p>
-        </p:txBody>
-      </p:sp>
-      <p:sp>
-        <p:nvSpPr>
-          <p:cNvPr id="58" name="Rectangle 57">
-            <a:extLst>
-              <a:ext uri="{FF2B5EF4-FFF2-40B4-BE49-F238E27FC236}">
-                <a16:creationId xmlns:a16="http://schemas.microsoft.com/office/drawing/2014/main" id="{4A38ECCE-BA07-42AD-B78C-C9CB317FF5AD}"/>
-              </a:ext>
-            </a:extLst>
-          </p:cNvPr>
-          <p:cNvSpPr/>
-          <p:nvPr/>
-        </p:nvSpPr>
-        <p:spPr>
-          <a:xfrm>
-            <a:off x="11449051" y="11060832"/>
-            <a:ext cx="2550118" cy="1200329"/>
-          </a:xfrm>
-          <a:prstGeom prst="rect">
-            <a:avLst/>
-          </a:prstGeom>
-        </p:spPr>
-        <p:txBody>
-          <a:bodyPr wrap="square">
-            <a:spAutoFit/>
-          </a:bodyPr>
-          <a:lstStyle/>
-          <a:p>
-            <a:r>
-              <a:rPr lang="en-US" sz="2400" dirty="0">
-                <a:latin typeface="BentonSans Regular" panose="02000503000000020004" pitchFamily="50" charset="0"/>
-              </a:rPr>
-              <a:t>An illustration of our processing pipeline</a:t>
-            </a:r>
-            <a:endParaRPr lang="en-US" sz="2400" dirty="0"/>
-          </a:p>
-        </p:txBody>
-      </p:sp>
-      <p:sp>
-        <p:nvSpPr>
-          <p:cNvPr id="59" name="TextBox 58">
-            <a:extLst>
-              <a:ext uri="{FF2B5EF4-FFF2-40B4-BE49-F238E27FC236}">
-                <a16:creationId xmlns:a16="http://schemas.microsoft.com/office/drawing/2014/main" id="{A24ED8A5-B8E0-4B3D-B040-11BD0696A5FD}"/>
-              </a:ext>
-            </a:extLst>
-          </p:cNvPr>
-          <p:cNvSpPr txBox="1"/>
-          <p:nvPr/>
-        </p:nvSpPr>
-        <p:spPr>
-          <a:xfrm>
-            <a:off x="12793239" y="15074426"/>
-            <a:ext cx="2864630" cy="461665"/>
-          </a:xfrm>
-          <a:prstGeom prst="rect">
-            <a:avLst/>
-          </a:prstGeom>
-          <a:noFill/>
-        </p:spPr>
-        <p:txBody>
-          <a:bodyPr wrap="none" rtlCol="0">
-            <a:spAutoFit/>
-          </a:bodyPr>
-          <a:lstStyle/>
-          <a:p>
-            <a:r>
-              <a:rPr lang="en-US" sz="2400" b="1" dirty="0">
-                <a:latin typeface="BentonSans Regular" panose="02000503000000020004" pitchFamily="50" charset="0"/>
-              </a:rPr>
-              <a:t>Hand Localization</a:t>
-            </a:r>
-          </a:p>
-        </p:txBody>
-      </p:sp>
-      <p:sp>
-        <p:nvSpPr>
-          <p:cNvPr id="60" name="Rectangle 59">
-            <a:extLst>
-              <a:ext uri="{FF2B5EF4-FFF2-40B4-BE49-F238E27FC236}">
-                <a16:creationId xmlns:a16="http://schemas.microsoft.com/office/drawing/2014/main" id="{3A005A97-B1A8-4169-898F-11D2992E60A0}"/>
-              </a:ext>
-            </a:extLst>
-          </p:cNvPr>
-          <p:cNvSpPr/>
-          <p:nvPr/>
-        </p:nvSpPr>
-        <p:spPr>
-          <a:xfrm>
-            <a:off x="17484524" y="15074425"/>
-            <a:ext cx="3206840" cy="461665"/>
-          </a:xfrm>
-          <a:prstGeom prst="rect">
-            <a:avLst/>
-          </a:prstGeom>
-        </p:spPr>
-        <p:txBody>
-          <a:bodyPr wrap="none">
-            <a:spAutoFit/>
-          </a:bodyPr>
-          <a:lstStyle/>
-          <a:p>
-            <a:r>
-              <a:rPr lang="en-US" sz="2400" b="1" dirty="0">
-                <a:latin typeface="BentonSans Regular" panose="02000503000000020004" pitchFamily="50" charset="0"/>
-              </a:rPr>
-              <a:t>Letter Classification</a:t>
-            </a:r>
-          </a:p>
-        </p:txBody>
-      </p:sp>
-      <p:sp>
-        <p:nvSpPr>
-          <p:cNvPr id="62" name="Rectangle: Single Corner Snipped 61">
-            <a:extLst>
-              <a:ext uri="{FF2B5EF4-FFF2-40B4-BE49-F238E27FC236}">
-                <a16:creationId xmlns:a16="http://schemas.microsoft.com/office/drawing/2014/main" id="{471690F7-811B-4325-8568-04DF0BC74864}"/>
-              </a:ext>
-            </a:extLst>
-          </p:cNvPr>
-          <p:cNvSpPr/>
-          <p:nvPr/>
-        </p:nvSpPr>
-        <p:spPr>
-          <a:xfrm flipV="1">
-            <a:off x="16497301" y="14999374"/>
-            <a:ext cx="5044326" cy="5450825"/>
-          </a:xfrm>
-          <a:prstGeom prst="snip1Rect">
-            <a:avLst/>
-          </a:prstGeom>
-          <a:noFill/>
-          <a:ln w="57150">
-            <a:solidFill>
-              <a:srgbClr val="A80532"/>
-            </a:solidFill>
-          </a:ln>
-        </p:spPr>
-        <p:style>
-          <a:lnRef idx="2">
-            <a:schemeClr val="accent1">
-              <a:shade val="50000"/>
-            </a:schemeClr>
-          </a:lnRef>
-          <a:fillRef idx="1">
-            <a:schemeClr val="accent1"/>
-          </a:fillRef>
-          <a:effectRef idx="0">
-            <a:schemeClr val="accent1"/>
-          </a:effectRef>
-          <a:fontRef idx="minor">
-            <a:schemeClr val="lt1"/>
-          </a:fontRef>
-        </p:style>
-        <p:txBody>
-          <a:bodyPr rtlCol="0" anchor="ctr"/>
-          <a:lstStyle/>
-          <a:p>
-            <a:pPr algn="ctr"/>
-            <a:endParaRPr lang="en-US"/>
-          </a:p>
-        </p:txBody>
-      </p:sp>
-      <p:sp>
-        <p:nvSpPr>
-          <p:cNvPr id="63" name="Rectangle: Single Corner Snipped 62">
-            <a:extLst>
-              <a:ext uri="{FF2B5EF4-FFF2-40B4-BE49-F238E27FC236}">
-                <a16:creationId xmlns:a16="http://schemas.microsoft.com/office/drawing/2014/main" id="{1AFA96BC-E9F3-4FD5-9BEE-31B1D4D7C6BB}"/>
-              </a:ext>
-            </a:extLst>
-          </p:cNvPr>
-          <p:cNvSpPr/>
-          <p:nvPr/>
-        </p:nvSpPr>
-        <p:spPr>
-          <a:xfrm rot="-10800000" flipV="1">
-            <a:off x="11449051" y="14999374"/>
-            <a:ext cx="5044326" cy="5450825"/>
-          </a:xfrm>
-          <a:prstGeom prst="snip1Rect">
-            <a:avLst/>
-          </a:prstGeom>
-          <a:noFill/>
-          <a:ln w="57150">
-            <a:solidFill>
-              <a:srgbClr val="A80532"/>
-            </a:solidFill>
-          </a:ln>
-        </p:spPr>
-        <p:style>
-          <a:lnRef idx="2">
-            <a:schemeClr val="accent1">
-              <a:shade val="50000"/>
-            </a:schemeClr>
-          </a:lnRef>
-          <a:fillRef idx="1">
-            <a:schemeClr val="accent1"/>
-          </a:fillRef>
-          <a:effectRef idx="0">
-            <a:schemeClr val="accent1"/>
-          </a:effectRef>
-          <a:fontRef idx="minor">
-            <a:schemeClr val="lt1"/>
-          </a:fontRef>
-        </p:style>
-        <p:txBody>
-          <a:bodyPr rtlCol="0" anchor="ctr"/>
-          <a:lstStyle/>
-          <a:p>
-            <a:pPr algn="ctr"/>
-            <a:endParaRPr lang="en-US"/>
-          </a:p>
-        </p:txBody>
-      </p:sp>
-      <p:sp>
-        <p:nvSpPr>
-          <p:cNvPr id="64" name="Rectangle 63">
-            <a:extLst>
-              <a:ext uri="{FF2B5EF4-FFF2-40B4-BE49-F238E27FC236}">
-                <a16:creationId xmlns:a16="http://schemas.microsoft.com/office/drawing/2014/main" id="{DA89FFCC-3BA1-4D67-987E-31BADE755710}"/>
-              </a:ext>
-            </a:extLst>
-          </p:cNvPr>
-          <p:cNvSpPr/>
-          <p:nvPr/>
-        </p:nvSpPr>
-        <p:spPr>
-          <a:xfrm>
-            <a:off x="11798020" y="15809063"/>
-            <a:ext cx="4408768" cy="4524315"/>
-          </a:xfrm>
-          <a:prstGeom prst="rect">
-            <a:avLst/>
-          </a:prstGeom>
-        </p:spPr>
-        <p:txBody>
-          <a:bodyPr wrap="square">
-            <a:spAutoFit/>
-          </a:bodyPr>
-          <a:lstStyle/>
-          <a:p>
-            <a:r>
-              <a:rPr lang="en-US" sz="2400" dirty="0">
-                <a:latin typeface="BentonSans Regular" panose="02000503000000020004" pitchFamily="50" charset="0"/>
-              </a:rPr>
-              <a:t>We used a variation of YOLO v2, trained on a dataset of photos with bounding boxes around hands.</a:t>
-            </a:r>
-          </a:p>
-          <a:p>
-            <a:endParaRPr lang="en-US" sz="2400" dirty="0">
-              <a:latin typeface="BentonSans Regular" panose="02000503000000020004" pitchFamily="50" charset="0"/>
-            </a:endParaRPr>
-          </a:p>
-          <a:p>
-            <a:r>
-              <a:rPr lang="en-US" sz="2400" dirty="0">
-                <a:latin typeface="BentonSans Regular" panose="02000503000000020004" pitchFamily="50" charset="0"/>
-              </a:rPr>
-              <a:t>Input images from the camera feed are passed into this network, and the bounding box around a hand returned is cropped from the image, then passed to the classifier.</a:t>
-            </a:r>
-            <a:endParaRPr lang="en-US" sz="2400" dirty="0"/>
-          </a:p>
-        </p:txBody>
-      </p:sp>
-      <p:sp>
-        <p:nvSpPr>
-          <p:cNvPr id="65" name="Rectangle 64">
-            <a:extLst>
-              <a:ext uri="{FF2B5EF4-FFF2-40B4-BE49-F238E27FC236}">
-                <a16:creationId xmlns:a16="http://schemas.microsoft.com/office/drawing/2014/main" id="{77F37001-3A4A-4C51-8C71-BA7DBCA533AC}"/>
-              </a:ext>
-            </a:extLst>
-          </p:cNvPr>
-          <p:cNvSpPr/>
-          <p:nvPr/>
-        </p:nvSpPr>
-        <p:spPr>
-          <a:xfrm>
-            <a:off x="16815080" y="15808942"/>
-            <a:ext cx="4408768" cy="4893647"/>
-          </a:xfrm>
-          <a:prstGeom prst="rect">
-            <a:avLst/>
-          </a:prstGeom>
-        </p:spPr>
-        <p:txBody>
-          <a:bodyPr wrap="square">
-            <a:spAutoFit/>
-          </a:bodyPr>
-          <a:lstStyle/>
-          <a:p>
-            <a:r>
-              <a:rPr lang="en-US" sz="2400" dirty="0">
-                <a:latin typeface="BentonSans Regular" panose="02000503000000020004" pitchFamily="50" charset="0"/>
-              </a:rPr>
-              <a:t>For classifying the letters from hands, we merged together several datasets of ASL letters. Classification is performed on a 28x28 resized image.</a:t>
-            </a:r>
-          </a:p>
-          <a:p>
-            <a:endParaRPr lang="en-US" sz="2400" dirty="0">
-              <a:latin typeface="BentonSans Regular" panose="02000503000000020004" pitchFamily="50" charset="0"/>
-            </a:endParaRPr>
-          </a:p>
-          <a:p>
-            <a:r>
-              <a:rPr lang="en-US" sz="2400" dirty="0">
-                <a:latin typeface="BentonSans Regular" panose="02000503000000020004" pitchFamily="50" charset="0"/>
-              </a:rPr>
-              <a:t>We augmented these datasets with transformed and translated duplicates of images within each dataset.</a:t>
-            </a:r>
-          </a:p>
-          <a:p>
-            <a:endParaRPr lang="en-US" sz="2400" dirty="0">
-              <a:latin typeface="BentonSans Regular" panose="02000503000000020004" pitchFamily="50" charset="0"/>
-            </a:endParaRPr>
-          </a:p>
-          <a:p>
-            <a:endParaRPr lang="en-US" sz="2400" dirty="0"/>
-          </a:p>
-        </p:txBody>
-      </p:sp>
-      <p:sp>
-        <p:nvSpPr>
-          <p:cNvPr id="66" name="Rectangle 65">
-            <a:extLst>
-              <a:ext uri="{FF2B5EF4-FFF2-40B4-BE49-F238E27FC236}">
-                <a16:creationId xmlns:a16="http://schemas.microsoft.com/office/drawing/2014/main" id="{7366094C-BB6C-4A49-9348-25813FD733BA}"/>
-              </a:ext>
-            </a:extLst>
-          </p:cNvPr>
-          <p:cNvSpPr/>
-          <p:nvPr/>
-        </p:nvSpPr>
-        <p:spPr>
-          <a:xfrm>
-            <a:off x="18716628" y="13145337"/>
-            <a:ext cx="2550118" cy="830997"/>
-          </a:xfrm>
-          <a:prstGeom prst="rect">
-            <a:avLst/>
-          </a:prstGeom>
-        </p:spPr>
-        <p:txBody>
-          <a:bodyPr wrap="square">
-            <a:spAutoFit/>
-          </a:bodyPr>
-          <a:lstStyle/>
-          <a:p>
-            <a:r>
-              <a:rPr lang="en-US" sz="2400" dirty="0">
-                <a:latin typeface="BentonSans Regular" panose="02000503000000020004" pitchFamily="50" charset="0"/>
-              </a:rPr>
-              <a:t>Classifier architecture</a:t>
-            </a:r>
-            <a:endParaRPr lang="en-US" sz="2400" dirty="0"/>
-          </a:p>
-        </p:txBody>
-      </p:sp>
-      <p:pic>
-        <p:nvPicPr>
-          <p:cNvPr id="68" name="Picture 67" descr="A screenshot of a cell phone&#10;&#10;Description generated with very high confidence">
-            <a:extLst>
-              <a:ext uri="{FF2B5EF4-FFF2-40B4-BE49-F238E27FC236}">
-                <a16:creationId xmlns:a16="http://schemas.microsoft.com/office/drawing/2014/main" id="{91A2F9F8-3A8D-4ACE-B11E-E8A860DD5C39}"/>
-              </a:ext>
-            </a:extLst>
-          </p:cNvPr>
-          <p:cNvPicPr>
-            <a:picLocks noChangeAspect="1"/>
-          </p:cNvPicPr>
-          <p:nvPr/>
-        </p:nvPicPr>
-        <p:blipFill>
-          <a:blip r:embed="rId5">
-            <a:extLst>
-              <a:ext uri="{28A0092B-C50C-407E-A947-70E740481C1C}">
-                <a14:useLocalDpi xmlns:a14="http://schemas.microsoft.com/office/drawing/2010/main" val="0"/>
-              </a:ext>
-            </a:extLst>
-          </a:blip>
-          <a:stretch>
-            <a:fillRect/>
-          </a:stretch>
-        </p:blipFill>
-        <p:spPr>
-          <a:xfrm rot="16200000">
-            <a:off x="13778178" y="11129773"/>
-            <a:ext cx="1725685" cy="5044327"/>
-          </a:xfrm>
-          <a:prstGeom prst="rect">
-            <a:avLst/>
-          </a:prstGeom>
-        </p:spPr>
-      </p:pic>
-      <p:pic>
-        <p:nvPicPr>
-          <p:cNvPr id="70" name="Picture 69" descr="A bathroom with a sink and a mirror&#10;&#10;Description generated with very high confidence">
-            <a:extLst>
-              <a:ext uri="{FF2B5EF4-FFF2-40B4-BE49-F238E27FC236}">
-                <a16:creationId xmlns:a16="http://schemas.microsoft.com/office/drawing/2014/main" id="{23BB58B4-2BAD-46D9-8873-E89EFB4BF9B8}"/>
-              </a:ext>
-            </a:extLst>
-          </p:cNvPr>
-          <p:cNvPicPr>
-            <a:picLocks noChangeAspect="1"/>
-          </p:cNvPicPr>
-          <p:nvPr/>
-        </p:nvPicPr>
-        <p:blipFill>
-          <a:blip r:embed="rId6">
-            <a:extLst>
-              <a:ext uri="{28A0092B-C50C-407E-A947-70E740481C1C}">
-                <a14:useLocalDpi xmlns:a14="http://schemas.microsoft.com/office/drawing/2010/main" val="0"/>
-              </a:ext>
-            </a:extLst>
-          </a:blip>
-          <a:stretch>
-            <a:fillRect/>
-          </a:stretch>
-        </p:blipFill>
-        <p:spPr>
-          <a:xfrm>
-            <a:off x="26250899" y="7612990"/>
-            <a:ext cx="3094622" cy="2061019"/>
-          </a:xfrm>
-          <a:prstGeom prst="rect">
-            <a:avLst/>
-          </a:prstGeom>
-        </p:spPr>
-      </p:pic>
-      <p:pic>
-        <p:nvPicPr>
-          <p:cNvPr id="72" name="Picture 71" descr="A person in a car&#10;&#10;Description generated with high confidence">
-            <a:extLst>
-              <a:ext uri="{FF2B5EF4-FFF2-40B4-BE49-F238E27FC236}">
-                <a16:creationId xmlns:a16="http://schemas.microsoft.com/office/drawing/2014/main" id="{C895795A-4FA1-458A-8950-32AFE572015C}"/>
+                <a16:creationId xmlns:a16="http://schemas.microsoft.com/office/drawing/2014/main" id="{267DBD50-7627-4DFB-96D6-EB77E0C91A23}"/>
               </a:ext>
             </a:extLst>
           </p:cNvPr>
@@ -6263,42 +5921,228 @@
         </p:blipFill>
         <p:spPr>
           <a:xfrm>
-            <a:off x="23393399" y="7606889"/>
-            <a:ext cx="2857500" cy="2143125"/>
+            <a:off x="18916804" y="11256149"/>
+            <a:ext cx="1015159" cy="948120"/>
           </a:xfrm>
           <a:prstGeom prst="rect">
             <a:avLst/>
           </a:prstGeom>
         </p:spPr>
       </p:pic>
-      <p:graphicFrame>
-        <p:nvGraphicFramePr>
-          <p:cNvPr id="75" name="Chart 74">
+      <p:pic>
+        <p:nvPicPr>
+          <p:cNvPr id="92" name="Picture 91" descr="A screenshot of a cell phone&#10;&#10;Description generated with very high confidence">
             <a:extLst>
               <a:ext uri="{FF2B5EF4-FFF2-40B4-BE49-F238E27FC236}">
-                <a16:creationId xmlns:a16="http://schemas.microsoft.com/office/drawing/2014/main" id="{D0E02888-CF53-4AB2-92B8-CF75B21DCC10}"/>
+                <a16:creationId xmlns:a16="http://schemas.microsoft.com/office/drawing/2014/main" id="{750CA296-54AE-42AD-89FE-C15630258C49}"/>
               </a:ext>
             </a:extLst>
           </p:cNvPr>
-          <p:cNvGraphicFramePr/>
-          <p:nvPr>
-            <p:extLst>
-              <p:ext uri="{D42A27DB-BD31-4B8C-83A1-F6EECF244321}">
-                <p14:modId xmlns:p14="http://schemas.microsoft.com/office/powerpoint/2010/main" val="3653618625"/>
-              </p:ext>
-            </p:extLst>
-          </p:nvPr>
-        </p:nvGraphicFramePr>
-        <p:xfrm>
-          <a:off x="23289784" y="13570798"/>
-          <a:ext cx="7837916" cy="2238144"/>
-        </p:xfrm>
-        <a:graphic>
-          <a:graphicData uri="http://schemas.openxmlformats.org/drawingml/2006/chart">
-            <c:chart xmlns:c="http://schemas.openxmlformats.org/drawingml/2006/chart" xmlns:r="http://schemas.openxmlformats.org/officeDocument/2006/relationships" r:id="rId8"/>
-          </a:graphicData>
-        </a:graphic>
-      </p:graphicFrame>
+          <p:cNvPicPr>
+            <a:picLocks noChangeAspect="1"/>
+          </p:cNvPicPr>
+          <p:nvPr/>
+        </p:nvPicPr>
+        <p:blipFill>
+          <a:blip r:embed="rId8">
+            <a:extLst>
+              <a:ext uri="{28A0092B-C50C-407E-A947-70E740481C1C}">
+                <a14:useLocalDpi xmlns:a14="http://schemas.microsoft.com/office/drawing/2010/main" val="0"/>
+              </a:ext>
+            </a:extLst>
+          </a:blip>
+          <a:stretch>
+            <a:fillRect/>
+          </a:stretch>
+        </p:blipFill>
+        <p:spPr>
+          <a:xfrm>
+            <a:off x="11551209" y="8807076"/>
+            <a:ext cx="2048125" cy="5363405"/>
+          </a:xfrm>
+          <a:prstGeom prst="rect">
+            <a:avLst/>
+          </a:prstGeom>
+        </p:spPr>
+      </p:pic>
+      <p:sp>
+        <p:nvSpPr>
+          <p:cNvPr id="94" name="Rectangle 93">
+            <a:extLst>
+              <a:ext uri="{FF2B5EF4-FFF2-40B4-BE49-F238E27FC236}">
+                <a16:creationId xmlns:a16="http://schemas.microsoft.com/office/drawing/2014/main" id="{FCE0E4C4-81DF-4BDC-9A17-005934256E58}"/>
+              </a:ext>
+            </a:extLst>
+          </p:cNvPr>
+          <p:cNvSpPr/>
+          <p:nvPr/>
+        </p:nvSpPr>
+        <p:spPr>
+          <a:xfrm>
+            <a:off x="11092582" y="7460034"/>
+            <a:ext cx="3390229" cy="1200329"/>
+          </a:xfrm>
+          <a:prstGeom prst="rect">
+            <a:avLst/>
+          </a:prstGeom>
+        </p:spPr>
+        <p:txBody>
+          <a:bodyPr wrap="square">
+            <a:spAutoFit/>
+          </a:bodyPr>
+          <a:lstStyle/>
+          <a:p>
+            <a:pPr algn="just"/>
+            <a:r>
+              <a:rPr lang="en-US" sz="2400" dirty="0">
+                <a:latin typeface="BentonSans Regular" panose="02000503000000020004"/>
+              </a:rPr>
+              <a:t>Gesture Classification Network Architecture</a:t>
+            </a:r>
+          </a:p>
+          <a:p>
+            <a:pPr algn="just"/>
+            <a:r>
+              <a:rPr lang="en-US" sz="2400" dirty="0">
+                <a:latin typeface="BentonSans Regular" panose="02000503000000020004"/>
+              </a:rPr>
+              <a:t>(with 25 class output)</a:t>
+            </a:r>
+          </a:p>
+        </p:txBody>
+      </p:sp>
+      <p:sp>
+        <p:nvSpPr>
+          <p:cNvPr id="95" name="Rectangle 94">
+            <a:extLst>
+              <a:ext uri="{FF2B5EF4-FFF2-40B4-BE49-F238E27FC236}">
+                <a16:creationId xmlns:a16="http://schemas.microsoft.com/office/drawing/2014/main" id="{16EF79ED-F654-412E-B560-D8B48946FA4A}"/>
+              </a:ext>
+            </a:extLst>
+          </p:cNvPr>
+          <p:cNvSpPr/>
+          <p:nvPr/>
+        </p:nvSpPr>
+        <p:spPr>
+          <a:xfrm>
+            <a:off x="13621061" y="12985219"/>
+            <a:ext cx="5044326" cy="1785104"/>
+          </a:xfrm>
+          <a:prstGeom prst="rect">
+            <a:avLst/>
+          </a:prstGeom>
+        </p:spPr>
+        <p:txBody>
+          <a:bodyPr wrap="square">
+            <a:spAutoFit/>
+          </a:bodyPr>
+          <a:lstStyle/>
+          <a:p>
+            <a:r>
+              <a:rPr lang="en-US" sz="2200" dirty="0">
+                <a:latin typeface="BentonSans Regular" panose="02000503000000020004"/>
+              </a:rPr>
+              <a:t>Gesture classification architecture classifies images at ~166 frames per second (on i5-4300U @ 1.90 GHz) using </a:t>
+            </a:r>
+            <a:r>
+              <a:rPr lang="en-US" sz="2200" dirty="0" err="1">
+                <a:latin typeface="BentonSans Regular" panose="02000503000000020004"/>
+              </a:rPr>
+              <a:t>Keras</a:t>
+            </a:r>
+            <a:r>
+              <a:rPr lang="en-US" sz="2200" dirty="0">
+                <a:latin typeface="BentonSans Regular" panose="02000503000000020004"/>
+              </a:rPr>
+              <a:t> with a </a:t>
+            </a:r>
+            <a:r>
+              <a:rPr lang="en-US" sz="2200" dirty="0" err="1">
+                <a:latin typeface="BentonSans Regular" panose="02000503000000020004"/>
+              </a:rPr>
+              <a:t>Tensorflow</a:t>
+            </a:r>
+            <a:r>
+              <a:rPr lang="en-US" sz="2200" dirty="0">
+                <a:latin typeface="BentonSans Regular" panose="02000503000000020004"/>
+              </a:rPr>
+              <a:t> backend.</a:t>
+            </a:r>
+          </a:p>
+        </p:txBody>
+      </p:sp>
+      <p:pic>
+        <p:nvPicPr>
+          <p:cNvPr id="97" name="Picture 96" descr="A screenshot of a cell phone&#10;&#10;Description generated with very high confidence">
+            <a:extLst>
+              <a:ext uri="{FF2B5EF4-FFF2-40B4-BE49-F238E27FC236}">
+                <a16:creationId xmlns:a16="http://schemas.microsoft.com/office/drawing/2014/main" id="{6D97977A-E4B1-4616-A352-FC71FE92429B}"/>
+              </a:ext>
+            </a:extLst>
+          </p:cNvPr>
+          <p:cNvPicPr>
+            <a:picLocks noChangeAspect="1"/>
+          </p:cNvPicPr>
+          <p:nvPr/>
+        </p:nvPicPr>
+        <p:blipFill>
+          <a:blip r:embed="rId9">
+            <a:extLst>
+              <a:ext uri="{28A0092B-C50C-407E-A947-70E740481C1C}">
+                <a14:useLocalDpi xmlns:a14="http://schemas.microsoft.com/office/drawing/2010/main" val="0"/>
+              </a:ext>
+            </a:extLst>
+          </a:blip>
+          <a:stretch>
+            <a:fillRect/>
+          </a:stretch>
+        </p:blipFill>
+        <p:spPr>
+          <a:xfrm>
+            <a:off x="14813351" y="8873208"/>
+            <a:ext cx="2135313" cy="3827599"/>
+          </a:xfrm>
+          <a:prstGeom prst="rect">
+            <a:avLst/>
+          </a:prstGeom>
+        </p:spPr>
+      </p:pic>
+      <p:sp>
+        <p:nvSpPr>
+          <p:cNvPr id="98" name="Rectangle 97">
+            <a:extLst>
+              <a:ext uri="{FF2B5EF4-FFF2-40B4-BE49-F238E27FC236}">
+                <a16:creationId xmlns:a16="http://schemas.microsoft.com/office/drawing/2014/main" id="{446B6A28-F058-4923-9339-CA2A9B7B6E46}"/>
+              </a:ext>
+            </a:extLst>
+          </p:cNvPr>
+          <p:cNvSpPr/>
+          <p:nvPr/>
+        </p:nvSpPr>
+        <p:spPr>
+          <a:xfrm>
+            <a:off x="14629538" y="7717360"/>
+            <a:ext cx="3338716" cy="830997"/>
+          </a:xfrm>
+          <a:prstGeom prst="rect">
+            <a:avLst/>
+          </a:prstGeom>
+        </p:spPr>
+        <p:txBody>
+          <a:bodyPr wrap="square">
+            <a:spAutoFit/>
+          </a:bodyPr>
+          <a:lstStyle/>
+          <a:p>
+            <a:r>
+              <a:rPr lang="en-US" sz="2400" dirty="0">
+                <a:latin typeface="BentonSans Regular" panose="02000503000000020004"/>
+              </a:rPr>
+              <a:t>Hand Detection Network Architecture</a:t>
+            </a:r>
+          </a:p>
+        </p:txBody>
+      </p:sp>
     </p:spTree>
     <p:extLst>
       <p:ext uri="{BB962C8B-B14F-4D97-AF65-F5344CB8AC3E}">
